--- a/LINE在電商領域能提出之新功能.pptx
+++ b/LINE在電商領域能提出之新功能.pptx
@@ -119,6 +119,11 @@
       </a:defRPr>
     </a:lvl9pPr>
   </p:defaultTextStyle>
+  <p:extLst>
+    <p:ext uri="{EFAFB233-063F-42B5-8137-9DF3F51BA10A}">
+      <p15:sldGuideLst xmlns:p15="http://schemas.microsoft.com/office/powerpoint/2012/main"/>
+    </p:ext>
+  </p:extLst>
 </p:presentation>
 </file>
 
@@ -4367,7 +4372,7 @@
           <a:p>
             <a:fld id="{E40AD7CA-D241-4A91-A033-62799EACC562}" type="datetimeFigureOut">
               <a:rPr lang="zh-TW" altLang="en-US" smtClean="0"/>
-              <a:t>2024/1/6</a:t>
+              <a:t>2024/1/7</a:t>
             </a:fld>
             <a:endParaRPr lang="zh-TW" altLang="en-US"/>
           </a:p>
@@ -4697,7 +4702,7 @@
           <a:p>
             <a:fld id="{E40AD7CA-D241-4A91-A033-62799EACC562}" type="datetimeFigureOut">
               <a:rPr lang="zh-TW" altLang="en-US" smtClean="0"/>
-              <a:t>2024/1/6</a:t>
+              <a:t>2024/1/7</a:t>
             </a:fld>
             <a:endParaRPr lang="zh-TW" altLang="en-US"/>
           </a:p>
@@ -4877,7 +4882,7 @@
           <a:p>
             <a:fld id="{E40AD7CA-D241-4A91-A033-62799EACC562}" type="datetimeFigureOut">
               <a:rPr lang="zh-TW" altLang="en-US" smtClean="0"/>
-              <a:t>2024/1/6</a:t>
+              <a:t>2024/1/7</a:t>
             </a:fld>
             <a:endParaRPr lang="zh-TW" altLang="en-US"/>
           </a:p>
@@ -5047,7 +5052,7 @@
           <a:p>
             <a:fld id="{E40AD7CA-D241-4A91-A033-62799EACC562}" type="datetimeFigureOut">
               <a:rPr lang="zh-TW" altLang="en-US" smtClean="0"/>
-              <a:t>2024/1/6</a:t>
+              <a:t>2024/1/7</a:t>
             </a:fld>
             <a:endParaRPr lang="zh-TW" altLang="en-US"/>
           </a:p>
@@ -5324,7 +5329,7 @@
           <a:p>
             <a:fld id="{E40AD7CA-D241-4A91-A033-62799EACC562}" type="datetimeFigureOut">
               <a:rPr lang="zh-TW" altLang="en-US" smtClean="0"/>
-              <a:t>2024/1/6</a:t>
+              <a:t>2024/1/7</a:t>
             </a:fld>
             <a:endParaRPr lang="zh-TW" altLang="en-US"/>
           </a:p>
@@ -5718,7 +5723,7 @@
           <a:p>
             <a:fld id="{E40AD7CA-D241-4A91-A033-62799EACC562}" type="datetimeFigureOut">
               <a:rPr lang="zh-TW" altLang="en-US" smtClean="0"/>
-              <a:t>2024/1/6</a:t>
+              <a:t>2024/1/7</a:t>
             </a:fld>
             <a:endParaRPr lang="zh-TW" altLang="en-US"/>
           </a:p>
@@ -6195,7 +6200,7 @@
           <a:p>
             <a:fld id="{E40AD7CA-D241-4A91-A033-62799EACC562}" type="datetimeFigureOut">
               <a:rPr lang="zh-TW" altLang="en-US" smtClean="0"/>
-              <a:t>2024/1/6</a:t>
+              <a:t>2024/1/7</a:t>
             </a:fld>
             <a:endParaRPr lang="zh-TW" altLang="en-US"/>
           </a:p>
@@ -6313,7 +6318,7 @@
           <a:p>
             <a:fld id="{E40AD7CA-D241-4A91-A033-62799EACC562}" type="datetimeFigureOut">
               <a:rPr lang="zh-TW" altLang="en-US" smtClean="0"/>
-              <a:t>2024/1/6</a:t>
+              <a:t>2024/1/7</a:t>
             </a:fld>
             <a:endParaRPr lang="zh-TW" altLang="en-US"/>
           </a:p>
@@ -6408,7 +6413,7 @@
           <a:p>
             <a:fld id="{E40AD7CA-D241-4A91-A033-62799EACC562}" type="datetimeFigureOut">
               <a:rPr lang="zh-TW" altLang="en-US" smtClean="0"/>
-              <a:t>2024/1/6</a:t>
+              <a:t>2024/1/7</a:t>
             </a:fld>
             <a:endParaRPr lang="zh-TW" altLang="en-US"/>
           </a:p>
@@ -6754,7 +6759,7 @@
           <a:p>
             <a:fld id="{E40AD7CA-D241-4A91-A033-62799EACC562}" type="datetimeFigureOut">
               <a:rPr lang="zh-TW" altLang="en-US" smtClean="0"/>
-              <a:t>2024/1/6</a:t>
+              <a:t>2024/1/7</a:t>
             </a:fld>
             <a:endParaRPr lang="zh-TW" altLang="en-US"/>
           </a:p>
@@ -7142,7 +7147,7 @@
           <a:p>
             <a:fld id="{E40AD7CA-D241-4A91-A033-62799EACC562}" type="datetimeFigureOut">
               <a:rPr lang="zh-TW" altLang="en-US" smtClean="0"/>
-              <a:t>2024/1/6</a:t>
+              <a:t>2024/1/7</a:t>
             </a:fld>
             <a:endParaRPr lang="zh-TW" altLang="en-US"/>
           </a:p>
@@ -7420,7 +7425,7 @@
           <a:p>
             <a:fld id="{E40AD7CA-D241-4A91-A033-62799EACC562}" type="datetimeFigureOut">
               <a:rPr lang="zh-TW" altLang="en-US" smtClean="0"/>
-              <a:t>2024/1/6</a:t>
+              <a:t>2024/1/7</a:t>
             </a:fld>
             <a:endParaRPr lang="zh-TW" altLang="en-US"/>
           </a:p>
@@ -8115,7 +8120,7 @@
           <a:lstStyle/>
           <a:p>
             <a:r>
-              <a:rPr lang="zh-TW" altLang="en-US" dirty="0">
+              <a:rPr lang="zh-TW" altLang="en-US" b="1" dirty="0">
                 <a:latin typeface="微軟正黑體" panose="020B0604030504040204" pitchFamily="34" charset="-120"/>
                 <a:ea typeface="微軟正黑體" panose="020B0604030504040204" pitchFamily="34" charset="-120"/>
               </a:rPr>
@@ -8238,7 +8243,7 @@
           <a:lstStyle/>
           <a:p>
             <a:r>
-              <a:rPr lang="zh-TW" altLang="en-US" dirty="0"/>
+              <a:rPr lang="zh-TW" altLang="en-US" b="1" dirty="0"/>
               <a:t>系統介面</a:t>
             </a:r>
           </a:p>
@@ -8321,7 +8326,7 @@
           <a:lstStyle/>
           <a:p>
             <a:r>
-              <a:rPr lang="zh-TW" altLang="en-US" dirty="0"/>
+              <a:rPr lang="zh-TW" altLang="en-US" b="1" dirty="0"/>
               <a:t>系統架構</a:t>
             </a:r>
           </a:p>
@@ -8733,7 +8738,7 @@
           <a:lstStyle/>
           <a:p>
             <a:r>
-              <a:rPr lang="zh-TW" altLang="en-US" dirty="0"/>
+              <a:rPr lang="zh-TW" altLang="en-US" b="1" dirty="0"/>
               <a:t>收益模式</a:t>
             </a:r>
           </a:p>
@@ -8896,7 +8901,7 @@
           <a:lstStyle/>
           <a:p>
             <a:r>
-              <a:rPr lang="zh-TW" altLang="en-US" dirty="0"/>
+              <a:rPr lang="zh-TW" altLang="en-US" b="1" dirty="0"/>
               <a:t>未來展望</a:t>
             </a:r>
           </a:p>
@@ -9045,7 +9050,7 @@
           <a:lstStyle/>
           <a:p>
             <a:r>
-              <a:rPr lang="zh-TW" altLang="en-US" dirty="0"/>
+              <a:rPr lang="zh-TW" altLang="en-US" b="1" dirty="0"/>
               <a:t>未來展望</a:t>
             </a:r>
           </a:p>
@@ -9168,7 +9173,7 @@
           <a:lstStyle/>
           <a:p>
             <a:r>
-              <a:rPr lang="zh-TW" altLang="en-US" dirty="0"/>
+              <a:rPr lang="zh-TW" altLang="en-US" b="1" dirty="0"/>
               <a:t>資料來源</a:t>
             </a:r>
           </a:p>
@@ -10262,7 +10267,7 @@
           <a:lstStyle/>
           <a:p>
             <a:r>
-              <a:rPr lang="zh-TW" altLang="en-US" dirty="0">
+              <a:rPr lang="zh-TW" altLang="en-US" b="1" dirty="0">
                 <a:latin typeface="微軟正黑體 (本文)"/>
               </a:rPr>
               <a:t>目錄</a:t>
@@ -10727,7 +10732,7 @@
           <a:lstStyle/>
           <a:p>
             <a:r>
-              <a:rPr lang="zh-TW" altLang="en-US" dirty="0">
+              <a:rPr lang="zh-TW" altLang="en-US" b="1" dirty="0">
                 <a:latin typeface="微軟正黑體 (本文)"/>
               </a:rPr>
               <a:t>主題方向</a:t>
@@ -11709,7 +11714,7 @@
           <a:lstStyle/>
           <a:p>
             <a:r>
-              <a:rPr lang="zh-TW" altLang="en-US" dirty="0">
+              <a:rPr lang="zh-TW" altLang="en-US" b="1" dirty="0">
                 <a:latin typeface="微軟正黑體 (本文)"/>
               </a:rPr>
               <a:t>主題方向</a:t>
@@ -12586,7 +12591,7 @@
           <a:lstStyle/>
           <a:p>
             <a:r>
-              <a:rPr lang="zh-TW" altLang="en-US" dirty="0">
+              <a:rPr lang="zh-TW" altLang="en-US" b="1" dirty="0">
                 <a:latin typeface="微軟正黑體 (本文)"/>
               </a:rPr>
               <a:t>背景知識文獻探討</a:t>
@@ -12962,7 +12967,7 @@
           <a:lstStyle/>
           <a:p>
             <a:r>
-              <a:rPr lang="zh-TW" altLang="en-US" dirty="0">
+              <a:rPr lang="zh-TW" altLang="en-US" b="1" dirty="0">
                 <a:latin typeface="微軟正黑體 (本文)"/>
               </a:rPr>
               <a:t>背景知識文獻探討</a:t>
@@ -13153,7 +13158,7 @@
           <a:lstStyle/>
           <a:p>
             <a:r>
-              <a:rPr lang="zh-TW" altLang="en-US" dirty="0">
+              <a:rPr lang="zh-TW" altLang="en-US" b="1" dirty="0">
                 <a:latin typeface="微軟正黑體 (本文)"/>
               </a:rPr>
               <a:t>背景知識文獻探討</a:t>
@@ -13362,7 +13367,7 @@
           <a:lstStyle/>
           <a:p>
             <a:r>
-              <a:rPr lang="zh-TW" altLang="en-US" dirty="0">
+              <a:rPr lang="zh-TW" altLang="en-US" b="1" dirty="0">
                 <a:latin typeface="微軟正黑體 (本文)"/>
               </a:rPr>
               <a:t>背景知識文獻探討</a:t>
@@ -13495,7 +13500,7 @@
           <a:lstStyle/>
           <a:p>
             <a:r>
-              <a:rPr lang="zh-TW" altLang="en-US" dirty="0">
+              <a:rPr lang="zh-TW" altLang="en-US" b="1" dirty="0">
                 <a:latin typeface="微軟正黑體" panose="020B0604030504040204" pitchFamily="34" charset="-120"/>
                 <a:ea typeface="微軟正黑體" panose="020B0604030504040204" pitchFamily="34" charset="-120"/>
               </a:rPr>

--- a/LINE在電商領域能提出之新功能.pptx
+++ b/LINE在電商領域能提出之新功能.pptx
@@ -1632,7 +1632,7 @@
 <dgm:dataModel xmlns:dgm="http://schemas.openxmlformats.org/drawingml/2006/diagram" xmlns:a="http://schemas.openxmlformats.org/drawingml/2006/main">
   <dgm:ptLst>
     <dgm:pt modelId="{38E34F37-2B6B-4127-8244-0BE8AC8BD8A6}" type="doc">
-      <dgm:prSet loTypeId="urn:microsoft.com/office/officeart/2008/layout/VerticalCurvedList" loCatId="list" qsTypeId="urn:microsoft.com/office/officeart/2005/8/quickstyle/simple1" qsCatId="simple" csTypeId="urn:microsoft.com/office/officeart/2005/8/colors/accent1_2" csCatId="accent1" phldr="1"/>
+      <dgm:prSet loTypeId="urn:microsoft.com/office/officeart/2005/8/layout/vList3" loCatId="list" qsTypeId="urn:microsoft.com/office/officeart/2005/8/quickstyle/simple1" qsCatId="simple" csTypeId="urn:microsoft.com/office/officeart/2005/8/colors/accent1_2" csCatId="accent1" phldr="1"/>
       <dgm:spPr/>
       <dgm:t>
         <a:bodyPr/>
@@ -1643,14 +1643,54 @@
       </dgm:t>
     </dgm:pt>
     <dgm:pt modelId="{46C0CB32-EE0A-4738-9048-EABBFBBBFC64}">
-      <dgm:prSet phldrT="[文字]"/>
-      <dgm:spPr/>
+      <dgm:prSet phldrT="[文字]" custT="1"/>
+      <dgm:spPr>
+        <a:solidFill>
+          <a:srgbClr val="8C8D86">
+            <a:hueOff val="0"/>
+            <a:satOff val="0"/>
+            <a:lumOff val="0"/>
+            <a:alphaOff val="0"/>
+          </a:srgbClr>
+        </a:solidFill>
+        <a:ln w="34925" cap="flat" cmpd="sng" algn="in">
+          <a:solidFill>
+            <a:prstClr val="white">
+              <a:hueOff val="0"/>
+              <a:satOff val="0"/>
+              <a:lumOff val="0"/>
+              <a:alphaOff val="0"/>
+            </a:prstClr>
+          </a:solidFill>
+          <a:prstDash val="solid"/>
+        </a:ln>
+        <a:effectLst/>
+      </dgm:spPr>
       <dgm:t>
-        <a:bodyPr/>
+        <a:bodyPr spcFirstLastPara="0" vert="horz" wrap="square" lIns="629703" tIns="73660" rIns="73660" bIns="73660" numCol="1" spcCol="1270" anchor="ctr" anchorCtr="0"/>
         <a:lstStyle/>
         <a:p>
+          <a:pPr marL="360000" lvl="0" indent="0" algn="l" defTabSz="1289050">
+            <a:lnSpc>
+              <a:spcPct val="100000"/>
+            </a:lnSpc>
+            <a:spcBef>
+              <a:spcPct val="0"/>
+            </a:spcBef>
+            <a:spcAft>
+              <a:spcPts val="0"/>
+            </a:spcAft>
+            <a:buNone/>
+          </a:pPr>
           <a:r>
-            <a:rPr lang="zh-TW" altLang="en-US"/>
+            <a:rPr lang="zh-TW" altLang="en-US" sz="3000" kern="1200" dirty="0">
+              <a:solidFill>
+                <a:prstClr val="white"/>
+              </a:solidFill>
+              <a:latin typeface="Franklin Gothic Book" panose="020B0503020102020204"/>
+              <a:ea typeface="微軟正黑體" panose="020B0604030504040204" pitchFamily="34" charset="-120"/>
+              <a:cs typeface="+mn-cs"/>
+            </a:rPr>
             <a:t>預約看診</a:t>
           </a:r>
         </a:p>
@@ -1663,7 +1703,8 @@
         <a:bodyPr/>
         <a:lstStyle/>
         <a:p>
-          <a:endParaRPr lang="zh-TW" altLang="en-US"/>
+          <a:pPr algn="ctr"/>
+          <a:endParaRPr lang="zh-TW" altLang="en-US" sz="3000"/>
         </a:p>
       </dgm:t>
     </dgm:pt>
@@ -1674,20 +1715,60 @@
         <a:bodyPr/>
         <a:lstStyle/>
         <a:p>
-          <a:endParaRPr lang="zh-TW" altLang="en-US"/>
+          <a:pPr algn="ctr"/>
+          <a:endParaRPr lang="zh-TW" altLang="en-US" sz="3000"/>
         </a:p>
       </dgm:t>
     </dgm:pt>
     <dgm:pt modelId="{1E1F76BF-7FB7-4139-882B-E223DB9787EA}">
-      <dgm:prSet phldrT="[文字]"/>
-      <dgm:spPr/>
+      <dgm:prSet phldrT="[文字]" custT="1"/>
+      <dgm:spPr>
+        <a:solidFill>
+          <a:srgbClr val="8C8D86">
+            <a:hueOff val="0"/>
+            <a:satOff val="0"/>
+            <a:lumOff val="0"/>
+            <a:alphaOff val="0"/>
+          </a:srgbClr>
+        </a:solidFill>
+        <a:ln w="34925" cap="flat" cmpd="sng" algn="in">
+          <a:solidFill>
+            <a:prstClr val="white">
+              <a:hueOff val="0"/>
+              <a:satOff val="0"/>
+              <a:lumOff val="0"/>
+              <a:alphaOff val="0"/>
+            </a:prstClr>
+          </a:solidFill>
+          <a:prstDash val="solid"/>
+        </a:ln>
+        <a:effectLst/>
+      </dgm:spPr>
       <dgm:t>
-        <a:bodyPr/>
+        <a:bodyPr spcFirstLastPara="0" vert="horz" wrap="square" lIns="629703" tIns="73660" rIns="73660" bIns="73660" numCol="1" spcCol="1270" anchor="ctr" anchorCtr="0"/>
         <a:lstStyle/>
         <a:p>
-          <a:pPr algn="ctr"/>
+          <a:pPr marL="360000" lvl="0" indent="0" algn="l" defTabSz="1289050">
+            <a:lnSpc>
+              <a:spcPct val="100000"/>
+            </a:lnSpc>
+            <a:spcBef>
+              <a:spcPct val="0"/>
+            </a:spcBef>
+            <a:spcAft>
+              <a:spcPts val="0"/>
+            </a:spcAft>
+            <a:buNone/>
+          </a:pPr>
           <a:r>
-            <a:rPr lang="zh-TW" altLang="en-US"/>
+            <a:rPr lang="zh-TW" altLang="en-US" sz="3000" kern="1200" dirty="0">
+              <a:solidFill>
+                <a:prstClr val="white"/>
+              </a:solidFill>
+              <a:latin typeface="Franklin Gothic Book" panose="020B0503020102020204"/>
+              <a:ea typeface="微軟正黑體" panose="020B0604030504040204" pitchFamily="34" charset="-120"/>
+              <a:cs typeface="+mn-cs"/>
+            </a:rPr>
             <a:t>健康紀錄</a:t>
           </a:r>
         </a:p>
@@ -1700,7 +1781,8 @@
         <a:bodyPr/>
         <a:lstStyle/>
         <a:p>
-          <a:endParaRPr lang="zh-TW" altLang="en-US"/>
+          <a:pPr algn="ctr"/>
+          <a:endParaRPr lang="zh-TW" altLang="en-US" sz="3000"/>
         </a:p>
       </dgm:t>
     </dgm:pt>
@@ -1711,19 +1793,60 @@
         <a:bodyPr/>
         <a:lstStyle/>
         <a:p>
-          <a:endParaRPr lang="zh-TW" altLang="en-US"/>
+          <a:pPr algn="ctr"/>
+          <a:endParaRPr lang="zh-TW" altLang="en-US" sz="3000"/>
         </a:p>
       </dgm:t>
     </dgm:pt>
     <dgm:pt modelId="{C2E0001C-2B23-4D19-BFD3-AC27B468EB46}">
-      <dgm:prSet phldrT="[文字]"/>
-      <dgm:spPr/>
+      <dgm:prSet phldrT="[文字]" custT="1"/>
+      <dgm:spPr>
+        <a:solidFill>
+          <a:srgbClr val="8C8D86">
+            <a:hueOff val="0"/>
+            <a:satOff val="0"/>
+            <a:lumOff val="0"/>
+            <a:alphaOff val="0"/>
+          </a:srgbClr>
+        </a:solidFill>
+        <a:ln w="34925" cap="flat" cmpd="sng" algn="in">
+          <a:solidFill>
+            <a:prstClr val="white">
+              <a:hueOff val="0"/>
+              <a:satOff val="0"/>
+              <a:lumOff val="0"/>
+              <a:alphaOff val="0"/>
+            </a:prstClr>
+          </a:solidFill>
+          <a:prstDash val="solid"/>
+        </a:ln>
+        <a:effectLst/>
+      </dgm:spPr>
       <dgm:t>
-        <a:bodyPr/>
+        <a:bodyPr spcFirstLastPara="0" vert="horz" wrap="square" lIns="629703" tIns="73660" rIns="73660" bIns="73660" numCol="1" spcCol="1270" anchor="ctr" anchorCtr="0"/>
         <a:lstStyle/>
         <a:p>
+          <a:pPr marL="360000" lvl="0" indent="0" algn="l" defTabSz="1289050">
+            <a:lnSpc>
+              <a:spcPct val="100000"/>
+            </a:lnSpc>
+            <a:spcBef>
+              <a:spcPct val="0"/>
+            </a:spcBef>
+            <a:spcAft>
+              <a:spcPts val="0"/>
+            </a:spcAft>
+            <a:buNone/>
+          </a:pPr>
           <a:r>
-            <a:rPr lang="zh-TW" altLang="en-US"/>
+            <a:rPr lang="zh-TW" altLang="en-US" sz="3000" kern="1200" dirty="0">
+              <a:solidFill>
+                <a:prstClr val="white"/>
+              </a:solidFill>
+              <a:latin typeface="Franklin Gothic Book" panose="020B0503020102020204"/>
+              <a:ea typeface="微軟正黑體" panose="020B0604030504040204" pitchFamily="34" charset="-120"/>
+              <a:cs typeface="+mn-cs"/>
+            </a:rPr>
             <a:t>最近預約</a:t>
           </a:r>
         </a:p>
@@ -1736,7 +1859,8 @@
         <a:bodyPr/>
         <a:lstStyle/>
         <a:p>
-          <a:endParaRPr lang="zh-TW" altLang="en-US"/>
+          <a:pPr algn="ctr"/>
+          <a:endParaRPr lang="zh-TW" altLang="en-US" sz="3000"/>
         </a:p>
       </dgm:t>
     </dgm:pt>
@@ -1747,132 +1871,96 @@
         <a:bodyPr/>
         <a:lstStyle/>
         <a:p>
-          <a:endParaRPr lang="zh-TW" altLang="en-US"/>
+          <a:pPr algn="ctr"/>
+          <a:endParaRPr lang="zh-TW" altLang="en-US" sz="3000"/>
         </a:p>
       </dgm:t>
     </dgm:pt>
-    <dgm:pt modelId="{54AD2478-C738-4117-96F0-148C45685B9D}" type="pres">
-      <dgm:prSet presAssocID="{38E34F37-2B6B-4127-8244-0BE8AC8BD8A6}" presName="Name0" presStyleCnt="0">
+    <dgm:pt modelId="{6FEA4D10-F4D1-4191-B318-ED39B89A44E8}" type="pres">
+      <dgm:prSet presAssocID="{38E34F37-2B6B-4127-8244-0BE8AC8BD8A6}" presName="linearFlow" presStyleCnt="0">
         <dgm:presLayoutVars>
-          <dgm:chMax val="7"/>
-          <dgm:chPref val="7"/>
           <dgm:dir/>
+          <dgm:resizeHandles val="exact"/>
         </dgm:presLayoutVars>
       </dgm:prSet>
       <dgm:spPr/>
     </dgm:pt>
-    <dgm:pt modelId="{0B6126D3-52CF-4025-AF80-544AB1ED2EE9}" type="pres">
-      <dgm:prSet presAssocID="{38E34F37-2B6B-4127-8244-0BE8AC8BD8A6}" presName="Name1" presStyleCnt="0"/>
+    <dgm:pt modelId="{DC0C55B0-27B0-4E99-8195-4C23178292C6}" type="pres">
+      <dgm:prSet presAssocID="{46C0CB32-EE0A-4738-9048-EABBFBBBFC64}" presName="composite" presStyleCnt="0"/>
       <dgm:spPr/>
     </dgm:pt>
-    <dgm:pt modelId="{BCDDC3CF-A805-4901-9522-7FFACA4DD0E2}" type="pres">
-      <dgm:prSet presAssocID="{38E34F37-2B6B-4127-8244-0BE8AC8BD8A6}" presName="cycle" presStyleCnt="0"/>
+    <dgm:pt modelId="{58CE9C17-D0BF-4493-BE5A-98E789045096}" type="pres">
+      <dgm:prSet presAssocID="{46C0CB32-EE0A-4738-9048-EABBFBBBFC64}" presName="imgShp" presStyleLbl="fgImgPlace1" presStyleIdx="0" presStyleCnt="3" custScaleX="81636" custScaleY="81636"/>
       <dgm:spPr/>
     </dgm:pt>
-    <dgm:pt modelId="{5404BA84-F8C9-41B6-8E23-5EDDEDE8C0E3}" type="pres">
-      <dgm:prSet presAssocID="{38E34F37-2B6B-4127-8244-0BE8AC8BD8A6}" presName="srcNode" presStyleLbl="node1" presStyleIdx="0" presStyleCnt="3"/>
-      <dgm:spPr/>
-    </dgm:pt>
-    <dgm:pt modelId="{3A2E6903-2F11-42C9-9A5A-CA9E34ADDD89}" type="pres">
-      <dgm:prSet presAssocID="{38E34F37-2B6B-4127-8244-0BE8AC8BD8A6}" presName="conn" presStyleLbl="parChTrans1D2" presStyleIdx="0" presStyleCnt="1"/>
-      <dgm:spPr/>
-    </dgm:pt>
-    <dgm:pt modelId="{7BA51165-A6A8-4E22-8BE2-C6AA766F5755}" type="pres">
-      <dgm:prSet presAssocID="{38E34F37-2B6B-4127-8244-0BE8AC8BD8A6}" presName="extraNode" presStyleLbl="node1" presStyleIdx="0" presStyleCnt="3"/>
-      <dgm:spPr/>
-    </dgm:pt>
-    <dgm:pt modelId="{471317E6-8B45-42BC-A0A3-12F096E9F0B8}" type="pres">
-      <dgm:prSet presAssocID="{38E34F37-2B6B-4127-8244-0BE8AC8BD8A6}" presName="dstNode" presStyleLbl="node1" presStyleIdx="0" presStyleCnt="3"/>
-      <dgm:spPr/>
-    </dgm:pt>
-    <dgm:pt modelId="{78C88D2F-770F-4B2A-BAC6-C28007DFB5C5}" type="pres">
-      <dgm:prSet presAssocID="{46C0CB32-EE0A-4738-9048-EABBFBBBFC64}" presName="text_1" presStyleLbl="node1" presStyleIdx="0" presStyleCnt="3">
+    <dgm:pt modelId="{08F40C20-E04F-4F76-AD53-5D339596542C}" type="pres">
+      <dgm:prSet presAssocID="{46C0CB32-EE0A-4738-9048-EABBFBBBFC64}" presName="txShp" presStyleLbl="node1" presStyleIdx="0" presStyleCnt="3">
         <dgm:presLayoutVars>
           <dgm:bulletEnabled val="1"/>
         </dgm:presLayoutVars>
       </dgm:prSet>
       <dgm:spPr/>
     </dgm:pt>
-    <dgm:pt modelId="{3DC942DA-C99B-46E9-80CD-D8A2189FB420}" type="pres">
-      <dgm:prSet presAssocID="{46C0CB32-EE0A-4738-9048-EABBFBBBFC64}" presName="accent_1" presStyleCnt="0"/>
+    <dgm:pt modelId="{C89DBA00-4DA0-4684-9A75-6F033083EB57}" type="pres">
+      <dgm:prSet presAssocID="{F65B4E16-5999-41F7-A6D8-AA70FB5AC248}" presName="spacing" presStyleCnt="0"/>
       <dgm:spPr/>
     </dgm:pt>
-    <dgm:pt modelId="{7E9197CA-FCFB-4909-84F7-B1F1549CB508}" type="pres">
-      <dgm:prSet presAssocID="{46C0CB32-EE0A-4738-9048-EABBFBBBFC64}" presName="accentRepeatNode" presStyleLbl="solidFgAcc1" presStyleIdx="0" presStyleCnt="3" custScaleX="14066" custScaleY="24850"/>
-      <dgm:spPr>
-        <a:noFill/>
-        <a:ln>
-          <a:noFill/>
-        </a:ln>
-      </dgm:spPr>
+    <dgm:pt modelId="{37517587-E38A-4894-A57D-E8DC8F1DFEC1}" type="pres">
+      <dgm:prSet presAssocID="{1E1F76BF-7FB7-4139-882B-E223DB9787EA}" presName="composite" presStyleCnt="0"/>
+      <dgm:spPr/>
     </dgm:pt>
-    <dgm:pt modelId="{C4B68AAC-E804-4580-A9C3-33B6CC25FDD6}" type="pres">
-      <dgm:prSet presAssocID="{1E1F76BF-7FB7-4139-882B-E223DB9787EA}" presName="text_2" presStyleLbl="node1" presStyleIdx="1" presStyleCnt="3" custScaleX="88172">
+    <dgm:pt modelId="{FE7280F8-5FF6-4D9A-96B9-A204A14BE192}" type="pres">
+      <dgm:prSet presAssocID="{1E1F76BF-7FB7-4139-882B-E223DB9787EA}" presName="imgShp" presStyleLbl="fgImgPlace1" presStyleIdx="1" presStyleCnt="3" custScaleX="81636" custScaleY="81636"/>
+      <dgm:spPr/>
+    </dgm:pt>
+    <dgm:pt modelId="{E7370600-8478-4FCC-B92E-3CAF8EBDC83D}" type="pres">
+      <dgm:prSet presAssocID="{1E1F76BF-7FB7-4139-882B-E223DB9787EA}" presName="txShp" presStyleLbl="node1" presStyleIdx="1" presStyleCnt="3">
         <dgm:presLayoutVars>
           <dgm:bulletEnabled val="1"/>
         </dgm:presLayoutVars>
       </dgm:prSet>
       <dgm:spPr/>
     </dgm:pt>
-    <dgm:pt modelId="{D609E2B3-B153-437B-9FB7-78301D612DF9}" type="pres">
-      <dgm:prSet presAssocID="{1E1F76BF-7FB7-4139-882B-E223DB9787EA}" presName="accent_2" presStyleCnt="0"/>
+    <dgm:pt modelId="{09E9FC81-E0BD-4994-91D1-AFB28B3612B9}" type="pres">
+      <dgm:prSet presAssocID="{58A80138-52A2-42E8-986B-2C056E04E783}" presName="spacing" presStyleCnt="0"/>
       <dgm:spPr/>
     </dgm:pt>
-    <dgm:pt modelId="{4C692B1B-7496-46BE-A11F-78A77D6BB162}" type="pres">
-      <dgm:prSet presAssocID="{1E1F76BF-7FB7-4139-882B-E223DB9787EA}" presName="accentRepeatNode" presStyleLbl="solidFgAcc1" presStyleIdx="1" presStyleCnt="3"/>
-      <dgm:spPr>
-        <a:noFill/>
-        <a:ln>
-          <a:noFill/>
-        </a:ln>
-      </dgm:spPr>
+    <dgm:pt modelId="{6BECD9B0-8F59-40C4-97F4-7B5B2E834865}" type="pres">
+      <dgm:prSet presAssocID="{C2E0001C-2B23-4D19-BFD3-AC27B468EB46}" presName="composite" presStyleCnt="0"/>
+      <dgm:spPr/>
     </dgm:pt>
-    <dgm:pt modelId="{913096D2-83A9-44D8-A312-BAA8F556C68A}" type="pres">
-      <dgm:prSet presAssocID="{C2E0001C-2B23-4D19-BFD3-AC27B468EB46}" presName="text_3" presStyleLbl="node1" presStyleIdx="2" presStyleCnt="3">
+    <dgm:pt modelId="{0C24CAEB-2B80-4A1D-A456-B658E54B225F}" type="pres">
+      <dgm:prSet presAssocID="{C2E0001C-2B23-4D19-BFD3-AC27B468EB46}" presName="imgShp" presStyleLbl="fgImgPlace1" presStyleIdx="2" presStyleCnt="3" custScaleX="81636" custScaleY="81636"/>
+      <dgm:spPr/>
+    </dgm:pt>
+    <dgm:pt modelId="{DD162D1D-2D16-4EEF-BB96-D47201B6942B}" type="pres">
+      <dgm:prSet presAssocID="{C2E0001C-2B23-4D19-BFD3-AC27B468EB46}" presName="txShp" presStyleLbl="node1" presStyleIdx="2" presStyleCnt="3">
         <dgm:presLayoutVars>
           <dgm:bulletEnabled val="1"/>
         </dgm:presLayoutVars>
       </dgm:prSet>
       <dgm:spPr/>
     </dgm:pt>
-    <dgm:pt modelId="{067035F6-4515-4901-90EE-5F8AC60A82C8}" type="pres">
-      <dgm:prSet presAssocID="{C2E0001C-2B23-4D19-BFD3-AC27B468EB46}" presName="accent_3" presStyleCnt="0"/>
-      <dgm:spPr/>
-    </dgm:pt>
-    <dgm:pt modelId="{72DED60B-3586-4EDB-BA5D-50DCF3E02A8D}" type="pres">
-      <dgm:prSet presAssocID="{C2E0001C-2B23-4D19-BFD3-AC27B468EB46}" presName="accentRepeatNode" presStyleLbl="solidFgAcc1" presStyleIdx="2" presStyleCnt="3"/>
-      <dgm:spPr>
-        <a:noFill/>
-        <a:ln>
-          <a:noFill/>
-        </a:ln>
-      </dgm:spPr>
-    </dgm:pt>
   </dgm:ptLst>
   <dgm:cxnLst>
-    <dgm:cxn modelId="{F3F44810-80A5-462A-919B-48C0D4DE11A8}" type="presOf" srcId="{46C0CB32-EE0A-4738-9048-EABBFBBBFC64}" destId="{78C88D2F-770F-4B2A-BAC6-C28007DFB5C5}" srcOrd="0" destOrd="0" presId="urn:microsoft.com/office/officeart/2008/layout/VerticalCurvedList"/>
+    <dgm:cxn modelId="{2C888D1E-A3F8-41C8-BFFE-874A025D822F}" type="presOf" srcId="{46C0CB32-EE0A-4738-9048-EABBFBBBFC64}" destId="{08F40C20-E04F-4F76-AD53-5D339596542C}" srcOrd="0" destOrd="0" presId="urn:microsoft.com/office/officeart/2005/8/layout/vList3"/>
     <dgm:cxn modelId="{0B223128-AB4A-403E-85CC-E7A1AEC906E3}" srcId="{38E34F37-2B6B-4127-8244-0BE8AC8BD8A6}" destId="{C2E0001C-2B23-4D19-BFD3-AC27B468EB46}" srcOrd="2" destOrd="0" parTransId="{F93325A0-B7BC-4971-850A-A6DAF05E05BE}" sibTransId="{A60B6B7D-E4C1-48F0-89DC-9CB65F12D981}"/>
-    <dgm:cxn modelId="{DAD82D55-81BF-412B-838B-335F90899CF1}" type="presOf" srcId="{38E34F37-2B6B-4127-8244-0BE8AC8BD8A6}" destId="{54AD2478-C738-4117-96F0-148C45685B9D}" srcOrd="0" destOrd="0" presId="urn:microsoft.com/office/officeart/2008/layout/VerticalCurvedList"/>
+    <dgm:cxn modelId="{5EBE7562-4583-45F3-8D9D-C57BF075EFE9}" type="presOf" srcId="{38E34F37-2B6B-4127-8244-0BE8AC8BD8A6}" destId="{6FEA4D10-F4D1-4191-B318-ED39B89A44E8}" srcOrd="0" destOrd="0" presId="urn:microsoft.com/office/officeart/2005/8/layout/vList3"/>
+    <dgm:cxn modelId="{8AC1C353-B4D9-4CCB-A162-92A08C472BC4}" type="presOf" srcId="{C2E0001C-2B23-4D19-BFD3-AC27B468EB46}" destId="{DD162D1D-2D16-4EEF-BB96-D47201B6942B}" srcOrd="0" destOrd="0" presId="urn:microsoft.com/office/officeart/2005/8/layout/vList3"/>
     <dgm:cxn modelId="{4610EB77-9360-417E-8132-C7AB1E4B2F54}" srcId="{38E34F37-2B6B-4127-8244-0BE8AC8BD8A6}" destId="{46C0CB32-EE0A-4738-9048-EABBFBBBFC64}" srcOrd="0" destOrd="0" parTransId="{041EF27B-1E9F-4687-B53D-9F5351DF5E63}" sibTransId="{F65B4E16-5999-41F7-A6D8-AA70FB5AC248}"/>
-    <dgm:cxn modelId="{7DC5FB9B-E6C4-4F05-B829-C5BB937A96F7}" type="presOf" srcId="{1E1F76BF-7FB7-4139-882B-E223DB9787EA}" destId="{C4B68AAC-E804-4580-A9C3-33B6CC25FDD6}" srcOrd="0" destOrd="0" presId="urn:microsoft.com/office/officeart/2008/layout/VerticalCurvedList"/>
     <dgm:cxn modelId="{3D55E09C-73CD-4AD2-AD87-805081AFECDD}" srcId="{38E34F37-2B6B-4127-8244-0BE8AC8BD8A6}" destId="{1E1F76BF-7FB7-4139-882B-E223DB9787EA}" srcOrd="1" destOrd="0" parTransId="{06B79C13-B5BE-463F-A8B5-132C0FD06EE0}" sibTransId="{58A80138-52A2-42E8-986B-2C056E04E783}"/>
-    <dgm:cxn modelId="{4A4455B7-A7D8-4003-B87A-93EA0E13266C}" type="presOf" srcId="{F65B4E16-5999-41F7-A6D8-AA70FB5AC248}" destId="{3A2E6903-2F11-42C9-9A5A-CA9E34ADDD89}" srcOrd="0" destOrd="0" presId="urn:microsoft.com/office/officeart/2008/layout/VerticalCurvedList"/>
-    <dgm:cxn modelId="{0B7793C1-7FAF-4E9A-8635-9AFF43E40401}" type="presOf" srcId="{C2E0001C-2B23-4D19-BFD3-AC27B468EB46}" destId="{913096D2-83A9-44D8-A312-BAA8F556C68A}" srcOrd="0" destOrd="0" presId="urn:microsoft.com/office/officeart/2008/layout/VerticalCurvedList"/>
-    <dgm:cxn modelId="{6DAD2180-7EF0-4E9F-8B5B-C93AFEE89F58}" type="presParOf" srcId="{54AD2478-C738-4117-96F0-148C45685B9D}" destId="{0B6126D3-52CF-4025-AF80-544AB1ED2EE9}" srcOrd="0" destOrd="0" presId="urn:microsoft.com/office/officeart/2008/layout/VerticalCurvedList"/>
-    <dgm:cxn modelId="{BE1EECD3-89E7-4C84-A7D2-F01D00104A20}" type="presParOf" srcId="{0B6126D3-52CF-4025-AF80-544AB1ED2EE9}" destId="{BCDDC3CF-A805-4901-9522-7FFACA4DD0E2}" srcOrd="0" destOrd="0" presId="urn:microsoft.com/office/officeart/2008/layout/VerticalCurvedList"/>
-    <dgm:cxn modelId="{1139A8E4-2C5C-400F-8ACF-B5997FDCBB5D}" type="presParOf" srcId="{BCDDC3CF-A805-4901-9522-7FFACA4DD0E2}" destId="{5404BA84-F8C9-41B6-8E23-5EDDEDE8C0E3}" srcOrd="0" destOrd="0" presId="urn:microsoft.com/office/officeart/2008/layout/VerticalCurvedList"/>
-    <dgm:cxn modelId="{F62F5B82-3E89-4259-887F-B3579ACEE3AD}" type="presParOf" srcId="{BCDDC3CF-A805-4901-9522-7FFACA4DD0E2}" destId="{3A2E6903-2F11-42C9-9A5A-CA9E34ADDD89}" srcOrd="1" destOrd="0" presId="urn:microsoft.com/office/officeart/2008/layout/VerticalCurvedList"/>
-    <dgm:cxn modelId="{C9E5C1A3-B9EC-4989-9F36-E2BA6203BAD4}" type="presParOf" srcId="{BCDDC3CF-A805-4901-9522-7FFACA4DD0E2}" destId="{7BA51165-A6A8-4E22-8BE2-C6AA766F5755}" srcOrd="2" destOrd="0" presId="urn:microsoft.com/office/officeart/2008/layout/VerticalCurvedList"/>
-    <dgm:cxn modelId="{F687426A-812F-4EB9-8F40-E8A3A16F9C48}" type="presParOf" srcId="{BCDDC3CF-A805-4901-9522-7FFACA4DD0E2}" destId="{471317E6-8B45-42BC-A0A3-12F096E9F0B8}" srcOrd="3" destOrd="0" presId="urn:microsoft.com/office/officeart/2008/layout/VerticalCurvedList"/>
-    <dgm:cxn modelId="{73821C44-C472-47A1-8DD1-93C3F8130946}" type="presParOf" srcId="{0B6126D3-52CF-4025-AF80-544AB1ED2EE9}" destId="{78C88D2F-770F-4B2A-BAC6-C28007DFB5C5}" srcOrd="1" destOrd="0" presId="urn:microsoft.com/office/officeart/2008/layout/VerticalCurvedList"/>
-    <dgm:cxn modelId="{0199B3B7-FF2A-4A57-A0D2-5B7ACA0EA121}" type="presParOf" srcId="{0B6126D3-52CF-4025-AF80-544AB1ED2EE9}" destId="{3DC942DA-C99B-46E9-80CD-D8A2189FB420}" srcOrd="2" destOrd="0" presId="urn:microsoft.com/office/officeart/2008/layout/VerticalCurvedList"/>
-    <dgm:cxn modelId="{68F312A8-B967-4549-8EC6-7DC0EFF14D64}" type="presParOf" srcId="{3DC942DA-C99B-46E9-80CD-D8A2189FB420}" destId="{7E9197CA-FCFB-4909-84F7-B1F1549CB508}" srcOrd="0" destOrd="0" presId="urn:microsoft.com/office/officeart/2008/layout/VerticalCurvedList"/>
-    <dgm:cxn modelId="{C86A121C-E897-4A5E-837A-9BDA62BA652B}" type="presParOf" srcId="{0B6126D3-52CF-4025-AF80-544AB1ED2EE9}" destId="{C4B68AAC-E804-4580-A9C3-33B6CC25FDD6}" srcOrd="3" destOrd="0" presId="urn:microsoft.com/office/officeart/2008/layout/VerticalCurvedList"/>
-    <dgm:cxn modelId="{969C11C9-E6EB-4ACE-AE21-88842ABD56BB}" type="presParOf" srcId="{0B6126D3-52CF-4025-AF80-544AB1ED2EE9}" destId="{D609E2B3-B153-437B-9FB7-78301D612DF9}" srcOrd="4" destOrd="0" presId="urn:microsoft.com/office/officeart/2008/layout/VerticalCurvedList"/>
-    <dgm:cxn modelId="{D18CBC2C-064A-4AA7-98ED-8CEB80622CE3}" type="presParOf" srcId="{D609E2B3-B153-437B-9FB7-78301D612DF9}" destId="{4C692B1B-7496-46BE-A11F-78A77D6BB162}" srcOrd="0" destOrd="0" presId="urn:microsoft.com/office/officeart/2008/layout/VerticalCurvedList"/>
-    <dgm:cxn modelId="{4DF4B620-D03A-4550-9B47-78238706763B}" type="presParOf" srcId="{0B6126D3-52CF-4025-AF80-544AB1ED2EE9}" destId="{913096D2-83A9-44D8-A312-BAA8F556C68A}" srcOrd="5" destOrd="0" presId="urn:microsoft.com/office/officeart/2008/layout/VerticalCurvedList"/>
-    <dgm:cxn modelId="{16818BE3-F898-4FDD-86F0-C340DB8309E5}" type="presParOf" srcId="{0B6126D3-52CF-4025-AF80-544AB1ED2EE9}" destId="{067035F6-4515-4901-90EE-5F8AC60A82C8}" srcOrd="6" destOrd="0" presId="urn:microsoft.com/office/officeart/2008/layout/VerticalCurvedList"/>
-    <dgm:cxn modelId="{F4743905-09B2-4DA1-B265-D1DD2812F3D8}" type="presParOf" srcId="{067035F6-4515-4901-90EE-5F8AC60A82C8}" destId="{72DED60B-3586-4EDB-BA5D-50DCF3E02A8D}" srcOrd="0" destOrd="0" presId="urn:microsoft.com/office/officeart/2008/layout/VerticalCurvedList"/>
+    <dgm:cxn modelId="{A0562FE4-376E-4953-A5A1-F724A9B93EC0}" type="presOf" srcId="{1E1F76BF-7FB7-4139-882B-E223DB9787EA}" destId="{E7370600-8478-4FCC-B92E-3CAF8EBDC83D}" srcOrd="0" destOrd="0" presId="urn:microsoft.com/office/officeart/2005/8/layout/vList3"/>
+    <dgm:cxn modelId="{CBE3C1ED-3F08-42E9-86EE-203ED86A4B4F}" type="presParOf" srcId="{6FEA4D10-F4D1-4191-B318-ED39B89A44E8}" destId="{DC0C55B0-27B0-4E99-8195-4C23178292C6}" srcOrd="0" destOrd="0" presId="urn:microsoft.com/office/officeart/2005/8/layout/vList3"/>
+    <dgm:cxn modelId="{F34471CE-3736-4883-90AD-C4666107A416}" type="presParOf" srcId="{DC0C55B0-27B0-4E99-8195-4C23178292C6}" destId="{58CE9C17-D0BF-4493-BE5A-98E789045096}" srcOrd="0" destOrd="0" presId="urn:microsoft.com/office/officeart/2005/8/layout/vList3"/>
+    <dgm:cxn modelId="{B8BA9336-3611-4D5F-9BAA-13478D87F3DB}" type="presParOf" srcId="{DC0C55B0-27B0-4E99-8195-4C23178292C6}" destId="{08F40C20-E04F-4F76-AD53-5D339596542C}" srcOrd="1" destOrd="0" presId="urn:microsoft.com/office/officeart/2005/8/layout/vList3"/>
+    <dgm:cxn modelId="{AC668D8F-F304-4704-958E-62834870E6A8}" type="presParOf" srcId="{6FEA4D10-F4D1-4191-B318-ED39B89A44E8}" destId="{C89DBA00-4DA0-4684-9A75-6F033083EB57}" srcOrd="1" destOrd="0" presId="urn:microsoft.com/office/officeart/2005/8/layout/vList3"/>
+    <dgm:cxn modelId="{9839463F-10AC-4FD3-AA1D-DCFEEF4C5A17}" type="presParOf" srcId="{6FEA4D10-F4D1-4191-B318-ED39B89A44E8}" destId="{37517587-E38A-4894-A57D-E8DC8F1DFEC1}" srcOrd="2" destOrd="0" presId="urn:microsoft.com/office/officeart/2005/8/layout/vList3"/>
+    <dgm:cxn modelId="{CB9E49BE-32A4-40F5-A892-6EBCFCD8DE45}" type="presParOf" srcId="{37517587-E38A-4894-A57D-E8DC8F1DFEC1}" destId="{FE7280F8-5FF6-4D9A-96B9-A204A14BE192}" srcOrd="0" destOrd="0" presId="urn:microsoft.com/office/officeart/2005/8/layout/vList3"/>
+    <dgm:cxn modelId="{27123BF1-49E5-443E-AC8D-FD9D920AF674}" type="presParOf" srcId="{37517587-E38A-4894-A57D-E8DC8F1DFEC1}" destId="{E7370600-8478-4FCC-B92E-3CAF8EBDC83D}" srcOrd="1" destOrd="0" presId="urn:microsoft.com/office/officeart/2005/8/layout/vList3"/>
+    <dgm:cxn modelId="{56847998-366F-48C6-8B68-42F4C80BE78B}" type="presParOf" srcId="{6FEA4D10-F4D1-4191-B318-ED39B89A44E8}" destId="{09E9FC81-E0BD-4994-91D1-AFB28B3612B9}" srcOrd="3" destOrd="0" presId="urn:microsoft.com/office/officeart/2005/8/layout/vList3"/>
+    <dgm:cxn modelId="{261C42B3-57F1-4400-B169-99A79462D459}" type="presParOf" srcId="{6FEA4D10-F4D1-4191-B318-ED39B89A44E8}" destId="{6BECD9B0-8F59-40C4-97F4-7B5B2E834865}" srcOrd="4" destOrd="0" presId="urn:microsoft.com/office/officeart/2005/8/layout/vList3"/>
+    <dgm:cxn modelId="{6BF35A51-AF44-485E-A7E3-860FEBB2B8BC}" type="presParOf" srcId="{6BECD9B0-8F59-40C4-97F4-7B5B2E834865}" destId="{0C24CAEB-2B80-4A1D-A456-B658E54B225F}" srcOrd="0" destOrd="0" presId="urn:microsoft.com/office/officeart/2005/8/layout/vList3"/>
+    <dgm:cxn modelId="{37BAD723-55F5-4012-94EE-49FD9527FDEF}" type="presParOf" srcId="{6BECD9B0-8F59-40C4-97F4-7B5B2E834865}" destId="{DD162D1D-2D16-4EEF-BB96-D47201B6942B}" srcOrd="1" destOrd="0" presId="urn:microsoft.com/office/officeart/2005/8/layout/vList3"/>
   </dgm:cxnLst>
   <dgm:bg/>
   <dgm:whole/>
@@ -2553,33 +2641,35 @@
       <dsp:cNvGrpSpPr/>
     </dsp:nvGrpSpPr>
     <dsp:grpSpPr/>
-    <dsp:sp modelId="{3A2E6903-2F11-42C9-9A5A-CA9E34ADDD89}">
+    <dsp:sp modelId="{08F40C20-E04F-4F76-AD53-5D339596542C}">
       <dsp:nvSpPr>
         <dsp:cNvPr id="0" name=""/>
         <dsp:cNvSpPr/>
       </dsp:nvSpPr>
       <dsp:spPr>
-        <a:xfrm>
-          <a:off x="-4484176" y="-687660"/>
-          <a:ext cx="5341954" cy="5341954"/>
+        <a:xfrm rot="10800000">
+          <a:off x="1093392" y="547"/>
+          <a:ext cx="3447650" cy="1102452"/>
         </a:xfrm>
-        <a:prstGeom prst="blockArc">
-          <a:avLst>
-            <a:gd name="adj1" fmla="val 18900000"/>
-            <a:gd name="adj2" fmla="val 2700000"/>
-            <a:gd name="adj3" fmla="val 404"/>
-          </a:avLst>
+        <a:prstGeom prst="homePlate">
+          <a:avLst/>
         </a:prstGeom>
-        <a:noFill/>
+        <a:solidFill>
+          <a:srgbClr val="8C8D86">
+            <a:hueOff val="0"/>
+            <a:satOff val="0"/>
+            <a:lumOff val="0"/>
+            <a:alphaOff val="0"/>
+          </a:srgbClr>
+        </a:solidFill>
         <a:ln w="34925" cap="flat" cmpd="sng" algn="in">
           <a:solidFill>
-            <a:schemeClr val="accent1">
-              <a:shade val="60000"/>
+            <a:prstClr val="white">
               <a:hueOff val="0"/>
               <a:satOff val="0"/>
               <a:lumOff val="0"/>
               <a:alphaOff val="0"/>
-            </a:schemeClr>
+            </a:prstClr>
           </a:solidFill>
           <a:prstDash val="solid"/>
         </a:ln>
@@ -2589,30 +2679,68 @@
         <a:lnRef idx="2">
           <a:scrgbClr r="0" g="0" b="0"/>
         </a:lnRef>
-        <a:fillRef idx="0">
+        <a:fillRef idx="1">
           <a:scrgbClr r="0" g="0" b="0"/>
         </a:fillRef>
         <a:effectRef idx="0">
           <a:scrgbClr r="0" g="0" b="0"/>
         </a:effectRef>
-        <a:fontRef idx="minor"/>
+        <a:fontRef idx="minor">
+          <a:schemeClr val="lt1"/>
+        </a:fontRef>
       </dsp:style>
+      <dsp:txBody>
+        <a:bodyPr spcFirstLastPara="0" vert="horz" wrap="square" lIns="629703" tIns="73660" rIns="73660" bIns="73660" numCol="1" spcCol="1270" anchor="ctr" anchorCtr="0">
+          <a:noAutofit/>
+        </a:bodyPr>
+        <a:lstStyle/>
+        <a:p>
+          <a:pPr marL="360000" lvl="0" indent="0" algn="l" defTabSz="1289050">
+            <a:lnSpc>
+              <a:spcPct val="100000"/>
+            </a:lnSpc>
+            <a:spcBef>
+              <a:spcPct val="0"/>
+            </a:spcBef>
+            <a:spcAft>
+              <a:spcPts val="0"/>
+            </a:spcAft>
+            <a:buNone/>
+          </a:pPr>
+          <a:r>
+            <a:rPr lang="zh-TW" altLang="en-US" sz="3000" kern="1200" dirty="0">
+              <a:solidFill>
+                <a:prstClr val="white"/>
+              </a:solidFill>
+              <a:latin typeface="Franklin Gothic Book" panose="020B0503020102020204"/>
+              <a:ea typeface="微軟正黑體" panose="020B0604030504040204" pitchFamily="34" charset="-120"/>
+              <a:cs typeface="+mn-cs"/>
+            </a:rPr>
+            <a:t>預約看診</a:t>
+          </a:r>
+        </a:p>
+      </dsp:txBody>
+      <dsp:txXfrm rot="10800000">
+        <a:off x="1369005" y="547"/>
+        <a:ext cx="3172037" cy="1102452"/>
+      </dsp:txXfrm>
     </dsp:sp>
-    <dsp:sp modelId="{78C88D2F-770F-4B2A-BAC6-C28007DFB5C5}">
+    <dsp:sp modelId="{58CE9C17-D0BF-4493-BE5A-98E789045096}">
       <dsp:nvSpPr>
         <dsp:cNvPr id="0" name=""/>
         <dsp:cNvSpPr/>
       </dsp:nvSpPr>
       <dsp:spPr>
         <a:xfrm>
-          <a:off x="551659" y="396663"/>
-          <a:ext cx="4579128" cy="793326"/>
+          <a:off x="643393" y="101774"/>
+          <a:ext cx="899997" cy="899997"/>
         </a:xfrm>
-        <a:prstGeom prst="rect">
+        <a:prstGeom prst="ellipse">
           <a:avLst/>
         </a:prstGeom>
         <a:solidFill>
           <a:schemeClr val="accent1">
+            <a:tint val="50000"/>
             <a:hueOff val="0"/>
             <a:satOff val="0"/>
             <a:lumOff val="0"/>
@@ -2642,55 +2770,39 @@
         <a:effectRef idx="0">
           <a:scrgbClr r="0" g="0" b="0"/>
         </a:effectRef>
-        <a:fontRef idx="minor">
-          <a:schemeClr val="lt1"/>
-        </a:fontRef>
+        <a:fontRef idx="minor"/>
       </dsp:style>
-      <dsp:txBody>
-        <a:bodyPr spcFirstLastPara="0" vert="horz" wrap="square" lIns="629703" tIns="78740" rIns="78740" bIns="78740" numCol="1" spcCol="1270" anchor="ctr" anchorCtr="0">
-          <a:noAutofit/>
-        </a:bodyPr>
-        <a:lstStyle/>
-        <a:p>
-          <a:pPr marL="0" lvl="0" indent="0" algn="l" defTabSz="1377950">
-            <a:lnSpc>
-              <a:spcPct val="90000"/>
-            </a:lnSpc>
-            <a:spcBef>
-              <a:spcPct val="0"/>
-            </a:spcBef>
-            <a:spcAft>
-              <a:spcPct val="35000"/>
-            </a:spcAft>
-            <a:buNone/>
-          </a:pPr>
-          <a:r>
-            <a:rPr lang="zh-TW" altLang="en-US" sz="3100" kern="1200"/>
-            <a:t>預約看診</a:t>
-          </a:r>
-        </a:p>
-      </dsp:txBody>
-      <dsp:txXfrm>
-        <a:off x="551659" y="396663"/>
-        <a:ext cx="4579128" cy="793326"/>
-      </dsp:txXfrm>
     </dsp:sp>
-    <dsp:sp modelId="{7E9197CA-FCFB-4909-84F7-B1F1549CB508}">
+    <dsp:sp modelId="{E7370600-8478-4FCC-B92E-3CAF8EBDC83D}">
       <dsp:nvSpPr>
         <dsp:cNvPr id="0" name=""/>
         <dsp:cNvSpPr/>
       </dsp:nvSpPr>
       <dsp:spPr>
-        <a:xfrm>
-          <a:off x="481916" y="670113"/>
-          <a:ext cx="139486" cy="246427"/>
+        <a:xfrm rot="10800000">
+          <a:off x="1093392" y="1432090"/>
+          <a:ext cx="3447650" cy="1102452"/>
         </a:xfrm>
-        <a:prstGeom prst="ellipse">
+        <a:prstGeom prst="homePlate">
           <a:avLst/>
         </a:prstGeom>
-        <a:noFill/>
+        <a:solidFill>
+          <a:srgbClr val="8C8D86">
+            <a:hueOff val="0"/>
+            <a:satOff val="0"/>
+            <a:lumOff val="0"/>
+            <a:alphaOff val="0"/>
+          </a:srgbClr>
+        </a:solidFill>
         <a:ln w="34925" cap="flat" cmpd="sng" algn="in">
-          <a:noFill/>
+          <a:solidFill>
+            <a:prstClr val="white">
+              <a:hueOff val="0"/>
+              <a:satOff val="0"/>
+              <a:lumOff val="0"/>
+              <a:alphaOff val="0"/>
+            </a:prstClr>
+          </a:solidFill>
           <a:prstDash val="solid"/>
         </a:ln>
         <a:effectLst/>
@@ -2705,24 +2817,62 @@
         <a:effectRef idx="0">
           <a:scrgbClr r="0" g="0" b="0"/>
         </a:effectRef>
-        <a:fontRef idx="minor"/>
+        <a:fontRef idx="minor">
+          <a:schemeClr val="lt1"/>
+        </a:fontRef>
       </dsp:style>
+      <dsp:txBody>
+        <a:bodyPr spcFirstLastPara="0" vert="horz" wrap="square" lIns="629703" tIns="73660" rIns="73660" bIns="73660" numCol="1" spcCol="1270" anchor="ctr" anchorCtr="0">
+          <a:noAutofit/>
+        </a:bodyPr>
+        <a:lstStyle/>
+        <a:p>
+          <a:pPr marL="360000" lvl="0" indent="0" algn="l" defTabSz="1289050">
+            <a:lnSpc>
+              <a:spcPct val="100000"/>
+            </a:lnSpc>
+            <a:spcBef>
+              <a:spcPct val="0"/>
+            </a:spcBef>
+            <a:spcAft>
+              <a:spcPts val="0"/>
+            </a:spcAft>
+            <a:buNone/>
+          </a:pPr>
+          <a:r>
+            <a:rPr lang="zh-TW" altLang="en-US" sz="3000" kern="1200" dirty="0">
+              <a:solidFill>
+                <a:prstClr val="white"/>
+              </a:solidFill>
+              <a:latin typeface="Franklin Gothic Book" panose="020B0503020102020204"/>
+              <a:ea typeface="微軟正黑體" panose="020B0604030504040204" pitchFamily="34" charset="-120"/>
+              <a:cs typeface="+mn-cs"/>
+            </a:rPr>
+            <a:t>健康紀錄</a:t>
+          </a:r>
+        </a:p>
+      </dsp:txBody>
+      <dsp:txXfrm rot="10800000">
+        <a:off x="1369005" y="1432090"/>
+        <a:ext cx="3172037" cy="1102452"/>
+      </dsp:txXfrm>
     </dsp:sp>
-    <dsp:sp modelId="{C4B68AAC-E804-4580-A9C3-33B6CC25FDD6}">
+    <dsp:sp modelId="{FE7280F8-5FF6-4D9A-96B9-A204A14BE192}">
       <dsp:nvSpPr>
         <dsp:cNvPr id="0" name=""/>
         <dsp:cNvSpPr/>
       </dsp:nvSpPr>
       <dsp:spPr>
         <a:xfrm>
-          <a:off x="1093788" y="1586653"/>
-          <a:ext cx="3783244" cy="793326"/>
+          <a:off x="643393" y="1533317"/>
+          <a:ext cx="899997" cy="899997"/>
         </a:xfrm>
-        <a:prstGeom prst="rect">
+        <a:prstGeom prst="ellipse">
           <a:avLst/>
         </a:prstGeom>
         <a:solidFill>
           <a:schemeClr val="accent1">
+            <a:tint val="50000"/>
             <a:hueOff val="0"/>
             <a:satOff val="0"/>
             <a:lumOff val="0"/>
@@ -2752,101 +2902,38 @@
         <a:effectRef idx="0">
           <a:scrgbClr r="0" g="0" b="0"/>
         </a:effectRef>
-        <a:fontRef idx="minor">
-          <a:schemeClr val="lt1"/>
-        </a:fontRef>
+        <a:fontRef idx="minor"/>
       </dsp:style>
-      <dsp:txBody>
-        <a:bodyPr spcFirstLastPara="0" vert="horz" wrap="square" lIns="629703" tIns="78740" rIns="78740" bIns="78740" numCol="1" spcCol="1270" anchor="ctr" anchorCtr="0">
-          <a:noAutofit/>
-        </a:bodyPr>
-        <a:lstStyle/>
-        <a:p>
-          <a:pPr marL="0" lvl="0" indent="0" algn="ctr" defTabSz="1377950">
-            <a:lnSpc>
-              <a:spcPct val="90000"/>
-            </a:lnSpc>
-            <a:spcBef>
-              <a:spcPct val="0"/>
-            </a:spcBef>
-            <a:spcAft>
-              <a:spcPct val="35000"/>
-            </a:spcAft>
-            <a:buNone/>
-          </a:pPr>
-          <a:r>
-            <a:rPr lang="zh-TW" altLang="en-US" sz="3100" kern="1200"/>
-            <a:t>健康紀錄</a:t>
-          </a:r>
-        </a:p>
-      </dsp:txBody>
-      <dsp:txXfrm>
-        <a:off x="1093788" y="1586653"/>
-        <a:ext cx="3783244" cy="793326"/>
-      </dsp:txXfrm>
     </dsp:sp>
-    <dsp:sp modelId="{4C692B1B-7496-46BE-A11F-78A77D6BB162}">
+    <dsp:sp modelId="{DD162D1D-2D16-4EEF-BB96-D47201B6942B}">
       <dsp:nvSpPr>
         <dsp:cNvPr id="0" name=""/>
         <dsp:cNvSpPr/>
       </dsp:nvSpPr>
       <dsp:spPr>
-        <a:xfrm>
-          <a:off x="344204" y="1487487"/>
-          <a:ext cx="991658" cy="991658"/>
+        <a:xfrm rot="10800000">
+          <a:off x="1093392" y="2863632"/>
+          <a:ext cx="3447650" cy="1102452"/>
         </a:xfrm>
-        <a:prstGeom prst="ellipse">
-          <a:avLst/>
-        </a:prstGeom>
-        <a:noFill/>
-        <a:ln w="34925" cap="flat" cmpd="sng" algn="in">
-          <a:noFill/>
-          <a:prstDash val="solid"/>
-        </a:ln>
-        <a:effectLst/>
-      </dsp:spPr>
-      <dsp:style>
-        <a:lnRef idx="2">
-          <a:scrgbClr r="0" g="0" b="0"/>
-        </a:lnRef>
-        <a:fillRef idx="1">
-          <a:scrgbClr r="0" g="0" b="0"/>
-        </a:fillRef>
-        <a:effectRef idx="0">
-          <a:scrgbClr r="0" g="0" b="0"/>
-        </a:effectRef>
-        <a:fontRef idx="minor"/>
-      </dsp:style>
-    </dsp:sp>
-    <dsp:sp modelId="{913096D2-83A9-44D8-A312-BAA8F556C68A}">
-      <dsp:nvSpPr>
-        <dsp:cNvPr id="0" name=""/>
-        <dsp:cNvSpPr/>
-      </dsp:nvSpPr>
-      <dsp:spPr>
-        <a:xfrm>
-          <a:off x="551659" y="2776643"/>
-          <a:ext cx="4579128" cy="793326"/>
-        </a:xfrm>
-        <a:prstGeom prst="rect">
+        <a:prstGeom prst="homePlate">
           <a:avLst/>
         </a:prstGeom>
         <a:solidFill>
-          <a:schemeClr val="accent1">
+          <a:srgbClr val="8C8D86">
             <a:hueOff val="0"/>
             <a:satOff val="0"/>
             <a:lumOff val="0"/>
             <a:alphaOff val="0"/>
-          </a:schemeClr>
+          </a:srgbClr>
         </a:solidFill>
         <a:ln w="34925" cap="flat" cmpd="sng" algn="in">
           <a:solidFill>
-            <a:schemeClr val="lt1">
+            <a:prstClr val="white">
               <a:hueOff val="0"/>
               <a:satOff val="0"/>
               <a:lumOff val="0"/>
               <a:alphaOff val="0"/>
-            </a:schemeClr>
+            </a:prstClr>
           </a:solidFill>
           <a:prstDash val="solid"/>
         </a:ln>
@@ -2867,50 +2954,72 @@
         </a:fontRef>
       </dsp:style>
       <dsp:txBody>
-        <a:bodyPr spcFirstLastPara="0" vert="horz" wrap="square" lIns="629703" tIns="78740" rIns="78740" bIns="78740" numCol="1" spcCol="1270" anchor="ctr" anchorCtr="0">
+        <a:bodyPr spcFirstLastPara="0" vert="horz" wrap="square" lIns="629703" tIns="73660" rIns="73660" bIns="73660" numCol="1" spcCol="1270" anchor="ctr" anchorCtr="0">
           <a:noAutofit/>
         </a:bodyPr>
         <a:lstStyle/>
         <a:p>
-          <a:pPr marL="0" lvl="0" indent="0" algn="l" defTabSz="1377950">
+          <a:pPr marL="360000" lvl="0" indent="0" algn="l" defTabSz="1289050">
             <a:lnSpc>
-              <a:spcPct val="90000"/>
+              <a:spcPct val="100000"/>
             </a:lnSpc>
             <a:spcBef>
               <a:spcPct val="0"/>
             </a:spcBef>
             <a:spcAft>
-              <a:spcPct val="35000"/>
+              <a:spcPts val="0"/>
             </a:spcAft>
             <a:buNone/>
           </a:pPr>
           <a:r>
-            <a:rPr lang="zh-TW" altLang="en-US" sz="3100" kern="1200"/>
+            <a:rPr lang="zh-TW" altLang="en-US" sz="3000" kern="1200" dirty="0">
+              <a:solidFill>
+                <a:prstClr val="white"/>
+              </a:solidFill>
+              <a:latin typeface="Franklin Gothic Book" panose="020B0503020102020204"/>
+              <a:ea typeface="微軟正黑體" panose="020B0604030504040204" pitchFamily="34" charset="-120"/>
+              <a:cs typeface="+mn-cs"/>
+            </a:rPr>
             <a:t>最近預約</a:t>
           </a:r>
         </a:p>
       </dsp:txBody>
-      <dsp:txXfrm>
-        <a:off x="551659" y="2776643"/>
-        <a:ext cx="4579128" cy="793326"/>
+      <dsp:txXfrm rot="10800000">
+        <a:off x="1369005" y="2863632"/>
+        <a:ext cx="3172037" cy="1102452"/>
       </dsp:txXfrm>
     </dsp:sp>
-    <dsp:sp modelId="{72DED60B-3586-4EDB-BA5D-50DCF3E02A8D}">
+    <dsp:sp modelId="{0C24CAEB-2B80-4A1D-A456-B658E54B225F}">
       <dsp:nvSpPr>
         <dsp:cNvPr id="0" name=""/>
         <dsp:cNvSpPr/>
       </dsp:nvSpPr>
       <dsp:spPr>
         <a:xfrm>
-          <a:off x="55830" y="2677477"/>
-          <a:ext cx="991658" cy="991658"/>
+          <a:off x="643393" y="2964860"/>
+          <a:ext cx="899997" cy="899997"/>
         </a:xfrm>
         <a:prstGeom prst="ellipse">
           <a:avLst/>
         </a:prstGeom>
-        <a:noFill/>
+        <a:solidFill>
+          <a:schemeClr val="accent1">
+            <a:tint val="50000"/>
+            <a:hueOff val="0"/>
+            <a:satOff val="0"/>
+            <a:lumOff val="0"/>
+            <a:alphaOff val="0"/>
+          </a:schemeClr>
+        </a:solidFill>
         <a:ln w="34925" cap="flat" cmpd="sng" algn="in">
-          <a:noFill/>
+          <a:solidFill>
+            <a:schemeClr val="lt1">
+              <a:hueOff val="0"/>
+              <a:satOff val="0"/>
+              <a:lumOff val="0"/>
+              <a:alphaOff val="0"/>
+            </a:schemeClr>
+          </a:solidFill>
           <a:prstDash val="solid"/>
         </a:ln>
         <a:effectLst/>
@@ -4275,31 +4384,18 @@
 </file>
 
 <file path=ppt/diagrams/layout1.xml><?xml version="1.0" encoding="utf-8"?>
-<dgm:layoutDef xmlns:dgm="http://schemas.openxmlformats.org/drawingml/2006/diagram" xmlns:a="http://schemas.openxmlformats.org/drawingml/2006/main" uniqueId="urn:microsoft.com/office/officeart/2008/layout/VerticalCurvedList">
+<dgm:layoutDef xmlns:dgm="http://schemas.openxmlformats.org/drawingml/2006/diagram" xmlns:a="http://schemas.openxmlformats.org/drawingml/2006/main" uniqueId="urn:microsoft.com/office/officeart/2005/8/layout/vList3">
   <dgm:title val=""/>
   <dgm:desc val=""/>
   <dgm:catLst>
-    <dgm:cat type="list" pri="20000"/>
+    <dgm:cat type="list" pri="14000"/>
+    <dgm:cat type="convert" pri="3000"/>
+    <dgm:cat type="picture" pri="27000"/>
+    <dgm:cat type="pictureconvert" pri="27000"/>
   </dgm:catLst>
-  <dgm:sampData>
+  <dgm:sampData useDef="1">
     <dgm:dataModel>
-      <dgm:ptLst>
-        <dgm:pt modelId="0" type="doc"/>
-        <dgm:pt modelId="1">
-          <dgm:prSet phldr="1"/>
-        </dgm:pt>
-        <dgm:pt modelId="2">
-          <dgm:prSet phldr="1"/>
-        </dgm:pt>
-        <dgm:pt modelId="3">
-          <dgm:prSet phldr="1"/>
-        </dgm:pt>
-      </dgm:ptLst>
-      <dgm:cxnLst>
-        <dgm:cxn modelId="4" srcId="0" destId="1" srcOrd="0" destOrd="0"/>
-        <dgm:cxn modelId="5" srcId="0" destId="2" srcOrd="1" destOrd="0"/>
-        <dgm:cxn modelId="6" srcId="0" destId="3" srcOrd="2" destOrd="0"/>
-      </dgm:cxnLst>
+      <dgm:ptLst/>
       <dgm:bg/>
       <dgm:whole/>
     </dgm:dataModel>
@@ -4308,12 +4404,8 @@
     <dgm:dataModel>
       <dgm:ptLst>
         <dgm:pt modelId="0" type="doc"/>
-        <dgm:pt modelId="1">
-          <dgm:prSet phldr="1"/>
-        </dgm:pt>
-        <dgm:pt modelId="2">
-          <dgm:prSet phldr="1"/>
-        </dgm:pt>
+        <dgm:pt modelId="1"/>
+        <dgm:pt modelId="2"/>
       </dgm:ptLst>
       <dgm:cxnLst>
         <dgm:cxn modelId="3" srcId="0" destId="1" srcOrd="0" destOrd="0"/>
@@ -4327,18 +4419,10 @@
     <dgm:dataModel>
       <dgm:ptLst>
         <dgm:pt modelId="0" type="doc"/>
-        <dgm:pt modelId="1">
-          <dgm:prSet phldr="1"/>
-        </dgm:pt>
-        <dgm:pt modelId="2">
-          <dgm:prSet phldr="1"/>
-        </dgm:pt>
-        <dgm:pt modelId="3">
-          <dgm:prSet phldr="1"/>
-        </dgm:pt>
-        <dgm:pt modelId="4">
-          <dgm:prSet phldr="1"/>
-        </dgm:pt>
+        <dgm:pt modelId="1"/>
+        <dgm:pt modelId="2"/>
+        <dgm:pt modelId="3"/>
+        <dgm:pt modelId="4"/>
       </dgm:ptLst>
       <dgm:cxnLst>
         <dgm:cxn modelId="5" srcId="0" destId="1" srcOrd="0" destOrd="0"/>
@@ -4350,1204 +4434,114 @@
       <dgm:whole/>
     </dgm:dataModel>
   </dgm:clrData>
-  <dgm:layoutNode name="Name0">
+  <dgm:layoutNode name="linearFlow">
     <dgm:varLst>
-      <dgm:chMax val="7"/>
-      <dgm:chPref val="7"/>
       <dgm:dir/>
+      <dgm:resizeHandles val="exact"/>
     </dgm:varLst>
-    <dgm:alg type="composite"/>
+    <dgm:alg type="lin">
+      <dgm:param type="linDir" val="fromT"/>
+      <dgm:param type="vertAlign" val="mid"/>
+      <dgm:param type="horzAlign" val="ctr"/>
+    </dgm:alg>
     <dgm:shape xmlns:r="http://schemas.openxmlformats.org/officeDocument/2006/relationships" r:blip="">
       <dgm:adjLst/>
     </dgm:shape>
+    <dgm:presOf/>
     <dgm:constrLst>
-      <dgm:constr type="w" for="ch" refType="h" refFor="ch" op="gte" fact="0.8"/>
+      <dgm:constr type="w" for="ch" forName="composite" refType="w"/>
+      <dgm:constr type="h" for="ch" forName="composite" refType="h"/>
+      <dgm:constr type="h" for="ch" forName="spacing" refType="h" refFor="ch" refForName="composite" fact="0.25"/>
+      <dgm:constr type="h" for="ch" forName="spacing" refType="w" op="lte" fact="0.1"/>
+      <dgm:constr type="primFontSz" for="des" ptType="node" op="equ" val="65"/>
     </dgm:constrLst>
-    <dgm:layoutNode name="Name1">
-      <dgm:alg type="composite"/>
-      <dgm:shape xmlns:r="http://schemas.openxmlformats.org/officeDocument/2006/relationships" r:blip="">
-        <dgm:adjLst/>
-      </dgm:shape>
-      <dgm:choose name="Name2">
-        <dgm:if name="Name3" func="var" arg="dir" op="equ" val="norm">
-          <dgm:choose name="Name4">
-            <dgm:if name="Name5" axis="ch" ptType="node" func="cnt" op="equ" val="1">
-              <dgm:constrLst>
-                <dgm:constr type="h" for="ch" forName="cycle" refType="h"/>
-                <dgm:constr type="w" for="ch" forName="cycle" refType="h" refFor="ch" refForName="cycle" fact="0.26"/>
-                <dgm:constr type="l" for="ch" forName="cycle"/>
-                <dgm:constr type="ctrY" for="ch" forName="cycle" refType="h" fact="0.5"/>
-                <dgm:constr type="diam" for="ch" forName="cycle" refType="h" fact="1.344"/>
-                <dgm:constr type="h" for="ch" forName="accent_1" refType="h" fact="0.625"/>
-                <dgm:constr type="w" for="ch" forName="accent_1" refType="h" refFor="ch" refForName="accent_1" op="equ"/>
-                <dgm:constr type="ctrY" for="ch" forName="accent_1" refType="h" fact="0.5"/>
-                <dgm:constr type="ctrX" for="ch" forName="accent_1" refType="h" fact="0.2253"/>
-                <dgm:constr type="l" for="ch" forName="text_1" refType="ctrX" refFor="ch" refForName="accent_1"/>
-                <dgm:constr type="r" for="ch" forName="text_1" refType="w"/>
-                <dgm:constr type="w" for="ch" forName="text_1" refType="h" refFor="ch" refForName="text_1" op="gte"/>
-                <dgm:constr type="h" for="ch" forName="text_1" refType="h" refFor="ch" refForName="accent_1" fact="0.8"/>
-                <dgm:constr type="ctrY" for="ch" forName="text_1" refType="ctrY" refFor="ch" refForName="accent_1"/>
-                <dgm:constr type="lMarg" for="ch" forName="text_1" refType="w" refFor="ch" refForName="accent_1" fact="1.8"/>
-                <dgm:constr type="primFontSz" for="ch" ptType="node" op="equ" val="65"/>
-              </dgm:constrLst>
-            </dgm:if>
-            <dgm:if name="Name6" axis="ch" ptType="node" func="cnt" op="equ" val="2">
-              <dgm:constrLst>
-                <dgm:constr type="h" for="ch" forName="cycle" refType="h"/>
-                <dgm:constr type="w" for="ch" forName="cycle" refType="h" refFor="ch" refForName="cycle" fact="0.26"/>
-                <dgm:constr type="l" for="ch" forName="cycle"/>
-                <dgm:constr type="ctrY" for="ch" forName="cycle" refType="h" fact="0.5"/>
-                <dgm:constr type="diam" for="ch" forName="cycle" refType="h" fact="1.344"/>
-                <dgm:constr type="h" for="ch" forName="accent_1" refType="h" fact="0.3571"/>
-                <dgm:constr type="w" for="ch" forName="accent_1" refType="h" refFor="ch" refForName="accent_1" op="equ"/>
-                <dgm:constr type="ctrY" for="ch" forName="accent_1" refType="h" fact="0.2857"/>
-                <dgm:constr type="ctrX" for="ch" forName="accent_1" refType="h" fact="0.1891"/>
-                <dgm:constr type="l" for="ch" forName="text_1" refType="ctrX" refFor="ch" refForName="accent_1"/>
-                <dgm:constr type="r" for="ch" forName="text_1" refType="w"/>
-                <dgm:constr type="w" for="ch" forName="text_1" refType="h" refFor="ch" refForName="text_1" op="gte"/>
-                <dgm:constr type="h" for="ch" forName="text_1" refType="h" refFor="ch" refForName="accent_1" fact="0.8"/>
-                <dgm:constr type="ctrY" for="ch" forName="text_1" refType="ctrY" refFor="ch" refForName="accent_1"/>
-                <dgm:constr type="lMarg" for="ch" forName="text_1" refType="w" refFor="ch" refForName="accent_1" fact="1.8"/>
-                <dgm:constr type="h" for="ch" forName="accent_2" refType="h" fact="0.3571"/>
-                <dgm:constr type="w" for="ch" forName="accent_2" refType="h" refFor="ch" refForName="accent_2" op="equ"/>
-                <dgm:constr type="ctrY" for="ch" forName="accent_2" refType="h" fact="0.7143"/>
-                <dgm:constr type="ctrX" for="ch" forName="accent_2" refType="h" fact="0.1891"/>
-                <dgm:constr type="l" for="ch" forName="text_2" refType="ctrX" refFor="ch" refForName="accent_2"/>
-                <dgm:constr type="r" for="ch" forName="text_2" refType="w"/>
-                <dgm:constr type="w" for="ch" forName="text_2" refType="h" refFor="ch" refForName="text_2" op="gte"/>
-                <dgm:constr type="h" for="ch" forName="text_2" refType="h" refFor="ch" refForName="accent_2" fact="0.8"/>
-                <dgm:constr type="ctrY" for="ch" forName="text_2" refType="ctrY" refFor="ch" refForName="accent_2"/>
-                <dgm:constr type="lMarg" for="ch" forName="text_2" refType="w" refFor="ch" refForName="accent_2" fact="1.8"/>
-                <dgm:constr type="primFontSz" for="ch" ptType="node" op="equ" val="65"/>
-              </dgm:constrLst>
-            </dgm:if>
-            <dgm:if name="Name7" axis="ch" ptType="node" func="cnt" op="equ" val="3">
-              <dgm:constrLst>
-                <dgm:constr type="h" for="ch" forName="cycle" refType="h"/>
-                <dgm:constr type="w" for="ch" forName="cycle" refType="h" refFor="ch" refForName="cycle" fact="0.26"/>
-                <dgm:constr type="l" for="ch" forName="cycle"/>
-                <dgm:constr type="ctrY" for="ch" forName="cycle" refType="h" fact="0.5"/>
-                <dgm:constr type="diam" for="ch" forName="cycle" refType="h" fact="1.344"/>
-                <dgm:constr type="h" for="ch" forName="accent_1" refType="h" fact="0.25"/>
-                <dgm:constr type="w" for="ch" forName="accent_1" refType="h" refFor="ch" refForName="accent_1" op="equ"/>
-                <dgm:constr type="ctrY" for="ch" forName="accent_1" refType="h" fact="0.2"/>
-                <dgm:constr type="ctrX" for="ch" forName="accent_1" refType="h" fact="0.1526"/>
-                <dgm:constr type="l" for="ch" forName="text_1" refType="ctrX" refFor="ch" refForName="accent_1"/>
-                <dgm:constr type="r" for="ch" forName="text_1" refType="w"/>
-                <dgm:constr type="w" for="ch" forName="text_1" refType="h" refFor="ch" refForName="text_1" op="gte"/>
-                <dgm:constr type="h" for="ch" forName="text_1" refType="h" refFor="ch" refForName="accent_1" fact="0.8"/>
-                <dgm:constr type="ctrY" for="ch" forName="text_1" refType="ctrY" refFor="ch" refForName="accent_1"/>
-                <dgm:constr type="lMarg" for="ch" forName="text_1" refType="w" refFor="ch" refForName="accent_1" fact="1.8"/>
-                <dgm:constr type="h" for="ch" forName="accent_2" refType="h" fact="0.25"/>
-                <dgm:constr type="w" for="ch" forName="accent_2" refType="h" refFor="ch" refForName="accent_2" op="equ"/>
-                <dgm:constr type="ctrY" for="ch" forName="accent_2" refType="h" fact="0.5"/>
-                <dgm:constr type="ctrX" for="ch" forName="accent_2" refType="h" fact="0.2253"/>
-                <dgm:constr type="l" for="ch" forName="text_2" refType="ctrX" refFor="ch" refForName="accent_2"/>
-                <dgm:constr type="r" for="ch" forName="text_2" refType="w"/>
-                <dgm:constr type="w" for="ch" forName="text_2" refType="h" refFor="ch" refForName="text_2" op="gte"/>
-                <dgm:constr type="h" for="ch" forName="text_2" refType="h" refFor="ch" refForName="accent_2" fact="0.8"/>
-                <dgm:constr type="ctrY" for="ch" forName="text_2" refType="ctrY" refFor="ch" refForName="accent_2"/>
-                <dgm:constr type="lMarg" for="ch" forName="text_2" refType="w" refFor="ch" refForName="accent_2" fact="1.8"/>
-                <dgm:constr type="h" for="ch" forName="accent_3" refType="h" fact="0.25"/>
-                <dgm:constr type="w" for="ch" forName="accent_3" refType="h" refFor="ch" refForName="accent_3" op="equ"/>
-                <dgm:constr type="ctrY" for="ch" forName="accent_3" refType="h" fact="0.8"/>
-                <dgm:constr type="ctrX" for="ch" forName="accent_3" refType="h" fact="0.1526"/>
-                <dgm:constr type="l" for="ch" forName="text_3" refType="ctrX" refFor="ch" refForName="accent_3"/>
-                <dgm:constr type="r" for="ch" forName="text_3" refType="w"/>
-                <dgm:constr type="w" for="ch" forName="text_3" refType="h" refFor="ch" refForName="text_3" op="gte"/>
-                <dgm:constr type="h" for="ch" forName="text_3" refType="h" refFor="ch" refForName="accent_3" fact="0.8"/>
-                <dgm:constr type="ctrY" for="ch" forName="text_3" refType="ctrY" refFor="ch" refForName="accent_3"/>
-                <dgm:constr type="lMarg" for="ch" forName="text_3" refType="w" refFor="ch" refForName="accent_3" fact="1.8"/>
-                <dgm:constr type="primFontSz" for="ch" ptType="node" op="equ" val="65"/>
-              </dgm:constrLst>
-            </dgm:if>
-            <dgm:if name="Name8" axis="ch" ptType="node" func="cnt" op="equ" val="4">
-              <dgm:constrLst>
-                <dgm:constr type="h" for="ch" forName="cycle" refType="h"/>
-                <dgm:constr type="w" for="ch" forName="cycle" refType="h" refFor="ch" refForName="cycle" fact="0.26"/>
-                <dgm:constr type="l" for="ch" forName="cycle"/>
-                <dgm:constr type="ctrY" for="ch" forName="cycle" refType="h" fact="0.5"/>
-                <dgm:constr type="diam" for="ch" forName="cycle" refType="h" fact="1.344"/>
-                <dgm:constr type="h" for="ch" forName="accent_1" refType="h" fact="0.1923"/>
-                <dgm:constr type="w" for="ch" forName="accent_1" refType="h" refFor="ch" refForName="accent_1" op="equ"/>
-                <dgm:constr type="ctrY" for="ch" forName="accent_1" refType="h" fact="0.1538"/>
-                <dgm:constr type="ctrX" for="ch" forName="accent_1" refType="h" fact="0.1268"/>
-                <dgm:constr type="l" for="ch" forName="text_1" refType="ctrX" refFor="ch" refForName="accent_1"/>
-                <dgm:constr type="r" for="ch" forName="text_1" refType="w"/>
-                <dgm:constr type="w" for="ch" forName="text_1" refType="h" refFor="ch" refForName="text_1" op="gte"/>
-                <dgm:constr type="h" for="ch" forName="text_1" refType="h" refFor="ch" refForName="accent_1" fact="0.8"/>
-                <dgm:constr type="ctrY" for="ch" forName="text_1" refType="ctrY" refFor="ch" refForName="accent_1"/>
-                <dgm:constr type="lMarg" for="ch" forName="text_1" refType="w" refFor="ch" refForName="accent_1" fact="1.8"/>
-                <dgm:constr type="h" for="ch" forName="accent_2" refType="h" fact="0.1923"/>
-                <dgm:constr type="w" for="ch" forName="accent_2" refType="h" refFor="ch" refForName="accent_2" op="equ"/>
-                <dgm:constr type="ctrY" for="ch" forName="accent_2" refType="h" fact="0.3846"/>
-                <dgm:constr type="ctrX" for="ch" forName="accent_2" refType="h" fact="0.215"/>
-                <dgm:constr type="l" for="ch" forName="text_2" refType="ctrX" refFor="ch" refForName="accent_2"/>
-                <dgm:constr type="r" for="ch" forName="text_2" refType="w"/>
-                <dgm:constr type="w" for="ch" forName="text_2" refType="h" refFor="ch" refForName="text_2" op="gte"/>
-                <dgm:constr type="h" for="ch" forName="text_2" refType="h" refFor="ch" refForName="accent_2" fact="0.8"/>
-                <dgm:constr type="ctrY" for="ch" forName="text_2" refType="ctrY" refFor="ch" refForName="accent_2"/>
-                <dgm:constr type="lMarg" for="ch" forName="text_2" refType="w" refFor="ch" refForName="accent_2" fact="1.8"/>
-                <dgm:constr type="h" for="ch" forName="accent_3" refType="h" fact="0.1923"/>
-                <dgm:constr type="w" for="ch" forName="accent_3" refType="h" refFor="ch" refForName="accent_3" op="equ"/>
-                <dgm:constr type="ctrY" for="ch" forName="accent_3" refType="h" fact="0.6154"/>
-                <dgm:constr type="ctrX" for="ch" forName="accent_3" refType="h" fact="0.215"/>
-                <dgm:constr type="l" for="ch" forName="text_3" refType="ctrX" refFor="ch" refForName="accent_3"/>
-                <dgm:constr type="r" for="ch" forName="text_3" refType="w"/>
-                <dgm:constr type="w" for="ch" forName="text_3" refType="h" refFor="ch" refForName="text_3" op="gte"/>
-                <dgm:constr type="h" for="ch" forName="text_3" refType="h" refFor="ch" refForName="accent_3" fact="0.8"/>
-                <dgm:constr type="ctrY" for="ch" forName="text_3" refType="ctrY" refFor="ch" refForName="accent_3"/>
-                <dgm:constr type="lMarg" for="ch" forName="text_3" refType="w" refFor="ch" refForName="accent_3" fact="1.8"/>
-                <dgm:constr type="h" for="ch" forName="accent_4" refType="h" fact="0.1923"/>
-                <dgm:constr type="w" for="ch" forName="accent_4" refType="h" refFor="ch" refForName="accent_4" op="equ"/>
-                <dgm:constr type="ctrY" for="ch" forName="accent_4" refType="h" fact="0.8462"/>
-                <dgm:constr type="ctrX" for="ch" forName="accent_4" refType="h" fact="0.1268"/>
-                <dgm:constr type="l" for="ch" forName="text_4" refType="ctrX" refFor="ch" refForName="accent_4"/>
-                <dgm:constr type="r" for="ch" forName="text_4" refType="w"/>
-                <dgm:constr type="w" for="ch" forName="text_4" refType="h" refFor="ch" refForName="text_4" op="gte"/>
-                <dgm:constr type="h" for="ch" forName="text_4" refType="h" refFor="ch" refForName="accent_4" fact="0.8"/>
-                <dgm:constr type="ctrY" for="ch" forName="text_4" refType="ctrY" refFor="ch" refForName="accent_4"/>
-                <dgm:constr type="lMarg" for="ch" forName="text_4" refType="w" refFor="ch" refForName="accent_4" fact="1.8"/>
-                <dgm:constr type="primFontSz" for="ch" ptType="node" op="equ" val="65"/>
-              </dgm:constrLst>
-            </dgm:if>
-            <dgm:if name="Name9" axis="ch" ptType="node" func="cnt" op="equ" val="5">
-              <dgm:constrLst>
-                <dgm:constr type="h" for="ch" forName="cycle" refType="h"/>
-                <dgm:constr type="w" for="ch" forName="cycle" refType="h" refFor="ch" refForName="cycle" fact="0.26"/>
-                <dgm:constr type="l" for="ch" forName="cycle"/>
-                <dgm:constr type="ctrY" for="ch" forName="cycle" refType="h" fact="0.5"/>
-                <dgm:constr type="diam" for="ch" forName="cycle" refType="h" fact="1.344"/>
-                <dgm:constr type="h" for="ch" forName="accent_1" refType="h" fact="0.1563"/>
-                <dgm:constr type="w" for="ch" forName="accent_1" refType="h" refFor="ch" refForName="accent_1" op="equ"/>
-                <dgm:constr type="ctrY" for="ch" forName="accent_1" refType="h" fact="0.125"/>
-                <dgm:constr type="ctrX" for="ch" forName="accent_1" refType="h" fact="0.1082"/>
-                <dgm:constr type="l" for="ch" forName="text_1" refType="ctrX" refFor="ch" refForName="accent_1"/>
-                <dgm:constr type="r" for="ch" forName="text_1" refType="w"/>
-                <dgm:constr type="w" for="ch" forName="text_1" refType="h" refFor="ch" refForName="text_1" op="gte"/>
-                <dgm:constr type="h" for="ch" forName="text_1" refType="h" refFor="ch" refForName="accent_1" fact="0.8"/>
-                <dgm:constr type="ctrY" for="ch" forName="text_1" refType="ctrY" refFor="ch" refForName="accent_1"/>
-                <dgm:constr type="lMarg" for="ch" forName="text_1" refType="w" refFor="ch" refForName="accent_1" fact="1.8"/>
-                <dgm:constr type="h" for="ch" forName="accent_2" refType="h" fact="0.1563"/>
-                <dgm:constr type="w" for="ch" forName="accent_2" refType="h" refFor="ch" refForName="accent_2" op="equ"/>
-                <dgm:constr type="ctrY" for="ch" forName="accent_2" refType="h" fact="0.3125"/>
-                <dgm:constr type="ctrX" for="ch" forName="accent_2" refType="h" fact="0.1978"/>
-                <dgm:constr type="l" for="ch" forName="text_2" refType="ctrX" refFor="ch" refForName="accent_2"/>
-                <dgm:constr type="r" for="ch" forName="text_2" refType="w"/>
-                <dgm:constr type="w" for="ch" forName="text_2" refType="h" refFor="ch" refForName="text_2" op="gte"/>
-                <dgm:constr type="h" for="ch" forName="text_2" refType="h" refFor="ch" refForName="accent_2" fact="0.8"/>
-                <dgm:constr type="ctrY" for="ch" forName="text_2" refType="ctrY" refFor="ch" refForName="accent_2"/>
-                <dgm:constr type="lMarg" for="ch" forName="text_2" refType="w" refFor="ch" refForName="accent_2" fact="1.8"/>
-                <dgm:constr type="h" for="ch" forName="accent_3" refType="h" fact="0.1563"/>
-                <dgm:constr type="w" for="ch" forName="accent_3" refType="h" refFor="ch" refForName="accent_3" op="equ"/>
-                <dgm:constr type="ctrY" for="ch" forName="accent_3" refType="h" fact="0.5"/>
-                <dgm:constr type="ctrX" for="ch" forName="accent_3" refType="h" fact="0.2253"/>
-                <dgm:constr type="l" for="ch" forName="text_3" refType="ctrX" refFor="ch" refForName="accent_3"/>
-                <dgm:constr type="r" for="ch" forName="text_3" refType="w"/>
-                <dgm:constr type="w" for="ch" forName="text_3" refType="h" refFor="ch" refForName="text_3" op="gte"/>
-                <dgm:constr type="h" for="ch" forName="text_3" refType="h" refFor="ch" refForName="accent_3" fact="0.8"/>
-                <dgm:constr type="ctrY" for="ch" forName="text_3" refType="ctrY" refFor="ch" refForName="accent_3"/>
-                <dgm:constr type="lMarg" for="ch" forName="text_3" refType="w" refFor="ch" refForName="accent_3" fact="1.8"/>
-                <dgm:constr type="h" for="ch" forName="accent_4" refType="h" fact="0.1563"/>
-                <dgm:constr type="w" for="ch" forName="accent_4" refType="h" refFor="ch" refForName="accent_4" op="equ"/>
-                <dgm:constr type="ctrY" for="ch" forName="accent_4" refType="h" fact="0.6875"/>
-                <dgm:constr type="ctrX" for="ch" forName="accent_4" refType="h" fact="0.1978"/>
-                <dgm:constr type="l" for="ch" forName="text_4" refType="ctrX" refFor="ch" refForName="accent_4"/>
-                <dgm:constr type="r" for="ch" forName="text_4" refType="w"/>
-                <dgm:constr type="w" for="ch" forName="text_4" refType="h" refFor="ch" refForName="text_4" op="gte"/>
-                <dgm:constr type="h" for="ch" forName="text_4" refType="h" refFor="ch" refForName="accent_4" fact="0.8"/>
-                <dgm:constr type="ctrY" for="ch" forName="text_4" refType="ctrY" refFor="ch" refForName="accent_4"/>
-                <dgm:constr type="lMarg" for="ch" forName="text_4" refType="w" refFor="ch" refForName="accent_4" fact="1.8"/>
-                <dgm:constr type="h" for="ch" forName="accent_5" refType="h" fact="0.1563"/>
-                <dgm:constr type="w" for="ch" forName="accent_5" refType="h" refFor="ch" refForName="accent_5" op="equ"/>
-                <dgm:constr type="ctrY" for="ch" forName="accent_5" refType="h" fact="0.875"/>
-                <dgm:constr type="ctrX" for="ch" forName="accent_5" refType="h" fact="0.1082"/>
-                <dgm:constr type="l" for="ch" forName="text_5" refType="ctrX" refFor="ch" refForName="accent_5"/>
-                <dgm:constr type="r" for="ch" forName="text_5" refType="w"/>
-                <dgm:constr type="w" for="ch" forName="text_5" refType="h" refFor="ch" refForName="text_5" op="gte"/>
-                <dgm:constr type="h" for="ch" forName="text_5" refType="h" refFor="ch" refForName="accent_5" fact="0.8"/>
-                <dgm:constr type="ctrY" for="ch" forName="text_5" refType="ctrY" refFor="ch" refForName="accent_5"/>
-                <dgm:constr type="lMarg" for="ch" forName="text_5" refType="w" refFor="ch" refForName="accent_5" fact="1.8"/>
-                <dgm:constr type="primFontSz" for="ch" ptType="node" op="equ" val="65"/>
-              </dgm:constrLst>
-            </dgm:if>
-            <dgm:if name="Name10" axis="ch" ptType="node" func="cnt" op="equ" val="6">
-              <dgm:constrLst>
-                <dgm:constr type="h" for="ch" forName="cycle" refType="h"/>
-                <dgm:constr type="w" for="ch" forName="cycle" refType="h" refFor="ch" refForName="cycle" fact="0.26"/>
-                <dgm:constr type="l" for="ch" forName="cycle"/>
-                <dgm:constr type="ctrY" for="ch" forName="cycle" refType="h" fact="0.5"/>
-                <dgm:constr type="diam" for="ch" forName="cycle" refType="h" fact="1.344"/>
-                <dgm:constr type="h" for="ch" forName="accent_1" refType="h" fact="0.1316"/>
-                <dgm:constr type="w" for="ch" forName="accent_1" refType="h" refFor="ch" refForName="accent_1" op="equ"/>
-                <dgm:constr type="ctrY" for="ch" forName="accent_1" refType="h" fact="0.1053"/>
-                <dgm:constr type="ctrX" for="ch" forName="accent_1" refType="h" fact="0.0943"/>
-                <dgm:constr type="l" for="ch" forName="text_1" refType="ctrX" refFor="ch" refForName="accent_1"/>
-                <dgm:constr type="r" for="ch" forName="text_1" refType="w"/>
-                <dgm:constr type="w" for="ch" forName="text_1" refType="h" refFor="ch" refForName="text_1" op="gte"/>
-                <dgm:constr type="h" for="ch" forName="text_1" refType="h" refFor="ch" refForName="accent_1" fact="0.8"/>
-                <dgm:constr type="ctrY" for="ch" forName="text_1" refType="ctrY" refFor="ch" refForName="accent_1"/>
-                <dgm:constr type="lMarg" for="ch" forName="text_1" refType="w" refFor="ch" refForName="accent_1" fact="1.8"/>
-                <dgm:constr type="h" for="ch" forName="accent_2" refType="h" fact="0.1316"/>
-                <dgm:constr type="w" for="ch" forName="accent_2" refType="h" refFor="ch" refForName="accent_2" op="equ"/>
-                <dgm:constr type="ctrY" for="ch" forName="accent_2" refType="h" fact="0.2632"/>
-                <dgm:constr type="ctrX" for="ch" forName="accent_2" refType="h" fact="0.1809"/>
-                <dgm:constr type="l" for="ch" forName="text_2" refType="ctrX" refFor="ch" refForName="accent_2"/>
-                <dgm:constr type="r" for="ch" forName="text_2" refType="w"/>
-                <dgm:constr type="w" for="ch" forName="text_2" refType="h" refFor="ch" refForName="text_2" op="gte"/>
-                <dgm:constr type="h" for="ch" forName="text_2" refType="h" refFor="ch" refForName="accent_2" fact="0.8"/>
-                <dgm:constr type="ctrY" for="ch" forName="text_2" refType="ctrY" refFor="ch" refForName="accent_2"/>
-                <dgm:constr type="lMarg" for="ch" forName="text_2" refType="w" refFor="ch" refForName="accent_2" fact="1.8"/>
-                <dgm:constr type="h" for="ch" forName="accent_3" refType="h" fact="0.1316"/>
-                <dgm:constr type="w" for="ch" forName="accent_3" refType="h" refFor="ch" refForName="accent_3" op="equ"/>
-                <dgm:constr type="ctrY" for="ch" forName="accent_3" refType="h" fact="0.4211"/>
-                <dgm:constr type="ctrX" for="ch" forName="accent_3" refType="h" fact="0.2205"/>
-                <dgm:constr type="l" for="ch" forName="text_3" refType="ctrX" refFor="ch" refForName="accent_3"/>
-                <dgm:constr type="r" for="ch" forName="text_3" refType="w"/>
-                <dgm:constr type="w" for="ch" forName="text_3" refType="h" refFor="ch" refForName="text_3" op="gte"/>
-                <dgm:constr type="h" for="ch" forName="text_3" refType="h" refFor="ch" refForName="accent_3" fact="0.8"/>
-                <dgm:constr type="ctrY" for="ch" forName="text_3" refType="ctrY" refFor="ch" refForName="accent_3"/>
-                <dgm:constr type="lMarg" for="ch" forName="text_3" refType="w" refFor="ch" refForName="accent_3" fact="1.8"/>
-                <dgm:constr type="h" for="ch" forName="accent_4" refType="h" fact="0.1316"/>
-                <dgm:constr type="w" for="ch" forName="accent_4" refType="h" refFor="ch" refForName="accent_4" op="equ"/>
-                <dgm:constr type="ctrY" for="ch" forName="accent_4" refType="h" fact="0.5789"/>
-                <dgm:constr type="ctrX" for="ch" forName="accent_4" refType="h" fact="0.2205"/>
-                <dgm:constr type="l" for="ch" forName="text_4" refType="ctrX" refFor="ch" refForName="accent_4"/>
-                <dgm:constr type="r" for="ch" forName="text_4" refType="w"/>
-                <dgm:constr type="w" for="ch" forName="text_4" refType="h" refFor="ch" refForName="text_4" op="gte"/>
-                <dgm:constr type="h" for="ch" forName="text_4" refType="h" refFor="ch" refForName="accent_4" fact="0.8"/>
-                <dgm:constr type="ctrY" for="ch" forName="text_4" refType="ctrY" refFor="ch" refForName="accent_4"/>
-                <dgm:constr type="lMarg" for="ch" forName="text_4" refType="w" refFor="ch" refForName="accent_4" fact="1.8"/>
-                <dgm:constr type="h" for="ch" forName="accent_5" refType="h" fact="0.1316"/>
-                <dgm:constr type="w" for="ch" forName="accent_5" refType="h" refFor="ch" refForName="accent_5" op="equ"/>
-                <dgm:constr type="ctrY" for="ch" forName="accent_5" refType="h" fact="0.7368"/>
-                <dgm:constr type="ctrX" for="ch" forName="accent_5" refType="h" fact="0.1809"/>
-                <dgm:constr type="l" for="ch" forName="text_5" refType="ctrX" refFor="ch" refForName="accent_5"/>
-                <dgm:constr type="r" for="ch" forName="text_5" refType="w"/>
-                <dgm:constr type="w" for="ch" forName="text_5" refType="h" refFor="ch" refForName="text_5" op="gte"/>
-                <dgm:constr type="h" for="ch" forName="text_5" refType="h" refFor="ch" refForName="accent_5" fact="0.8"/>
-                <dgm:constr type="ctrY" for="ch" forName="text_5" refType="ctrY" refFor="ch" refForName="accent_5"/>
-                <dgm:constr type="lMarg" for="ch" forName="text_5" refType="w" refFor="ch" refForName="accent_5" fact="1.8"/>
-                <dgm:constr type="h" for="ch" forName="accent_6" refType="h" fact="0.1316"/>
-                <dgm:constr type="w" for="ch" forName="accent_6" refType="h" refFor="ch" refForName="accent_6" op="equ"/>
-                <dgm:constr type="ctrY" for="ch" forName="accent_6" refType="h" fact="0.8947"/>
-                <dgm:constr type="ctrX" for="ch" forName="accent_6" refType="h" fact="0.0943"/>
-                <dgm:constr type="l" for="ch" forName="text_6" refType="ctrX" refFor="ch" refForName="accent_6"/>
-                <dgm:constr type="r" for="ch" forName="text_6" refType="w"/>
-                <dgm:constr type="w" for="ch" forName="text_6" refType="h" refFor="ch" refForName="text_6" op="gte"/>
-                <dgm:constr type="h" for="ch" forName="text_6" refType="h" refFor="ch" refForName="accent_6" fact="0.8"/>
-                <dgm:constr type="ctrY" for="ch" forName="text_6" refType="ctrY" refFor="ch" refForName="accent_6"/>
-                <dgm:constr type="lMarg" for="ch" forName="text_6" refType="w" refFor="ch" refForName="accent_6" fact="1.8"/>
-                <dgm:constr type="primFontSz" for="ch" ptType="node" op="equ" val="65"/>
-              </dgm:constrLst>
-            </dgm:if>
-            <dgm:else name="Name11">
-              <dgm:constrLst>
-                <dgm:constr type="h" for="ch" forName="cycle" refType="h"/>
-                <dgm:constr type="w" for="ch" forName="cycle" refType="h" refFor="ch" refForName="cycle" fact="0.26"/>
-                <dgm:constr type="l" for="ch" forName="cycle"/>
-                <dgm:constr type="ctrY" for="ch" forName="cycle" refType="h" fact="0.5"/>
-                <dgm:constr type="diam" for="ch" forName="cycle" refType="h" fact="1.344"/>
-                <dgm:constr type="h" for="ch" forName="accent_1" refType="h" fact="0.1136"/>
-                <dgm:constr type="w" for="ch" forName="accent_1" refType="h" refFor="ch" refForName="accent_1" op="equ"/>
-                <dgm:constr type="ctrY" for="ch" forName="accent_1" refType="h" fact="0.0909"/>
-                <dgm:constr type="ctrX" for="ch" forName="accent_1" refType="h" fact="0.0835"/>
-                <dgm:constr type="l" for="ch" forName="text_1" refType="ctrX" refFor="ch" refForName="accent_1"/>
-                <dgm:constr type="r" for="ch" forName="text_1" refType="w"/>
-                <dgm:constr type="w" for="ch" forName="text_1" refType="h" refFor="ch" refForName="text_1" op="gte"/>
-                <dgm:constr type="h" for="ch" forName="text_1" refType="h" refFor="ch" refForName="accent_1" fact="0.8"/>
-                <dgm:constr type="ctrY" for="ch" forName="text_1" refType="ctrY" refFor="ch" refForName="accent_1"/>
-                <dgm:constr type="lMarg" for="ch" forName="text_1" refType="w" refFor="ch" refForName="accent_1" fact="1.8"/>
-                <dgm:constr type="h" for="ch" forName="accent_2" refType="h" fact="0.1136"/>
-                <dgm:constr type="w" for="ch" forName="accent_2" refType="h" refFor="ch" refForName="accent_2" op="equ"/>
-                <dgm:constr type="ctrY" for="ch" forName="accent_2" refType="h" fact="0.2273"/>
-                <dgm:constr type="ctrX" for="ch" forName="accent_2" refType="h" fact="0.1658"/>
-                <dgm:constr type="l" for="ch" forName="text_2" refType="ctrX" refFor="ch" refForName="accent_2"/>
-                <dgm:constr type="r" for="ch" forName="text_2" refType="w"/>
-                <dgm:constr type="w" for="ch" forName="text_2" refType="h" refFor="ch" refForName="text_2" op="gte"/>
-                <dgm:constr type="h" for="ch" forName="text_2" refType="h" refFor="ch" refForName="accent_2" fact="0.8"/>
-                <dgm:constr type="ctrY" for="ch" forName="text_2" refType="ctrY" refFor="ch" refForName="accent_2"/>
-                <dgm:constr type="lMarg" for="ch" forName="text_2" refType="w" refFor="ch" refForName="accent_2" fact="1.8"/>
-                <dgm:constr type="h" for="ch" forName="accent_3" refType="h" fact="0.1136"/>
-                <dgm:constr type="w" for="ch" forName="accent_3" refType="h" refFor="ch" refForName="accent_3" op="equ"/>
-                <dgm:constr type="ctrY" for="ch" forName="accent_3" refType="h" fact="0.3636"/>
-                <dgm:constr type="ctrX" for="ch" forName="accent_3" refType="h" fact="0.2109"/>
-                <dgm:constr type="l" for="ch" forName="text_3" refType="ctrX" refFor="ch" refForName="accent_3"/>
-                <dgm:constr type="r" for="ch" forName="text_3" refType="w"/>
-                <dgm:constr type="w" for="ch" forName="text_3" refType="h" refFor="ch" refForName="text_3" op="gte"/>
-                <dgm:constr type="h" for="ch" forName="text_3" refType="h" refFor="ch" refForName="accent_3" fact="0.8"/>
-                <dgm:constr type="ctrY" for="ch" forName="text_3" refType="ctrY" refFor="ch" refForName="accent_3"/>
-                <dgm:constr type="lMarg" for="ch" forName="text_3" refType="w" refFor="ch" refForName="accent_3" fact="1.8"/>
-                <dgm:constr type="h" for="ch" forName="accent_4" refType="h" fact="0.1136"/>
-                <dgm:constr type="w" for="ch" forName="accent_4" refType="h" refFor="ch" refForName="accent_4" op="equ"/>
-                <dgm:constr type="ctrY" for="ch" forName="accent_4" refType="h" fact="0.5"/>
-                <dgm:constr type="ctrX" for="ch" forName="accent_4" refType="h" fact="0.2253"/>
-                <dgm:constr type="l" for="ch" forName="text_4" refType="ctrX" refFor="ch" refForName="accent_4"/>
-                <dgm:constr type="r" for="ch" forName="text_4" refType="w"/>
-                <dgm:constr type="w" for="ch" forName="text_4" refType="h" refFor="ch" refForName="text_4" op="gte"/>
-                <dgm:constr type="h" for="ch" forName="text_4" refType="h" refFor="ch" refForName="accent_4" fact="0.8"/>
-                <dgm:constr type="ctrY" for="ch" forName="text_4" refType="ctrY" refFor="ch" refForName="accent_4"/>
-                <dgm:constr type="lMarg" for="ch" forName="text_4" refType="w" refFor="ch" refForName="accent_4" fact="1.8"/>
-                <dgm:constr type="h" for="ch" forName="accent_5" refType="h" fact="0.1136"/>
-                <dgm:constr type="w" for="ch" forName="accent_5" refType="h" refFor="ch" refForName="accent_5" op="equ"/>
-                <dgm:constr type="ctrY" for="ch" forName="accent_5" refType="h" fact="0.6364"/>
-                <dgm:constr type="ctrX" for="ch" forName="accent_5" refType="h" fact="0.2109"/>
-                <dgm:constr type="l" for="ch" forName="text_5" refType="ctrX" refFor="ch" refForName="accent_5"/>
-                <dgm:constr type="r" for="ch" forName="text_5" refType="w"/>
-                <dgm:constr type="w" for="ch" forName="text_5" refType="h" refFor="ch" refForName="text_5" op="gte"/>
-                <dgm:constr type="h" for="ch" forName="text_5" refType="h" refFor="ch" refForName="accent_5" fact="0.8"/>
-                <dgm:constr type="ctrY" for="ch" forName="text_5" refType="ctrY" refFor="ch" refForName="accent_5"/>
-                <dgm:constr type="lMarg" for="ch" forName="text_5" refType="w" refFor="ch" refForName="accent_5" fact="1.8"/>
-                <dgm:constr type="h" for="ch" forName="accent_6" refType="h" fact="0.1136"/>
-                <dgm:constr type="w" for="ch" forName="accent_6" refType="h" refFor="ch" refForName="accent_6" op="equ"/>
-                <dgm:constr type="ctrY" for="ch" forName="accent_6" refType="h" fact="0.7727"/>
-                <dgm:constr type="ctrX" for="ch" forName="accent_6" refType="h" fact="0.1658"/>
-                <dgm:constr type="l" for="ch" forName="text_6" refType="ctrX" refFor="ch" refForName="accent_6"/>
-                <dgm:constr type="r" for="ch" forName="text_6" refType="w"/>
-                <dgm:constr type="w" for="ch" forName="text_6" refType="h" refFor="ch" refForName="text_6" op="gte"/>
-                <dgm:constr type="h" for="ch" forName="text_6" refType="h" refFor="ch" refForName="accent_6" fact="0.8"/>
-                <dgm:constr type="ctrY" for="ch" forName="text_6" refType="ctrY" refFor="ch" refForName="accent_6"/>
-                <dgm:constr type="lMarg" for="ch" forName="text_6" refType="w" refFor="ch" refForName="accent_6" fact="1.8"/>
-                <dgm:constr type="h" for="ch" forName="accent_7" refType="h" fact="0.1136"/>
-                <dgm:constr type="w" for="ch" forName="accent_7" refType="h" refFor="ch" refForName="accent_7" op="equ"/>
-                <dgm:constr type="ctrY" for="ch" forName="accent_7" refType="h" fact="0.9091"/>
-                <dgm:constr type="ctrX" for="ch" forName="accent_7" refType="h" fact="0.0835"/>
-                <dgm:constr type="l" for="ch" forName="text_7" refType="ctrX" refFor="ch" refForName="accent_7"/>
-                <dgm:constr type="r" for="ch" forName="text_7" refType="w"/>
-                <dgm:constr type="w" for="ch" forName="text_7" refType="h" refFor="ch" refForName="text_7" op="gte"/>
-                <dgm:constr type="h" for="ch" forName="text_7" refType="h" refFor="ch" refForName="accent_7" fact="0.8"/>
-                <dgm:constr type="ctrY" for="ch" forName="text_7" refType="ctrY" refFor="ch" refForName="accent_7"/>
-                <dgm:constr type="lMarg" for="ch" forName="text_7" refType="w" refFor="ch" refForName="accent_7" fact="1.8"/>
-                <dgm:constr type="primFontSz" for="ch" ptType="node" op="equ" val="65"/>
-              </dgm:constrLst>
-            </dgm:else>
-          </dgm:choose>
-        </dgm:if>
-        <dgm:else name="Name12">
-          <dgm:choose name="Name13">
-            <dgm:if name="Name14" axis="ch" ptType="node" func="cnt" op="equ" val="1">
-              <dgm:constrLst>
-                <dgm:constr type="h" for="ch" forName="cycle" refType="h"/>
-                <dgm:constr type="w" for="ch" forName="cycle" refType="h" refFor="ch" refForName="cycle" fact="0.26"/>
-                <dgm:constr type="r" for="ch" forName="cycle" refType="w"/>
-                <dgm:constr type="ctrY" for="ch" forName="cycle" refType="h" fact="0.5"/>
-                <dgm:constr type="diam" for="ch" forName="cycle" refType="h" fact="1.344"/>
-                <dgm:constr type="h" for="ch" forName="accent_1" refType="h" fact="0.625"/>
-                <dgm:constr type="w" for="ch" forName="accent_1" refType="h" refFor="ch" refForName="accent_1" op="equ"/>
-                <dgm:constr type="ctrY" for="ch" forName="accent_1" refType="h" fact="0.5"/>
-                <dgm:constr type="ctrX" for="ch" forName="accent_1" refType="w"/>
-                <dgm:constr type="ctrXOff" for="ch" forName="accent_1" refType="h" fact="-0.2253"/>
-                <dgm:constr type="r" for="ch" forName="text_1" refType="ctrX" refFor="ch" refForName="accent_1"/>
-                <dgm:constr type="rOff" for="ch" forName="text_1" refType="ctrXOff" refFor="ch" refForName="accent_1"/>
-                <dgm:constr type="l" for="ch" forName="text_1"/>
-                <dgm:constr type="w" for="ch" forName="text_1" refType="h" refFor="ch" refForName="text_1" op="gte"/>
-                <dgm:constr type="h" for="ch" forName="text_1" refType="h" refFor="ch" refForName="accent_1" fact="0.8"/>
-                <dgm:constr type="ctrY" for="ch" forName="text_1" refType="ctrY" refFor="ch" refForName="accent_1"/>
-                <dgm:constr type="rMarg" for="ch" forName="text_1" refType="w" refFor="ch" refForName="accent_1" fact="1.8"/>
-                <dgm:constr type="primFontSz" for="ch" ptType="node" op="equ" val="65"/>
-              </dgm:constrLst>
-            </dgm:if>
-            <dgm:if name="Name15" axis="ch" ptType="node" func="cnt" op="equ" val="2">
-              <dgm:constrLst>
-                <dgm:constr type="h" for="ch" forName="cycle" refType="h"/>
-                <dgm:constr type="w" for="ch" forName="cycle" refType="h" refFor="ch" refForName="cycle" fact="0.26"/>
-                <dgm:constr type="r" for="ch" forName="cycle" refType="w"/>
-                <dgm:constr type="ctrY" for="ch" forName="cycle" refType="h" fact="0.5"/>
-                <dgm:constr type="diam" for="ch" forName="cycle" refType="h" fact="1.344"/>
-                <dgm:constr type="h" for="ch" forName="accent_1" refType="h" fact="0.3571"/>
-                <dgm:constr type="w" for="ch" forName="accent_1" refType="h" refFor="ch" refForName="accent_1" op="equ"/>
-                <dgm:constr type="ctrY" for="ch" forName="accent_1" refType="h" fact="0.2857"/>
-                <dgm:constr type="ctrX" for="ch" forName="accent_1" refType="w"/>
-                <dgm:constr type="ctrXOff" for="ch" forName="accent_1" refType="h" fact="-0.1891"/>
-                <dgm:constr type="r" for="ch" forName="text_1" refType="ctrX" refFor="ch" refForName="accent_1"/>
-                <dgm:constr type="rOff" for="ch" forName="text_1" refType="ctrXOff" refFor="ch" refForName="accent_1"/>
-                <dgm:constr type="l" for="ch" forName="text_1"/>
-                <dgm:constr type="w" for="ch" forName="text_1" refType="h" refFor="ch" refForName="text_1" op="gte"/>
-                <dgm:constr type="h" for="ch" forName="text_1" refType="h" refFor="ch" refForName="accent_1" fact="0.8"/>
-                <dgm:constr type="ctrY" for="ch" forName="text_1" refType="ctrY" refFor="ch" refForName="accent_1"/>
-                <dgm:constr type="rMarg" for="ch" forName="text_1" refType="w" refFor="ch" refForName="accent_1" fact="1.8"/>
-                <dgm:constr type="h" for="ch" forName="accent_2" refType="h" fact="0.3571"/>
-                <dgm:constr type="w" for="ch" forName="accent_2" refType="h" refFor="ch" refForName="accent_2" op="equ"/>
-                <dgm:constr type="ctrY" for="ch" forName="accent_2" refType="h" fact="0.7143"/>
-                <dgm:constr type="ctrX" for="ch" forName="accent_2" refType="w"/>
-                <dgm:constr type="ctrXOff" for="ch" forName="accent_2" refType="h" fact="-0.1891"/>
-                <dgm:constr type="r" for="ch" forName="text_2" refType="ctrX" refFor="ch" refForName="accent_2"/>
-                <dgm:constr type="rOff" for="ch" forName="text_2" refType="ctrXOff" refFor="ch" refForName="accent_2"/>
-                <dgm:constr type="l" for="ch" forName="text_2"/>
-                <dgm:constr type="w" for="ch" forName="text_2" refType="h" refFor="ch" refForName="text_2" op="gte"/>
-                <dgm:constr type="h" for="ch" forName="text_2" refType="h" refFor="ch" refForName="accent_2" fact="0.8"/>
-                <dgm:constr type="ctrY" for="ch" forName="text_2" refType="ctrY" refFor="ch" refForName="accent_2"/>
-                <dgm:constr type="rMarg" for="ch" forName="text_2" refType="w" refFor="ch" refForName="accent_2" fact="1.8"/>
-                <dgm:constr type="primFontSz" for="ch" ptType="node" op="equ" val="65"/>
-              </dgm:constrLst>
-            </dgm:if>
-            <dgm:if name="Name16" axis="ch" ptType="node" func="cnt" op="equ" val="3">
-              <dgm:constrLst>
-                <dgm:constr type="h" for="ch" forName="cycle" refType="h"/>
-                <dgm:constr type="w" for="ch" forName="cycle" refType="h" refFor="ch" refForName="cycle" fact="0.26"/>
-                <dgm:constr type="r" for="ch" forName="cycle" refType="w"/>
-                <dgm:constr type="ctrY" for="ch" forName="cycle" refType="h" fact="0.5"/>
-                <dgm:constr type="diam" for="ch" forName="cycle" refType="h" fact="1.344"/>
-                <dgm:constr type="h" for="ch" forName="accent_1" refType="h" fact="0.25"/>
-                <dgm:constr type="w" for="ch" forName="accent_1" refType="h" refFor="ch" refForName="accent_1" op="equ"/>
-                <dgm:constr type="ctrY" for="ch" forName="accent_1" refType="h" fact="0.2"/>
-                <dgm:constr type="ctrX" for="ch" forName="accent_1" refType="w"/>
-                <dgm:constr type="ctrXOff" for="ch" forName="accent_1" refType="h" fact="-0.1526"/>
-                <dgm:constr type="r" for="ch" forName="text_1" refType="ctrX" refFor="ch" refForName="accent_1"/>
-                <dgm:constr type="rOff" for="ch" forName="text_1" refType="ctrXOff" refFor="ch" refForName="accent_1"/>
-                <dgm:constr type="l" for="ch" forName="text_1"/>
-                <dgm:constr type="w" for="ch" forName="text_1" refType="h" refFor="ch" refForName="text_1" op="gte"/>
-                <dgm:constr type="h" for="ch" forName="text_1" refType="h" refFor="ch" refForName="accent_1" fact="0.8"/>
-                <dgm:constr type="ctrY" for="ch" forName="text_1" refType="ctrY" refFor="ch" refForName="accent_1"/>
-                <dgm:constr type="rMarg" for="ch" forName="text_1" refType="w" refFor="ch" refForName="accent_1" fact="1.8"/>
-                <dgm:constr type="h" for="ch" forName="accent_2" refType="h" fact="0.25"/>
-                <dgm:constr type="w" for="ch" forName="accent_2" refType="h" refFor="ch" refForName="accent_2" op="equ"/>
-                <dgm:constr type="ctrY" for="ch" forName="accent_2" refType="h" fact="0.5"/>
-                <dgm:constr type="ctrX" for="ch" forName="accent_2" refType="w"/>
-                <dgm:constr type="ctrXOff" for="ch" forName="accent_2" refType="h" fact="-0.2253"/>
-                <dgm:constr type="r" for="ch" forName="text_2" refType="ctrX" refFor="ch" refForName="accent_2"/>
-                <dgm:constr type="rOff" for="ch" forName="text_2" refType="ctrXOff" refFor="ch" refForName="accent_2"/>
-                <dgm:constr type="l" for="ch" forName="text_2"/>
-                <dgm:constr type="w" for="ch" forName="text_2" refType="h" refFor="ch" refForName="text_2" op="gte"/>
-                <dgm:constr type="h" for="ch" forName="text_2" refType="h" refFor="ch" refForName="accent_2" fact="0.8"/>
-                <dgm:constr type="ctrY" for="ch" forName="text_2" refType="ctrY" refFor="ch" refForName="accent_2"/>
-                <dgm:constr type="rMarg" for="ch" forName="text_2" refType="w" refFor="ch" refForName="accent_2" fact="1.8"/>
-                <dgm:constr type="h" for="ch" forName="accent_3" refType="h" fact="0.25"/>
-                <dgm:constr type="w" for="ch" forName="accent_3" refType="h" refFor="ch" refForName="accent_3" op="equ"/>
-                <dgm:constr type="ctrY" for="ch" forName="accent_3" refType="h" fact="0.8"/>
-                <dgm:constr type="ctrX" for="ch" forName="accent_3" refType="w"/>
-                <dgm:constr type="ctrXOff" for="ch" forName="accent_3" refType="h" fact="-0.1526"/>
-                <dgm:constr type="r" for="ch" forName="text_3" refType="ctrX" refFor="ch" refForName="accent_3"/>
-                <dgm:constr type="rOff" for="ch" forName="text_3" refType="ctrXOff" refFor="ch" refForName="accent_3"/>
-                <dgm:constr type="l" for="ch" forName="text_3"/>
-                <dgm:constr type="w" for="ch" forName="text_3" refType="h" refFor="ch" refForName="text_3" op="gte"/>
-                <dgm:constr type="h" for="ch" forName="text_3" refType="h" refFor="ch" refForName="accent_3" fact="0.8"/>
-                <dgm:constr type="ctrY" for="ch" forName="text_3" refType="ctrY" refFor="ch" refForName="accent_3"/>
-                <dgm:constr type="rMarg" for="ch" forName="text_3" refType="w" refFor="ch" refForName="accent_3" fact="1.8"/>
-                <dgm:constr type="primFontSz" for="ch" ptType="node" op="equ" val="65"/>
-              </dgm:constrLst>
-            </dgm:if>
-            <dgm:if name="Name17" axis="ch" ptType="node" func="cnt" op="equ" val="4">
-              <dgm:constrLst>
-                <dgm:constr type="h" for="ch" forName="cycle" refType="h"/>
-                <dgm:constr type="w" for="ch" forName="cycle" refType="h" refFor="ch" refForName="cycle" fact="0.26"/>
-                <dgm:constr type="r" for="ch" forName="cycle" refType="w"/>
-                <dgm:constr type="ctrY" for="ch" forName="cycle" refType="h" fact="0.5"/>
-                <dgm:constr type="diam" for="ch" forName="cycle" refType="h" fact="1.344"/>
-                <dgm:constr type="h" for="ch" forName="accent_1" refType="h" fact="0.1923"/>
-                <dgm:constr type="w" for="ch" forName="accent_1" refType="h" refFor="ch" refForName="accent_1" op="equ"/>
-                <dgm:constr type="ctrY" for="ch" forName="accent_1" refType="h" fact="0.1538"/>
-                <dgm:constr type="ctrX" for="ch" forName="accent_1" refType="w"/>
-                <dgm:constr type="ctrXOff" for="ch" forName="accent_1" refType="h" fact="-0.1268"/>
-                <dgm:constr type="r" for="ch" forName="text_1" refType="ctrX" refFor="ch" refForName="accent_1"/>
-                <dgm:constr type="rOff" for="ch" forName="text_1" refType="ctrXOff" refFor="ch" refForName="accent_1"/>
-                <dgm:constr type="l" for="ch" forName="text_1"/>
-                <dgm:constr type="w" for="ch" forName="text_1" refType="h" refFor="ch" refForName="text_1" op="gte"/>
-                <dgm:constr type="h" for="ch" forName="text_1" refType="h" refFor="ch" refForName="accent_1" fact="0.8"/>
-                <dgm:constr type="ctrY" for="ch" forName="text_1" refType="ctrY" refFor="ch" refForName="accent_1"/>
-                <dgm:constr type="rMarg" for="ch" forName="text_1" refType="w" refFor="ch" refForName="accent_1" fact="1.8"/>
-                <dgm:constr type="h" for="ch" forName="accent_2" refType="h" fact="0.1923"/>
-                <dgm:constr type="w" for="ch" forName="accent_2" refType="h" refFor="ch" refForName="accent_2" op="equ"/>
-                <dgm:constr type="ctrY" for="ch" forName="accent_2" refType="h" fact="0.3846"/>
-                <dgm:constr type="ctrX" for="ch" forName="accent_2" refType="w"/>
-                <dgm:constr type="ctrXOff" for="ch" forName="accent_2" refType="h" fact="-0.215"/>
-                <dgm:constr type="r" for="ch" forName="text_2" refType="ctrX" refFor="ch" refForName="accent_2"/>
-                <dgm:constr type="rOff" for="ch" forName="text_2" refType="ctrXOff" refFor="ch" refForName="accent_2"/>
-                <dgm:constr type="l" for="ch" forName="text_2"/>
-                <dgm:constr type="w" for="ch" forName="text_2" refType="h" refFor="ch" refForName="text_2" op="gte"/>
-                <dgm:constr type="h" for="ch" forName="text_2" refType="h" refFor="ch" refForName="accent_2" fact="0.8"/>
-                <dgm:constr type="ctrY" for="ch" forName="text_2" refType="ctrY" refFor="ch" refForName="accent_2"/>
-                <dgm:constr type="rMarg" for="ch" forName="text_2" refType="w" refFor="ch" refForName="accent_2" fact="1.8"/>
-                <dgm:constr type="h" for="ch" forName="accent_3" refType="h" fact="0.1923"/>
-                <dgm:constr type="w" for="ch" forName="accent_3" refType="h" refFor="ch" refForName="accent_3" op="equ"/>
-                <dgm:constr type="ctrY" for="ch" forName="accent_3" refType="h" fact="0.6154"/>
-                <dgm:constr type="ctrX" for="ch" forName="accent_3" refType="w"/>
-                <dgm:constr type="ctrXOff" for="ch" forName="accent_3" refType="h" fact="-0.215"/>
-                <dgm:constr type="r" for="ch" forName="text_3" refType="ctrX" refFor="ch" refForName="accent_3"/>
-                <dgm:constr type="rOff" for="ch" forName="text_3" refType="ctrXOff" refFor="ch" refForName="accent_3"/>
-                <dgm:constr type="l" for="ch" forName="text_3"/>
-                <dgm:constr type="w" for="ch" forName="text_3" refType="h" refFor="ch" refForName="text_3" op="gte"/>
-                <dgm:constr type="h" for="ch" forName="text_3" refType="h" refFor="ch" refForName="accent_3" fact="0.8"/>
-                <dgm:constr type="ctrY" for="ch" forName="text_3" refType="ctrY" refFor="ch" refForName="accent_3"/>
-                <dgm:constr type="rMarg" for="ch" forName="text_3" refType="w" refFor="ch" refForName="accent_3" fact="1.8"/>
-                <dgm:constr type="h" for="ch" forName="accent_4" refType="h" fact="0.1923"/>
-                <dgm:constr type="w" for="ch" forName="accent_4" refType="h" refFor="ch" refForName="accent_4" op="equ"/>
-                <dgm:constr type="ctrY" for="ch" forName="accent_4" refType="h" fact="0.8462"/>
-                <dgm:constr type="ctrX" for="ch" forName="accent_4" refType="w"/>
-                <dgm:constr type="ctrXOff" for="ch" forName="accent_4" refType="h" fact="-0.1268"/>
-                <dgm:constr type="r" for="ch" forName="text_4" refType="ctrX" refFor="ch" refForName="accent_4"/>
-                <dgm:constr type="rOff" for="ch" forName="text_4" refType="ctrXOff" refFor="ch" refForName="accent_4"/>
-                <dgm:constr type="l" for="ch" forName="text_4"/>
-                <dgm:constr type="w" for="ch" forName="text_4" refType="h" refFor="ch" refForName="text_4" op="gte"/>
-                <dgm:constr type="h" for="ch" forName="text_4" refType="h" refFor="ch" refForName="accent_4" fact="0.8"/>
-                <dgm:constr type="ctrY" for="ch" forName="text_4" refType="ctrY" refFor="ch" refForName="accent_4"/>
-                <dgm:constr type="rMarg" for="ch" forName="text_4" refType="w" refFor="ch" refForName="accent_4" fact="1.8"/>
-                <dgm:constr type="primFontSz" for="ch" ptType="node" op="equ" val="65"/>
-              </dgm:constrLst>
-            </dgm:if>
-            <dgm:if name="Name18" axis="ch" ptType="node" func="cnt" op="equ" val="5">
-              <dgm:constrLst>
-                <dgm:constr type="h" for="ch" forName="cycle" refType="h"/>
-                <dgm:constr type="w" for="ch" forName="cycle" refType="h" refFor="ch" refForName="cycle" fact="0.26"/>
-                <dgm:constr type="r" for="ch" forName="cycle" refType="w"/>
-                <dgm:constr type="ctrY" for="ch" forName="cycle" refType="h" fact="0.5"/>
-                <dgm:constr type="diam" for="ch" forName="cycle" refType="h" fact="1.344"/>
-                <dgm:constr type="h" for="ch" forName="accent_1" refType="h" fact="0.1563"/>
-                <dgm:constr type="w" for="ch" forName="accent_1" refType="h" refFor="ch" refForName="accent_1" op="equ"/>
-                <dgm:constr type="ctrY" for="ch" forName="accent_1" refType="h" fact="0.125"/>
-                <dgm:constr type="ctrX" for="ch" forName="accent_1" refType="w"/>
-                <dgm:constr type="ctrXOff" for="ch" forName="accent_1" refType="h" fact="-0.1082"/>
-                <dgm:constr type="r" for="ch" forName="text_1" refType="ctrX" refFor="ch" refForName="accent_1"/>
-                <dgm:constr type="rOff" for="ch" forName="text_1" refType="ctrXOff" refFor="ch" refForName="accent_1"/>
-                <dgm:constr type="l" for="ch" forName="text_1"/>
-                <dgm:constr type="w" for="ch" forName="text_1" refType="h" refFor="ch" refForName="text_1" op="gte"/>
-                <dgm:constr type="h" for="ch" forName="text_1" refType="h" refFor="ch" refForName="accent_1" fact="0.8"/>
-                <dgm:constr type="ctrY" for="ch" forName="text_1" refType="ctrY" refFor="ch" refForName="accent_1"/>
-                <dgm:constr type="rMarg" for="ch" forName="text_1" refType="w" refFor="ch" refForName="accent_1" fact="1.8"/>
-                <dgm:constr type="h" for="ch" forName="accent_2" refType="h" fact="0.1563"/>
-                <dgm:constr type="w" for="ch" forName="accent_2" refType="h" refFor="ch" refForName="accent_2" op="equ"/>
-                <dgm:constr type="ctrY" for="ch" forName="accent_2" refType="h" fact="0.3125"/>
-                <dgm:constr type="ctrX" for="ch" forName="accent_2" refType="w"/>
-                <dgm:constr type="ctrXOff" for="ch" forName="accent_2" refType="h" fact="-0.1978"/>
-                <dgm:constr type="r" for="ch" forName="text_2" refType="ctrX" refFor="ch" refForName="accent_2"/>
-                <dgm:constr type="rOff" for="ch" forName="text_2" refType="ctrXOff" refFor="ch" refForName="accent_2"/>
-                <dgm:constr type="l" for="ch" forName="text_2"/>
-                <dgm:constr type="w" for="ch" forName="text_2" refType="h" refFor="ch" refForName="text_2" op="gte"/>
-                <dgm:constr type="h" for="ch" forName="text_2" refType="h" refFor="ch" refForName="accent_2" fact="0.8"/>
-                <dgm:constr type="ctrY" for="ch" forName="text_2" refType="ctrY" refFor="ch" refForName="accent_2"/>
-                <dgm:constr type="rMarg" for="ch" forName="text_2" refType="w" refFor="ch" refForName="accent_2" fact="1.8"/>
-                <dgm:constr type="h" for="ch" forName="accent_3" refType="h" fact="0.1563"/>
-                <dgm:constr type="w" for="ch" forName="accent_3" refType="h" refFor="ch" refForName="accent_3" op="equ"/>
-                <dgm:constr type="ctrY" for="ch" forName="accent_3" refType="h" fact="0.5"/>
-                <dgm:constr type="ctrX" for="ch" forName="accent_3" refType="w"/>
-                <dgm:constr type="ctrXOff" for="ch" forName="accent_3" refType="h" fact="-0.2253"/>
-                <dgm:constr type="r" for="ch" forName="text_3" refType="ctrX" refFor="ch" refForName="accent_3"/>
-                <dgm:constr type="rOff" for="ch" forName="text_3" refType="ctrXOff" refFor="ch" refForName="accent_3"/>
-                <dgm:constr type="l" for="ch" forName="text_3"/>
-                <dgm:constr type="w" for="ch" forName="text_3" refType="h" refFor="ch" refForName="text_3" op="gte"/>
-                <dgm:constr type="h" for="ch" forName="text_3" refType="h" refFor="ch" refForName="accent_3" fact="0.8"/>
-                <dgm:constr type="ctrY" for="ch" forName="text_3" refType="ctrY" refFor="ch" refForName="accent_3"/>
-                <dgm:constr type="rMarg" for="ch" forName="text_3" refType="w" refFor="ch" refForName="accent_3" fact="1.8"/>
-                <dgm:constr type="h" for="ch" forName="accent_4" refType="h" fact="0.1563"/>
-                <dgm:constr type="w" for="ch" forName="accent_4" refType="h" refFor="ch" refForName="accent_4" op="equ"/>
-                <dgm:constr type="ctrY" for="ch" forName="accent_4" refType="h" fact="0.6875"/>
-                <dgm:constr type="ctrX" for="ch" forName="accent_4" refType="w"/>
-                <dgm:constr type="ctrXOff" for="ch" forName="accent_4" refType="h" fact="-0.1978"/>
-                <dgm:constr type="r" for="ch" forName="text_4" refType="ctrX" refFor="ch" refForName="accent_4"/>
-                <dgm:constr type="rOff" for="ch" forName="text_4" refType="ctrXOff" refFor="ch" refForName="accent_4"/>
-                <dgm:constr type="l" for="ch" forName="text_4"/>
-                <dgm:constr type="w" for="ch" forName="text_4" refType="h" refFor="ch" refForName="text_4" op="gte"/>
-                <dgm:constr type="h" for="ch" forName="text_4" refType="h" refFor="ch" refForName="accent_4" fact="0.8"/>
-                <dgm:constr type="ctrY" for="ch" forName="text_4" refType="ctrY" refFor="ch" refForName="accent_4"/>
-                <dgm:constr type="rMarg" for="ch" forName="text_4" refType="w" refFor="ch" refForName="accent_4" fact="1.8"/>
-                <dgm:constr type="h" for="ch" forName="accent_5" refType="h" fact="0.1563"/>
-                <dgm:constr type="w" for="ch" forName="accent_5" refType="h" refFor="ch" refForName="accent_5" op="equ"/>
-                <dgm:constr type="ctrY" for="ch" forName="accent_5" refType="h" fact="0.875"/>
-                <dgm:constr type="ctrX" for="ch" forName="accent_5" refType="w"/>
-                <dgm:constr type="ctrXOff" for="ch" forName="accent_5" refType="h" fact="-0.1082"/>
-                <dgm:constr type="r" for="ch" forName="text_5" refType="ctrX" refFor="ch" refForName="accent_5"/>
-                <dgm:constr type="rOff" for="ch" forName="text_5" refType="ctrXOff" refFor="ch" refForName="accent_5"/>
-                <dgm:constr type="l" for="ch" forName="text_5"/>
-                <dgm:constr type="w" for="ch" forName="text_5" refType="h" refFor="ch" refForName="text_5" op="gte"/>
-                <dgm:constr type="h" for="ch" forName="text_5" refType="h" refFor="ch" refForName="accent_5" fact="0.8"/>
-                <dgm:constr type="ctrY" for="ch" forName="text_5" refType="ctrY" refFor="ch" refForName="accent_5"/>
-                <dgm:constr type="rMarg" for="ch" forName="text_5" refType="w" refFor="ch" refForName="accent_5" fact="1.8"/>
-                <dgm:constr type="primFontSz" for="ch" ptType="node" op="equ" val="65"/>
-              </dgm:constrLst>
-            </dgm:if>
-            <dgm:if name="Name19" axis="ch" ptType="node" func="cnt" op="equ" val="6">
-              <dgm:constrLst>
-                <dgm:constr type="h" for="ch" forName="cycle" refType="h"/>
-                <dgm:constr type="w" for="ch" forName="cycle" refType="h" refFor="ch" refForName="cycle" fact="0.26"/>
-                <dgm:constr type="r" for="ch" forName="cycle" refType="w"/>
-                <dgm:constr type="ctrY" for="ch" forName="cycle" refType="h" fact="0.5"/>
-                <dgm:constr type="diam" for="ch" forName="cycle" refType="h" fact="1.344"/>
-                <dgm:constr type="h" for="ch" forName="accent_1" refType="h" fact="0.1316"/>
-                <dgm:constr type="w" for="ch" forName="accent_1" refType="h" refFor="ch" refForName="accent_1" op="equ"/>
-                <dgm:constr type="ctrY" for="ch" forName="accent_1" refType="h" fact="0.1053"/>
-                <dgm:constr type="ctrX" for="ch" forName="accent_1" refType="w"/>
-                <dgm:constr type="ctrXOff" for="ch" forName="accent_1" refType="h" fact="-0.0943"/>
-                <dgm:constr type="r" for="ch" forName="text_1" refType="ctrX" refFor="ch" refForName="accent_1"/>
-                <dgm:constr type="rOff" for="ch" forName="text_1" refType="ctrXOff" refFor="ch" refForName="accent_1"/>
-                <dgm:constr type="l" for="ch" forName="text_1"/>
-                <dgm:constr type="w" for="ch" forName="text_1" refType="h" refFor="ch" refForName="text_1" op="gte"/>
-                <dgm:constr type="h" for="ch" forName="text_1" refType="h" refFor="ch" refForName="accent_1" fact="0.8"/>
-                <dgm:constr type="ctrY" for="ch" forName="text_1" refType="ctrY" refFor="ch" refForName="accent_1"/>
-                <dgm:constr type="rMarg" for="ch" forName="text_1" refType="w" refFor="ch" refForName="accent_1" fact="1.8"/>
-                <dgm:constr type="h" for="ch" forName="accent_2" refType="h" fact="0.1316"/>
-                <dgm:constr type="w" for="ch" forName="accent_2" refType="h" refFor="ch" refForName="accent_2" op="equ"/>
-                <dgm:constr type="ctrY" for="ch" forName="accent_2" refType="h" fact="0.2632"/>
-                <dgm:constr type="ctrX" for="ch" forName="accent_2" refType="w"/>
-                <dgm:constr type="ctrXOff" for="ch" forName="accent_2" refType="h" fact="-0.1809"/>
-                <dgm:constr type="r" for="ch" forName="text_2" refType="ctrX" refFor="ch" refForName="accent_2"/>
-                <dgm:constr type="rOff" for="ch" forName="text_2" refType="ctrXOff" refFor="ch" refForName="accent_2"/>
-                <dgm:constr type="l" for="ch" forName="text_2"/>
-                <dgm:constr type="w" for="ch" forName="text_2" refType="h" refFor="ch" refForName="text_2" op="gte"/>
-                <dgm:constr type="h" for="ch" forName="text_2" refType="h" refFor="ch" refForName="accent_2" fact="0.8"/>
-                <dgm:constr type="ctrY" for="ch" forName="text_2" refType="ctrY" refFor="ch" refForName="accent_2"/>
-                <dgm:constr type="rMarg" for="ch" forName="text_2" refType="w" refFor="ch" refForName="accent_2" fact="1.8"/>
-                <dgm:constr type="h" for="ch" forName="accent_3" refType="h" fact="0.1316"/>
-                <dgm:constr type="w" for="ch" forName="accent_3" refType="h" refFor="ch" refForName="accent_3" op="equ"/>
-                <dgm:constr type="ctrY" for="ch" forName="accent_3" refType="h" fact="0.4211"/>
-                <dgm:constr type="ctrX" for="ch" forName="accent_3" refType="w"/>
-                <dgm:constr type="ctrXOff" for="ch" forName="accent_3" refType="h" fact="-0.2205"/>
-                <dgm:constr type="r" for="ch" forName="text_3" refType="ctrX" refFor="ch" refForName="accent_3"/>
-                <dgm:constr type="rOff" for="ch" forName="text_3" refType="ctrXOff" refFor="ch" refForName="accent_3"/>
-                <dgm:constr type="l" for="ch" forName="text_3"/>
-                <dgm:constr type="w" for="ch" forName="text_3" refType="h" refFor="ch" refForName="text_3" op="gte"/>
-                <dgm:constr type="h" for="ch" forName="text_3" refType="h" refFor="ch" refForName="accent_3" fact="0.8"/>
-                <dgm:constr type="ctrY" for="ch" forName="text_3" refType="ctrY" refFor="ch" refForName="accent_3"/>
-                <dgm:constr type="rMarg" for="ch" forName="text_3" refType="w" refFor="ch" refForName="accent_3" fact="1.8"/>
-                <dgm:constr type="h" for="ch" forName="accent_4" refType="h" fact="0.1316"/>
-                <dgm:constr type="w" for="ch" forName="accent_4" refType="h" refFor="ch" refForName="accent_4" op="equ"/>
-                <dgm:constr type="ctrY" for="ch" forName="accent_4" refType="h" fact="0.5789"/>
-                <dgm:constr type="ctrX" for="ch" forName="accent_4" refType="w"/>
-                <dgm:constr type="ctrXOff" for="ch" forName="accent_4" refType="h" fact="-0.2205"/>
-                <dgm:constr type="r" for="ch" forName="text_4" refType="ctrX" refFor="ch" refForName="accent_4"/>
-                <dgm:constr type="rOff" for="ch" forName="text_4" refType="ctrXOff" refFor="ch" refForName="accent_4"/>
-                <dgm:constr type="l" for="ch" forName="text_4"/>
-                <dgm:constr type="w" for="ch" forName="text_4" refType="h" refFor="ch" refForName="text_4" op="gte"/>
-                <dgm:constr type="h" for="ch" forName="text_4" refType="h" refFor="ch" refForName="accent_4" fact="0.8"/>
-                <dgm:constr type="ctrY" for="ch" forName="text_4" refType="ctrY" refFor="ch" refForName="accent_4"/>
-                <dgm:constr type="rMarg" for="ch" forName="text_4" refType="w" refFor="ch" refForName="accent_4" fact="1.8"/>
-                <dgm:constr type="h" for="ch" forName="accent_5" refType="h" fact="0.1316"/>
-                <dgm:constr type="w" for="ch" forName="accent_5" refType="h" refFor="ch" refForName="accent_5" op="equ"/>
-                <dgm:constr type="ctrY" for="ch" forName="accent_5" refType="h" fact="0.7368"/>
-                <dgm:constr type="ctrX" for="ch" forName="accent_5" refType="w"/>
-                <dgm:constr type="ctrXOff" for="ch" forName="accent_5" refType="h" fact="-0.1809"/>
-                <dgm:constr type="r" for="ch" forName="text_5" refType="ctrX" refFor="ch" refForName="accent_5"/>
-                <dgm:constr type="rOff" for="ch" forName="text_5" refType="ctrXOff" refFor="ch" refForName="accent_5"/>
-                <dgm:constr type="l" for="ch" forName="text_5"/>
-                <dgm:constr type="w" for="ch" forName="text_5" refType="h" refFor="ch" refForName="text_5" op="gte"/>
-                <dgm:constr type="h" for="ch" forName="text_5" refType="h" refFor="ch" refForName="accent_5" fact="0.8"/>
-                <dgm:constr type="ctrY" for="ch" forName="text_5" refType="ctrY" refFor="ch" refForName="accent_5"/>
-                <dgm:constr type="rMarg" for="ch" forName="text_5" refType="w" refFor="ch" refForName="accent_5" fact="1.8"/>
-                <dgm:constr type="h" for="ch" forName="accent_6" refType="h" fact="0.1316"/>
-                <dgm:constr type="w" for="ch" forName="accent_6" refType="h" refFor="ch" refForName="accent_6" op="equ"/>
-                <dgm:constr type="ctrY" for="ch" forName="accent_6" refType="h" fact="0.8947"/>
-                <dgm:constr type="ctrX" for="ch" forName="accent_6" refType="w"/>
-                <dgm:constr type="ctrXOff" for="ch" forName="accent_6" refType="h" fact="-0.0943"/>
-                <dgm:constr type="r" for="ch" forName="text_6" refType="ctrX" refFor="ch" refForName="accent_6"/>
-                <dgm:constr type="rOff" for="ch" forName="text_6" refType="ctrXOff" refFor="ch" refForName="accent_6"/>
-                <dgm:constr type="l" for="ch" forName="text_6"/>
-                <dgm:constr type="w" for="ch" forName="text_6" refType="h" refFor="ch" refForName="text_6" op="gte"/>
-                <dgm:constr type="h" for="ch" forName="text_6" refType="h" refFor="ch" refForName="accent_6" fact="0.8"/>
-                <dgm:constr type="ctrY" for="ch" forName="text_6" refType="ctrY" refFor="ch" refForName="accent_6"/>
-                <dgm:constr type="rMarg" for="ch" forName="text_6" refType="w" refFor="ch" refForName="accent_6" fact="1.8"/>
-                <dgm:constr type="primFontSz" for="ch" ptType="node" op="equ" val="65"/>
-              </dgm:constrLst>
-            </dgm:if>
-            <dgm:else name="Name20">
-              <dgm:constrLst>
-                <dgm:constr type="h" for="ch" forName="cycle" refType="h"/>
-                <dgm:constr type="w" for="ch" forName="cycle" refType="h" refFor="ch" refForName="cycle" fact="0.26"/>
-                <dgm:constr type="r" for="ch" forName="cycle" refType="w"/>
-                <dgm:constr type="ctrY" for="ch" forName="cycle" refType="h" fact="0.5"/>
-                <dgm:constr type="diam" for="ch" forName="cycle" refType="h" fact="1.344"/>
-                <dgm:constr type="h" for="ch" forName="accent_1" refType="h" fact="0.1136"/>
-                <dgm:constr type="w" for="ch" forName="accent_1" refType="h" refFor="ch" refForName="accent_1" op="equ"/>
-                <dgm:constr type="ctrY" for="ch" forName="accent_1" refType="h" fact="0.0909"/>
-                <dgm:constr type="ctrX" for="ch" forName="accent_1" refType="w"/>
-                <dgm:constr type="ctrXOff" for="ch" forName="accent_1" refType="h" fact="-0.0835"/>
-                <dgm:constr type="r" for="ch" forName="text_1" refType="ctrX" refFor="ch" refForName="accent_1"/>
-                <dgm:constr type="rOff" for="ch" forName="text_1" refType="ctrXOff" refFor="ch" refForName="accent_1"/>
-                <dgm:constr type="l" for="ch" forName="text_1"/>
-                <dgm:constr type="w" for="ch" forName="text_1" refType="h" refFor="ch" refForName="text_1" op="gte"/>
-                <dgm:constr type="h" for="ch" forName="text_1" refType="h" refFor="ch" refForName="accent_1" fact="0.8"/>
-                <dgm:constr type="ctrY" for="ch" forName="text_1" refType="ctrY" refFor="ch" refForName="accent_1"/>
-                <dgm:constr type="rMarg" for="ch" forName="text_1" refType="w" refFor="ch" refForName="accent_1" fact="1.8"/>
-                <dgm:constr type="h" for="ch" forName="accent_2" refType="h" fact="0.1136"/>
-                <dgm:constr type="w" for="ch" forName="accent_2" refType="h" refFor="ch" refForName="accent_2" op="equ"/>
-                <dgm:constr type="ctrY" for="ch" forName="accent_2" refType="h" fact="0.2273"/>
-                <dgm:constr type="ctrX" for="ch" forName="accent_2" refType="w"/>
-                <dgm:constr type="ctrXOff" for="ch" forName="accent_2" refType="h" fact="-0.1658"/>
-                <dgm:constr type="r" for="ch" forName="text_2" refType="ctrX" refFor="ch" refForName="accent_2"/>
-                <dgm:constr type="rOff" for="ch" forName="text_2" refType="ctrXOff" refFor="ch" refForName="accent_2"/>
-                <dgm:constr type="l" for="ch" forName="text_2"/>
-                <dgm:constr type="w" for="ch" forName="text_2" refType="h" refFor="ch" refForName="text_2" op="gte"/>
-                <dgm:constr type="h" for="ch" forName="text_2" refType="h" refFor="ch" refForName="accent_2" fact="0.8"/>
-                <dgm:constr type="ctrY" for="ch" forName="text_2" refType="ctrY" refFor="ch" refForName="accent_2"/>
-                <dgm:constr type="rMarg" for="ch" forName="text_2" refType="w" refFor="ch" refForName="accent_2" fact="1.8"/>
-                <dgm:constr type="h" for="ch" forName="accent_3" refType="h" fact="0.1136"/>
-                <dgm:constr type="w" for="ch" forName="accent_3" refType="h" refFor="ch" refForName="accent_3" op="equ"/>
-                <dgm:constr type="ctrY" for="ch" forName="accent_3" refType="h" fact="0.3636"/>
-                <dgm:constr type="ctrX" for="ch" forName="accent_3" refType="w"/>
-                <dgm:constr type="ctrXOff" for="ch" forName="accent_3" refType="h" fact="-0.2109"/>
-                <dgm:constr type="r" for="ch" forName="text_3" refType="ctrX" refFor="ch" refForName="accent_3"/>
-                <dgm:constr type="rOff" for="ch" forName="text_3" refType="ctrXOff" refFor="ch" refForName="accent_3"/>
-                <dgm:constr type="l" for="ch" forName="text_3"/>
-                <dgm:constr type="w" for="ch" forName="text_3" refType="h" refFor="ch" refForName="text_3" op="gte"/>
-                <dgm:constr type="h" for="ch" forName="text_3" refType="h" refFor="ch" refForName="accent_3" fact="0.8"/>
-                <dgm:constr type="ctrY" for="ch" forName="text_3" refType="ctrY" refFor="ch" refForName="accent_3"/>
-                <dgm:constr type="rMarg" for="ch" forName="text_3" refType="w" refFor="ch" refForName="accent_3" fact="1.8"/>
-                <dgm:constr type="h" for="ch" forName="accent_4" refType="h" fact="0.1136"/>
-                <dgm:constr type="w" for="ch" forName="accent_4" refType="h" refFor="ch" refForName="accent_4" op="equ"/>
-                <dgm:constr type="ctrY" for="ch" forName="accent_4" refType="h" fact="0.5"/>
-                <dgm:constr type="ctrX" for="ch" forName="accent_4" refType="w"/>
-                <dgm:constr type="ctrXOff" for="ch" forName="accent_4" refType="h" fact="-0.2253"/>
-                <dgm:constr type="r" for="ch" forName="text_4" refType="ctrX" refFor="ch" refForName="accent_4"/>
-                <dgm:constr type="rOff" for="ch" forName="text_4" refType="ctrXOff" refFor="ch" refForName="accent_4"/>
-                <dgm:constr type="l" for="ch" forName="text_4"/>
-                <dgm:constr type="w" for="ch" forName="text_4" refType="h" refFor="ch" refForName="text_4" op="gte"/>
-                <dgm:constr type="h" for="ch" forName="text_4" refType="h" refFor="ch" refForName="accent_4" fact="0.8"/>
-                <dgm:constr type="ctrY" for="ch" forName="text_4" refType="ctrY" refFor="ch" refForName="accent_4"/>
-                <dgm:constr type="rMarg" for="ch" forName="text_4" refType="w" refFor="ch" refForName="accent_4" fact="1.8"/>
-                <dgm:constr type="h" for="ch" forName="accent_5" refType="h" fact="0.1136"/>
-                <dgm:constr type="w" for="ch" forName="accent_5" refType="h" refFor="ch" refForName="accent_5" op="equ"/>
-                <dgm:constr type="ctrY" for="ch" forName="accent_5" refType="h" fact="0.6364"/>
-                <dgm:constr type="ctrX" for="ch" forName="accent_5" refType="w"/>
-                <dgm:constr type="ctrXOff" for="ch" forName="accent_5" refType="h" fact="-0.2109"/>
-                <dgm:constr type="r" for="ch" forName="text_5" refType="ctrX" refFor="ch" refForName="accent_5"/>
-                <dgm:constr type="rOff" for="ch" forName="text_5" refType="ctrXOff" refFor="ch" refForName="accent_5"/>
-                <dgm:constr type="l" for="ch" forName="text_5"/>
-                <dgm:constr type="w" for="ch" forName="text_5" refType="h" refFor="ch" refForName="text_5" op="gte"/>
-                <dgm:constr type="h" for="ch" forName="text_5" refType="h" refFor="ch" refForName="accent_5" fact="0.8"/>
-                <dgm:constr type="ctrY" for="ch" forName="text_5" refType="ctrY" refFor="ch" refForName="accent_5"/>
-                <dgm:constr type="rMarg" for="ch" forName="text_5" refType="w" refFor="ch" refForName="accent_5" fact="1.8"/>
-                <dgm:constr type="h" for="ch" forName="accent_6" refType="h" fact="0.1136"/>
-                <dgm:constr type="w" for="ch" forName="accent_6" refType="h" refFor="ch" refForName="accent_6" op="equ"/>
-                <dgm:constr type="ctrY" for="ch" forName="accent_6" refType="h" fact="0.7727"/>
-                <dgm:constr type="ctrX" for="ch" forName="accent_6" refType="w"/>
-                <dgm:constr type="ctrXOff" for="ch" forName="accent_6" refType="h" fact="-0.1658"/>
-                <dgm:constr type="r" for="ch" forName="text_6" refType="ctrX" refFor="ch" refForName="accent_6"/>
-                <dgm:constr type="rOff" for="ch" forName="text_6" refType="ctrXOff" refFor="ch" refForName="accent_6"/>
-                <dgm:constr type="l" for="ch" forName="text_6"/>
-                <dgm:constr type="w" for="ch" forName="text_6" refType="h" refFor="ch" refForName="text_6" op="gte"/>
-                <dgm:constr type="h" for="ch" forName="text_6" refType="h" refFor="ch" refForName="accent_6" fact="0.8"/>
-                <dgm:constr type="ctrY" for="ch" forName="text_6" refType="ctrY" refFor="ch" refForName="accent_6"/>
-                <dgm:constr type="rMarg" for="ch" forName="text_6" refType="w" refFor="ch" refForName="accent_6" fact="1.8"/>
-                <dgm:constr type="h" for="ch" forName="accent_7" refType="h" fact="0.1136"/>
-                <dgm:constr type="w" for="ch" forName="accent_7" refType="h" refFor="ch" refForName="accent_7" op="equ"/>
-                <dgm:constr type="ctrY" for="ch" forName="accent_7" refType="h" fact="0.9091"/>
-                <dgm:constr type="ctrX" for="ch" forName="accent_7" refType="w"/>
-                <dgm:constr type="ctrXOff" for="ch" forName="accent_7" refType="h" fact="-0.0835"/>
-                <dgm:constr type="r" for="ch" forName="text_7" refType="ctrX" refFor="ch" refForName="accent_7"/>
-                <dgm:constr type="rOff" for="ch" forName="text_7" refType="ctrXOff" refFor="ch" refForName="accent_7"/>
-                <dgm:constr type="l" for="ch" forName="text_7"/>
-                <dgm:constr type="w" for="ch" forName="text_7" refType="h" refFor="ch" refForName="text_7" op="gte"/>
-                <dgm:constr type="h" for="ch" forName="text_7" refType="h" refFor="ch" refForName="accent_7" fact="0.8"/>
-                <dgm:constr type="ctrY" for="ch" forName="text_7" refType="ctrY" refFor="ch" refForName="accent_7"/>
-                <dgm:constr type="rMarg" for="ch" forName="text_7" refType="w" refFor="ch" refForName="accent_7" fact="1.8"/>
-                <dgm:constr type="primFontSz" for="ch" ptType="node" op="equ" val="65"/>
-              </dgm:constrLst>
-            </dgm:else>
-          </dgm:choose>
-        </dgm:else>
-      </dgm:choose>
-      <dgm:layoutNode name="cycle">
-        <dgm:choose name="Name21">
-          <dgm:if name="Name22" func="var" arg="dir" op="equ" val="norm">
-            <dgm:alg type="cycle">
-              <dgm:param type="stAng" val="45"/>
-              <dgm:param type="spanAng" val="90"/>
-            </dgm:alg>
-          </dgm:if>
-          <dgm:else name="Name23">
-            <dgm:alg type="cycle">
-              <dgm:param type="stAng" val="225"/>
-              <dgm:param type="spanAng" val="90"/>
-            </dgm:alg>
-          </dgm:else>
-        </dgm:choose>
+    <dgm:ruleLst/>
+    <dgm:forEach name="Name0" axis="ch" ptType="node">
+      <dgm:layoutNode name="composite">
+        <dgm:alg type="composite"/>
         <dgm:shape xmlns:r="http://schemas.openxmlformats.org/officeDocument/2006/relationships" r:blip="">
           <dgm:adjLst/>
         </dgm:shape>
         <dgm:presOf/>
-        <dgm:constrLst>
-          <dgm:constr type="w" for="ch" val="1"/>
-          <dgm:constr type="h" for="ch" val="1"/>
-          <dgm:constr type="diam" for="ch" forName="conn" refType="diam"/>
-        </dgm:constrLst>
-        <dgm:layoutNode name="srcNode">
+        <dgm:choose name="Name1">
+          <dgm:if name="Name2" func="var" arg="dir" op="equ" val="norm">
+            <dgm:constrLst>
+              <dgm:constr type="w" for="ch" forName="imgShp" refType="w" fact="0.335"/>
+              <dgm:constr type="h" for="ch" forName="imgShp" refType="w" refFor="ch" refForName="imgShp" op="equ"/>
+              <dgm:constr type="h" for="ch" forName="imgShp" refType="h" op="lte"/>
+              <dgm:constr type="ctrY" for="ch" forName="imgShp" refType="h" fact="0.5"/>
+              <dgm:constr type="l" for="ch" forName="imgShp"/>
+              <dgm:constr type="w" for="ch" forName="txShp" refType="w" op="equ" fact="0.665"/>
+              <dgm:constr type="h" for="ch" forName="txShp" refType="h" refFor="ch" refForName="imgShp" op="equ"/>
+              <dgm:constr type="ctrY" for="ch" forName="txShp" refType="h" fact="0.5"/>
+              <dgm:constr type="l" for="ch" forName="txShp" refType="w" refFor="ch" refForName="imgShp" fact="0.5"/>
+              <dgm:constr type="lMarg" for="ch" forName="txShp" refType="w" refFor="ch" refForName="imgShp" fact="1.25"/>
+            </dgm:constrLst>
+          </dgm:if>
+          <dgm:else name="Name3">
+            <dgm:constrLst>
+              <dgm:constr type="w" for="ch" forName="imgShp" refType="w" fact="0.335"/>
+              <dgm:constr type="h" for="ch" forName="imgShp" refType="w" refFor="ch" refForName="imgShp" op="equ"/>
+              <dgm:constr type="h" for="ch" forName="imgShp" refType="h" op="lte"/>
+              <dgm:constr type="ctrY" for="ch" forName="imgShp" refType="h" fact="0.5"/>
+              <dgm:constr type="r" for="ch" forName="imgShp" refType="w"/>
+              <dgm:constr type="w" for="ch" forName="txShp" refType="w" op="equ" fact="0.665"/>
+              <dgm:constr type="h" for="ch" forName="txShp" refType="h" refFor="ch" refForName="imgShp" op="equ"/>
+              <dgm:constr type="ctrY" for="ch" forName="txShp" refType="h" fact="0.5"/>
+              <dgm:constr type="r" for="ch" forName="txShp" refType="ctrX" refFor="ch" refForName="imgShp"/>
+              <dgm:constr type="rMarg" for="ch" forName="txShp" refType="w" refFor="ch" refForName="imgShp" fact="1.25"/>
+            </dgm:constrLst>
+          </dgm:else>
+        </dgm:choose>
+        <dgm:ruleLst/>
+        <dgm:layoutNode name="imgShp" styleLbl="fgImgPlace1">
           <dgm:alg type="sp"/>
-          <dgm:shape xmlns:r="http://schemas.openxmlformats.org/officeDocument/2006/relationships" type="rect" r:blip="" hideGeom="1">
+          <dgm:shape xmlns:r="http://schemas.openxmlformats.org/officeDocument/2006/relationships" type="ellipse" r:blip="" blipPhldr="1">
             <dgm:adjLst/>
           </dgm:shape>
           <dgm:presOf/>
+          <dgm:constrLst/>
+          <dgm:ruleLst/>
         </dgm:layoutNode>
-        <dgm:layoutNode name="conn" styleLbl="parChTrans1D2">
-          <dgm:alg type="conn">
-            <dgm:param type="connRout" val="curve"/>
-            <dgm:param type="srcNode" val="srcNode"/>
-            <dgm:param type="dstNode" val="dstNode"/>
-            <dgm:param type="begPts" val="ctr"/>
-            <dgm:param type="endPts" val="ctr"/>
-            <dgm:param type="endSty" val="noArr"/>
-          </dgm:alg>
-          <dgm:shape xmlns:r="http://schemas.openxmlformats.org/officeDocument/2006/relationships" type="conn" r:blip="">
-            <dgm:adjLst/>
-          </dgm:shape>
-          <dgm:presOf axis="desOrSelf" ptType="sibTrans" hideLastTrans="0" st="0" cnt="1"/>
-          <dgm:constrLst>
-            <dgm:constr type="begPad"/>
-            <dgm:constr type="endPad"/>
-          </dgm:constrLst>
-        </dgm:layoutNode>
-        <dgm:layoutNode name="extraNode">
-          <dgm:alg type="sp"/>
-          <dgm:shape xmlns:r="http://schemas.openxmlformats.org/officeDocument/2006/relationships" type="rect" r:blip="" hideGeom="1">
-            <dgm:adjLst/>
-          </dgm:shape>
-          <dgm:presOf/>
-        </dgm:layoutNode>
-        <dgm:layoutNode name="dstNode">
-          <dgm:alg type="sp"/>
-          <dgm:shape xmlns:r="http://schemas.openxmlformats.org/officeDocument/2006/relationships" type="rect" r:blip="" hideGeom="1">
-            <dgm:adjLst/>
-          </dgm:shape>
-          <dgm:presOf/>
-        </dgm:layoutNode>
-      </dgm:layoutNode>
-      <dgm:forEach name="wrapper" axis="self" ptType="parTrans">
-        <dgm:forEach name="wrapper2" axis="self" ptType="sibTrans" st="2">
-          <dgm:forEach name="accentRepeat" axis="self">
-            <dgm:layoutNode name="accentRepeatNode" styleLbl="solidFgAcc1">
-              <dgm:alg type="sp"/>
-              <dgm:shape xmlns:r="http://schemas.openxmlformats.org/officeDocument/2006/relationships" type="ellipse" r:blip="">
-                <dgm:adjLst/>
-              </dgm:shape>
-              <dgm:presOf/>
-            </dgm:layoutNode>
-          </dgm:forEach>
-        </dgm:forEach>
-      </dgm:forEach>
-      <dgm:forEach name="Name24" axis="ch" ptType="node" cnt="1">
-        <dgm:layoutNode name="text_1" styleLbl="node1">
+        <dgm:layoutNode name="txShp">
           <dgm:varLst>
             <dgm:bulletEnabled val="1"/>
           </dgm:varLst>
-          <dgm:choose name="Name25">
-            <dgm:if name="Name26" func="var" arg="dir" op="equ" val="norm">
-              <dgm:alg type="tx">
-                <dgm:param type="parTxLTRAlign" val="l"/>
-                <dgm:param type="shpTxLTRAlignCh" val="l"/>
-                <dgm:param type="parTxRTLAlign" val="l"/>
-                <dgm:param type="shpTxRTLAlignCh" val="l"/>
-              </dgm:alg>
+          <dgm:alg type="tx"/>
+          <dgm:choose name="Name4">
+            <dgm:if name="Name5" func="var" arg="dir" op="equ" val="norm">
+              <dgm:shape xmlns:r="http://schemas.openxmlformats.org/officeDocument/2006/relationships" rot="180" type="homePlate" r:blip="" zOrderOff="-1">
+                <dgm:adjLst/>
+              </dgm:shape>
             </dgm:if>
-            <dgm:else name="Name27">
-              <dgm:alg type="tx">
-                <dgm:param type="parTxLTRAlign" val="r"/>
-                <dgm:param type="shpTxLTRAlignCh" val="r"/>
-                <dgm:param type="parTxRTLAlign" val="r"/>
-                <dgm:param type="shpTxRTLAlignCh" val="r"/>
-              </dgm:alg>
+            <dgm:else name="Name6">
+              <dgm:shape xmlns:r="http://schemas.openxmlformats.org/officeDocument/2006/relationships" type="homePlate" r:blip="" zOrderOff="-1">
+                <dgm:adjLst/>
+              </dgm:shape>
             </dgm:else>
           </dgm:choose>
-          <dgm:shape xmlns:r="http://schemas.openxmlformats.org/officeDocument/2006/relationships" type="rect" r:blip="">
-            <dgm:adjLst/>
-          </dgm:shape>
           <dgm:presOf axis="desOrSelf" ptType="node"/>
           <dgm:constrLst>
-            <dgm:constr type="primFontSz" val="65"/>
-            <dgm:constr type="lMarg" refType="primFontSz" fact="0.2"/>
-            <dgm:constr type="rMarg" refType="primFontSz" fact="0.2"/>
-            <dgm:constr type="tMarg" refType="primFontSz" fact="0.2"/>
-            <dgm:constr type="bMarg" refType="primFontSz" fact="0.2"/>
+            <dgm:constr type="tMarg" refType="primFontSz" fact="0.3"/>
+            <dgm:constr type="bMarg" refType="primFontSz" fact="0.3"/>
           </dgm:constrLst>
           <dgm:ruleLst>
             <dgm:rule type="primFontSz" val="5" fact="NaN" max="NaN"/>
           </dgm:ruleLst>
         </dgm:layoutNode>
-        <dgm:layoutNode name="accent_1">
+      </dgm:layoutNode>
+      <dgm:forEach name="Name7" axis="followSib" ptType="sibTrans" cnt="1">
+        <dgm:layoutNode name="spacing">
           <dgm:alg type="sp"/>
           <dgm:shape xmlns:r="http://schemas.openxmlformats.org/officeDocument/2006/relationships" r:blip="">
             <dgm:adjLst/>
           </dgm:shape>
-          <dgm:presOf/>
+          <dgm:presOf axis="self"/>
           <dgm:constrLst/>
-          <dgm:forEach name="Name28" ref="accentRepeat"/>
+          <dgm:ruleLst/>
         </dgm:layoutNode>
       </dgm:forEach>
-      <dgm:forEach name="Name29" axis="ch" ptType="node" st="2" cnt="1">
-        <dgm:layoutNode name="text_2" styleLbl="node1">
-          <dgm:varLst>
-            <dgm:bulletEnabled val="1"/>
-          </dgm:varLst>
-          <dgm:choose name="Name30">
-            <dgm:if name="Name31" func="var" arg="dir" op="equ" val="norm">
-              <dgm:alg type="tx">
-                <dgm:param type="parTxLTRAlign" val="l"/>
-                <dgm:param type="shpTxLTRAlignCh" val="l"/>
-                <dgm:param type="parTxRTLAlign" val="l"/>
-                <dgm:param type="shpTxRTLAlignCh" val="l"/>
-              </dgm:alg>
-            </dgm:if>
-            <dgm:else name="Name32">
-              <dgm:alg type="tx">
-                <dgm:param type="parTxLTRAlign" val="r"/>
-                <dgm:param type="shpTxLTRAlignCh" val="r"/>
-                <dgm:param type="parTxRTLAlign" val="r"/>
-                <dgm:param type="shpTxRTLAlignCh" val="r"/>
-              </dgm:alg>
-            </dgm:else>
-          </dgm:choose>
-          <dgm:shape xmlns:r="http://schemas.openxmlformats.org/officeDocument/2006/relationships" type="rect" r:blip="">
-            <dgm:adjLst/>
-          </dgm:shape>
-          <dgm:presOf axis="desOrSelf" ptType="node"/>
-          <dgm:constrLst>
-            <dgm:constr type="primFontSz" val="65"/>
-            <dgm:constr type="lMarg" refType="primFontSz" fact="0.2"/>
-            <dgm:constr type="rMarg" refType="primFontSz" fact="0.2"/>
-            <dgm:constr type="tMarg" refType="primFontSz" fact="0.2"/>
-            <dgm:constr type="bMarg" refType="primFontSz" fact="0.2"/>
-          </dgm:constrLst>
-          <dgm:ruleLst>
-            <dgm:rule type="primFontSz" val="5" fact="NaN" max="NaN"/>
-          </dgm:ruleLst>
-        </dgm:layoutNode>
-        <dgm:layoutNode name="accent_2">
-          <dgm:alg type="sp"/>
-          <dgm:shape xmlns:r="http://schemas.openxmlformats.org/officeDocument/2006/relationships" r:blip="">
-            <dgm:adjLst/>
-          </dgm:shape>
-          <dgm:presOf/>
-          <dgm:constrLst/>
-          <dgm:forEach name="Name33" ref="accentRepeat"/>
-        </dgm:layoutNode>
-      </dgm:forEach>
-      <dgm:forEach name="Name34" axis="ch" ptType="node" st="3" cnt="1">
-        <dgm:layoutNode name="text_3" styleLbl="node1">
-          <dgm:varLst>
-            <dgm:bulletEnabled val="1"/>
-          </dgm:varLst>
-          <dgm:choose name="Name35">
-            <dgm:if name="Name36" func="var" arg="dir" op="equ" val="norm">
-              <dgm:alg type="tx">
-                <dgm:param type="parTxLTRAlign" val="l"/>
-                <dgm:param type="shpTxLTRAlignCh" val="l"/>
-                <dgm:param type="parTxRTLAlign" val="l"/>
-                <dgm:param type="shpTxRTLAlignCh" val="l"/>
-              </dgm:alg>
-            </dgm:if>
-            <dgm:else name="Name37">
-              <dgm:alg type="tx">
-                <dgm:param type="parTxLTRAlign" val="r"/>
-                <dgm:param type="shpTxLTRAlignCh" val="r"/>
-                <dgm:param type="parTxRTLAlign" val="r"/>
-                <dgm:param type="shpTxRTLAlignCh" val="r"/>
-              </dgm:alg>
-            </dgm:else>
-          </dgm:choose>
-          <dgm:shape xmlns:r="http://schemas.openxmlformats.org/officeDocument/2006/relationships" type="rect" r:blip="">
-            <dgm:adjLst/>
-          </dgm:shape>
-          <dgm:presOf axis="desOrSelf" ptType="node"/>
-          <dgm:constrLst>
-            <dgm:constr type="primFontSz" val="65"/>
-            <dgm:constr type="lMarg" refType="primFontSz" fact="0.2"/>
-            <dgm:constr type="rMarg" refType="primFontSz" fact="0.2"/>
-            <dgm:constr type="tMarg" refType="primFontSz" fact="0.2"/>
-            <dgm:constr type="bMarg" refType="primFontSz" fact="0.2"/>
-          </dgm:constrLst>
-          <dgm:ruleLst>
-            <dgm:rule type="primFontSz" val="5" fact="NaN" max="NaN"/>
-          </dgm:ruleLst>
-        </dgm:layoutNode>
-        <dgm:layoutNode name="accent_3">
-          <dgm:alg type="sp"/>
-          <dgm:shape xmlns:r="http://schemas.openxmlformats.org/officeDocument/2006/relationships" r:blip="">
-            <dgm:adjLst/>
-          </dgm:shape>
-          <dgm:presOf/>
-          <dgm:constrLst/>
-          <dgm:forEach name="Name38" ref="accentRepeat"/>
-        </dgm:layoutNode>
-      </dgm:forEach>
-      <dgm:forEach name="Name39" axis="ch" ptType="node" st="4" cnt="1">
-        <dgm:layoutNode name="text_4" styleLbl="node1">
-          <dgm:varLst>
-            <dgm:bulletEnabled val="1"/>
-          </dgm:varLst>
-          <dgm:choose name="Name40">
-            <dgm:if name="Name41" func="var" arg="dir" op="equ" val="norm">
-              <dgm:alg type="tx">
-                <dgm:param type="parTxLTRAlign" val="l"/>
-                <dgm:param type="shpTxLTRAlignCh" val="l"/>
-                <dgm:param type="parTxRTLAlign" val="l"/>
-                <dgm:param type="shpTxRTLAlignCh" val="l"/>
-              </dgm:alg>
-            </dgm:if>
-            <dgm:else name="Name42">
-              <dgm:alg type="tx">
-                <dgm:param type="parTxLTRAlign" val="r"/>
-                <dgm:param type="shpTxLTRAlignCh" val="r"/>
-                <dgm:param type="parTxRTLAlign" val="r"/>
-                <dgm:param type="shpTxRTLAlignCh" val="r"/>
-              </dgm:alg>
-            </dgm:else>
-          </dgm:choose>
-          <dgm:shape xmlns:r="http://schemas.openxmlformats.org/officeDocument/2006/relationships" type="rect" r:blip="">
-            <dgm:adjLst/>
-          </dgm:shape>
-          <dgm:presOf axis="desOrSelf" ptType="node"/>
-          <dgm:constrLst>
-            <dgm:constr type="primFontSz" val="65"/>
-            <dgm:constr type="lMarg" refType="primFontSz" fact="0.2"/>
-            <dgm:constr type="rMarg" refType="primFontSz" fact="0.2"/>
-            <dgm:constr type="tMarg" refType="primFontSz" fact="0.2"/>
-            <dgm:constr type="bMarg" refType="primFontSz" fact="0.2"/>
-          </dgm:constrLst>
-          <dgm:ruleLst>
-            <dgm:rule type="primFontSz" val="5" fact="NaN" max="NaN"/>
-          </dgm:ruleLst>
-        </dgm:layoutNode>
-        <dgm:layoutNode name="accent_4">
-          <dgm:alg type="sp"/>
-          <dgm:shape xmlns:r="http://schemas.openxmlformats.org/officeDocument/2006/relationships" r:blip="">
-            <dgm:adjLst/>
-          </dgm:shape>
-          <dgm:presOf/>
-          <dgm:constrLst/>
-          <dgm:forEach name="Name43" ref="accentRepeat"/>
-        </dgm:layoutNode>
-      </dgm:forEach>
-      <dgm:forEach name="Name44" axis="ch" ptType="node" st="5" cnt="1">
-        <dgm:layoutNode name="text_5" styleLbl="node1">
-          <dgm:varLst>
-            <dgm:bulletEnabled val="1"/>
-          </dgm:varLst>
-          <dgm:choose name="Name45">
-            <dgm:if name="Name46" func="var" arg="dir" op="equ" val="norm">
-              <dgm:alg type="tx">
-                <dgm:param type="parTxLTRAlign" val="l"/>
-                <dgm:param type="shpTxLTRAlignCh" val="l"/>
-                <dgm:param type="parTxRTLAlign" val="l"/>
-                <dgm:param type="shpTxRTLAlignCh" val="l"/>
-              </dgm:alg>
-            </dgm:if>
-            <dgm:else name="Name47">
-              <dgm:alg type="tx">
-                <dgm:param type="parTxLTRAlign" val="r"/>
-                <dgm:param type="shpTxLTRAlignCh" val="r"/>
-                <dgm:param type="parTxRTLAlign" val="r"/>
-                <dgm:param type="shpTxRTLAlignCh" val="r"/>
-              </dgm:alg>
-            </dgm:else>
-          </dgm:choose>
-          <dgm:shape xmlns:r="http://schemas.openxmlformats.org/officeDocument/2006/relationships" type="rect" r:blip="">
-            <dgm:adjLst/>
-          </dgm:shape>
-          <dgm:presOf axis="desOrSelf" ptType="node"/>
-          <dgm:constrLst>
-            <dgm:constr type="primFontSz" val="65"/>
-            <dgm:constr type="lMarg" refType="primFontSz" fact="0.2"/>
-            <dgm:constr type="rMarg" refType="primFontSz" fact="0.2"/>
-            <dgm:constr type="tMarg" refType="primFontSz" fact="0.2"/>
-            <dgm:constr type="bMarg" refType="primFontSz" fact="0.2"/>
-          </dgm:constrLst>
-          <dgm:ruleLst>
-            <dgm:rule type="primFontSz" val="5" fact="NaN" max="NaN"/>
-          </dgm:ruleLst>
-        </dgm:layoutNode>
-        <dgm:layoutNode name="accent_5">
-          <dgm:alg type="sp"/>
-          <dgm:shape xmlns:r="http://schemas.openxmlformats.org/officeDocument/2006/relationships" r:blip="">
-            <dgm:adjLst/>
-          </dgm:shape>
-          <dgm:presOf/>
-          <dgm:constrLst/>
-          <dgm:forEach name="Name48" ref="accentRepeat"/>
-        </dgm:layoutNode>
-      </dgm:forEach>
-      <dgm:forEach name="Name49" axis="ch" ptType="node" st="6" cnt="1">
-        <dgm:layoutNode name="text_6" styleLbl="node1">
-          <dgm:varLst>
-            <dgm:bulletEnabled val="1"/>
-          </dgm:varLst>
-          <dgm:choose name="Name50">
-            <dgm:if name="Name51" func="var" arg="dir" op="equ" val="norm">
-              <dgm:alg type="tx">
-                <dgm:param type="parTxLTRAlign" val="l"/>
-                <dgm:param type="shpTxLTRAlignCh" val="l"/>
-                <dgm:param type="parTxRTLAlign" val="l"/>
-                <dgm:param type="shpTxRTLAlignCh" val="l"/>
-              </dgm:alg>
-            </dgm:if>
-            <dgm:else name="Name52">
-              <dgm:alg type="tx">
-                <dgm:param type="parTxLTRAlign" val="r"/>
-                <dgm:param type="shpTxLTRAlignCh" val="r"/>
-                <dgm:param type="parTxRTLAlign" val="r"/>
-                <dgm:param type="shpTxRTLAlignCh" val="r"/>
-              </dgm:alg>
-            </dgm:else>
-          </dgm:choose>
-          <dgm:shape xmlns:r="http://schemas.openxmlformats.org/officeDocument/2006/relationships" type="rect" r:blip="">
-            <dgm:adjLst/>
-          </dgm:shape>
-          <dgm:presOf axis="desOrSelf" ptType="node"/>
-          <dgm:constrLst>
-            <dgm:constr type="primFontSz" val="65"/>
-            <dgm:constr type="lMarg" refType="primFontSz" fact="0.2"/>
-            <dgm:constr type="rMarg" refType="primFontSz" fact="0.2"/>
-            <dgm:constr type="tMarg" refType="primFontSz" fact="0.2"/>
-            <dgm:constr type="bMarg" refType="primFontSz" fact="0.2"/>
-          </dgm:constrLst>
-          <dgm:ruleLst>
-            <dgm:rule type="primFontSz" val="5" fact="NaN" max="NaN"/>
-          </dgm:ruleLst>
-        </dgm:layoutNode>
-        <dgm:layoutNode name="accent_6">
-          <dgm:alg type="sp"/>
-          <dgm:shape xmlns:r="http://schemas.openxmlformats.org/officeDocument/2006/relationships" r:blip="">
-            <dgm:adjLst/>
-          </dgm:shape>
-          <dgm:presOf/>
-          <dgm:constrLst/>
-          <dgm:forEach name="Name53" ref="accentRepeat"/>
-        </dgm:layoutNode>
-      </dgm:forEach>
-      <dgm:forEach name="Name54" axis="ch" ptType="node" st="7" cnt="1">
-        <dgm:layoutNode name="text_7" styleLbl="node1">
-          <dgm:varLst>
-            <dgm:bulletEnabled val="1"/>
-          </dgm:varLst>
-          <dgm:choose name="Name55">
-            <dgm:if name="Name56" func="var" arg="dir" op="equ" val="norm">
-              <dgm:alg type="tx">
-                <dgm:param type="parTxLTRAlign" val="l"/>
-                <dgm:param type="shpTxLTRAlignCh" val="l"/>
-                <dgm:param type="parTxRTLAlign" val="l"/>
-                <dgm:param type="shpTxRTLAlignCh" val="l"/>
-              </dgm:alg>
-            </dgm:if>
-            <dgm:else name="Name57">
-              <dgm:alg type="tx">
-                <dgm:param type="parTxLTRAlign" val="r"/>
-                <dgm:param type="shpTxLTRAlignCh" val="r"/>
-                <dgm:param type="parTxRTLAlign" val="r"/>
-                <dgm:param type="shpTxRTLAlignCh" val="r"/>
-              </dgm:alg>
-            </dgm:else>
-          </dgm:choose>
-          <dgm:shape xmlns:r="http://schemas.openxmlformats.org/officeDocument/2006/relationships" type="rect" r:blip="">
-            <dgm:adjLst/>
-          </dgm:shape>
-          <dgm:presOf axis="desOrSelf" ptType="node"/>
-          <dgm:constrLst>
-            <dgm:constr type="primFontSz" val="65"/>
-            <dgm:constr type="lMarg" refType="primFontSz" fact="0.2"/>
-            <dgm:constr type="rMarg" refType="primFontSz" fact="0.2"/>
-            <dgm:constr type="tMarg" refType="primFontSz" fact="0.2"/>
-            <dgm:constr type="bMarg" refType="primFontSz" fact="0.2"/>
-          </dgm:constrLst>
-          <dgm:ruleLst>
-            <dgm:rule type="primFontSz" val="5" fact="NaN" max="NaN"/>
-          </dgm:ruleLst>
-        </dgm:layoutNode>
-        <dgm:layoutNode name="accent_7">
-          <dgm:alg type="sp"/>
-          <dgm:shape xmlns:r="http://schemas.openxmlformats.org/officeDocument/2006/relationships" r:blip="">
-            <dgm:adjLst/>
-          </dgm:shape>
-          <dgm:presOf/>
-          <dgm:constrLst/>
-          <dgm:forEach name="Name58" ref="accentRepeat"/>
-        </dgm:layoutNode>
-      </dgm:forEach>
-    </dgm:layoutNode>
+    </dgm:forEach>
   </dgm:layoutNode>
 </dgm:layoutDef>
 </file>
@@ -11987,8 +10981,8 @@
         </p:blipFill>
         <p:spPr bwMode="auto">
           <a:xfrm>
-            <a:off x="7967498" y="682220"/>
-            <a:ext cx="2657960" cy="5756681"/>
+            <a:off x="7644055" y="369000"/>
+            <a:ext cx="2825710" cy="6120000"/>
           </a:xfrm>
           <a:prstGeom prst="rect">
             <a:avLst/>
@@ -12012,7 +11006,7 @@
           <p:nvPr>
             <p:extLst>
               <p:ext uri="{D42A27DB-BD31-4B8C-83A1-F6EECF244321}">
-                <p14:modId xmlns:p14="http://schemas.microsoft.com/office/powerpoint/2010/main" val="3713652179"/>
+                <p14:modId xmlns:p14="http://schemas.microsoft.com/office/powerpoint/2010/main" val="229451391"/>
               </p:ext>
             </p:extLst>
           </p:nvPr>
@@ -12114,8 +11108,8 @@
         </p:blipFill>
         <p:spPr bwMode="auto">
           <a:xfrm>
-            <a:off x="1021976" y="1580164"/>
-            <a:ext cx="2250044" cy="4868261"/>
+            <a:off x="1956696" y="1946909"/>
+            <a:ext cx="2246226" cy="4860000"/>
           </a:xfrm>
           <a:prstGeom prst="rect">
             <a:avLst/>
@@ -12155,8 +11149,8 @@
         </p:blipFill>
         <p:spPr bwMode="auto">
           <a:xfrm>
-            <a:off x="3464541" y="1580163"/>
-            <a:ext cx="2250044" cy="4868261"/>
+            <a:off x="5231235" y="1946909"/>
+            <a:ext cx="2246226" cy="4860000"/>
           </a:xfrm>
           <a:prstGeom prst="rect">
             <a:avLst/>
@@ -12196,8 +11190,8 @@
         </p:blipFill>
         <p:spPr bwMode="auto">
           <a:xfrm>
-            <a:off x="5907106" y="1580163"/>
-            <a:ext cx="2250044" cy="4868261"/>
+            <a:off x="8505774" y="1946909"/>
+            <a:ext cx="2246226" cy="4860000"/>
           </a:xfrm>
           <a:prstGeom prst="rect">
             <a:avLst/>
@@ -12208,404 +11202,95 @@
           </a:ln>
         </p:spPr>
       </p:pic>
-      <p:grpSp>
-        <p:nvGrpSpPr>
-          <p:cNvPr id="8" name="群組 7">
+      <p:sp>
+        <p:nvSpPr>
+          <p:cNvPr id="4" name="箭號: 五邊形 3">
             <a:extLst>
               <a:ext uri="{FF2B5EF4-FFF2-40B4-BE49-F238E27FC236}">
-                <a16:creationId xmlns:a16="http://schemas.microsoft.com/office/drawing/2014/main" id="{57590E66-9059-60FA-A0E4-0F23C35D2870}"/>
+                <a16:creationId xmlns:a16="http://schemas.microsoft.com/office/drawing/2014/main" id="{28A8FBB7-851F-6494-F14A-034C1082515A}"/>
               </a:ext>
             </a:extLst>
           </p:cNvPr>
-          <p:cNvGrpSpPr/>
+          <p:cNvSpPr/>
           <p:nvPr/>
-        </p:nvGrpSpPr>
-        <p:grpSpPr>
-          <a:xfrm>
-            <a:off x="7612872" y="5502698"/>
-            <a:ext cx="4579128" cy="793326"/>
-            <a:chOff x="551659" y="396663"/>
-            <a:chExt cx="4579128" cy="793326"/>
+        </p:nvSpPr>
+        <p:spPr>
+          <a:xfrm flipH="1">
+            <a:off x="9312000" y="685800"/>
+            <a:ext cx="2880000" cy="793326"/>
           </a:xfrm>
-        </p:grpSpPr>
-        <p:sp>
-          <p:nvSpPr>
-            <p:cNvPr id="9" name="矩形 8">
-              <a:extLst>
-                <a:ext uri="{FF2B5EF4-FFF2-40B4-BE49-F238E27FC236}">
-                  <a16:creationId xmlns:a16="http://schemas.microsoft.com/office/drawing/2014/main" id="{DA2234E7-F1D1-A258-B6E7-0EA0D343EFFA}"/>
-                </a:ext>
-              </a:extLst>
-            </p:cNvPr>
-            <p:cNvSpPr/>
-            <p:nvPr/>
-          </p:nvSpPr>
-          <p:spPr>
-            <a:xfrm>
-              <a:off x="551659" y="396663"/>
-              <a:ext cx="4579128" cy="793326"/>
-            </a:xfrm>
-            <a:prstGeom prst="rect">
-              <a:avLst/>
-            </a:prstGeom>
-          </p:spPr>
-          <p:style>
-            <a:lnRef idx="2">
-              <a:schemeClr val="lt1">
-                <a:hueOff val="0"/>
-                <a:satOff val="0"/>
-                <a:lumOff val="0"/>
-                <a:alphaOff val="0"/>
-              </a:schemeClr>
-            </a:lnRef>
-            <a:fillRef idx="1">
-              <a:schemeClr val="accent1">
-                <a:hueOff val="0"/>
-                <a:satOff val="0"/>
-                <a:lumOff val="0"/>
-                <a:alphaOff val="0"/>
-              </a:schemeClr>
-            </a:fillRef>
-            <a:effectRef idx="0">
-              <a:schemeClr val="accent1">
-                <a:hueOff val="0"/>
-                <a:satOff val="0"/>
-                <a:lumOff val="0"/>
-                <a:alphaOff val="0"/>
-              </a:schemeClr>
-            </a:effectRef>
-            <a:fontRef idx="minor">
-              <a:schemeClr val="lt1"/>
-            </a:fontRef>
-          </p:style>
-          <p:txBody>
-            <a:bodyPr/>
-            <a:lstStyle/>
-            <a:p>
-              <a:endParaRPr lang="zh-TW" altLang="en-US"/>
-            </a:p>
-          </p:txBody>
-        </p:sp>
-        <p:sp>
-          <p:nvSpPr>
-            <p:cNvPr id="10" name="文字方塊 9">
-              <a:extLst>
-                <a:ext uri="{FF2B5EF4-FFF2-40B4-BE49-F238E27FC236}">
-                  <a16:creationId xmlns:a16="http://schemas.microsoft.com/office/drawing/2014/main" id="{D0B010D7-37F1-A7F9-5C6F-B3F7CA9CD698}"/>
-                </a:ext>
-              </a:extLst>
-            </p:cNvPr>
-            <p:cNvSpPr txBox="1"/>
-            <p:nvPr/>
-          </p:nvSpPr>
-          <p:spPr>
-            <a:xfrm>
-              <a:off x="551659" y="396663"/>
-              <a:ext cx="4579128" cy="793326"/>
-            </a:xfrm>
-            <a:prstGeom prst="rect">
-              <a:avLst/>
-            </a:prstGeom>
-          </p:spPr>
-          <p:style>
-            <a:lnRef idx="0">
-              <a:scrgbClr r="0" g="0" b="0"/>
-            </a:lnRef>
-            <a:fillRef idx="0">
-              <a:scrgbClr r="0" g="0" b="0"/>
-            </a:fillRef>
-            <a:effectRef idx="0">
-              <a:scrgbClr r="0" g="0" b="0"/>
-            </a:effectRef>
-            <a:fontRef idx="minor">
-              <a:schemeClr val="lt1"/>
-            </a:fontRef>
-          </p:style>
-          <p:txBody>
-            <a:bodyPr spcFirstLastPara="0" vert="horz" wrap="square" lIns="629703" tIns="78740" rIns="78740" bIns="78740" numCol="1" spcCol="1270" anchor="ctr" anchorCtr="0">
-              <a:noAutofit/>
-            </a:bodyPr>
-            <a:lstStyle/>
-            <a:p>
-              <a:pPr marL="0" lvl="0" indent="0" algn="l" defTabSz="1377950">
-                <a:lnSpc>
-                  <a:spcPct val="90000"/>
-                </a:lnSpc>
-                <a:spcBef>
-                  <a:spcPct val="0"/>
-                </a:spcBef>
-                <a:spcAft>
-                  <a:spcPct val="35000"/>
-                </a:spcAft>
-                <a:buNone/>
-              </a:pPr>
-              <a:r>
-                <a:rPr lang="zh-TW" altLang="en-US" sz="3100" kern="1200"/>
-                <a:t>預約看診</a:t>
-              </a:r>
-            </a:p>
-          </p:txBody>
-        </p:sp>
-      </p:grpSp>
+          <a:prstGeom prst="homePlate">
+            <a:avLst/>
+          </a:prstGeom>
+          <a:ln>
+            <a:solidFill>
+              <a:schemeClr val="bg1"/>
+            </a:solidFill>
+          </a:ln>
+        </p:spPr>
+        <p:style>
+          <a:lnRef idx="2">
+            <a:schemeClr val="accent1">
+              <a:shade val="15000"/>
+            </a:schemeClr>
+          </a:lnRef>
+          <a:fillRef idx="1">
+            <a:schemeClr val="accent1"/>
+          </a:fillRef>
+          <a:effectRef idx="0">
+            <a:schemeClr val="accent1"/>
+          </a:effectRef>
+          <a:fontRef idx="minor">
+            <a:schemeClr val="lt1"/>
+          </a:fontRef>
+        </p:style>
+        <p:txBody>
+          <a:bodyPr rtlCol="0" anchor="ctr"/>
+          <a:lstStyle/>
+          <a:p>
+            <a:pPr lvl="0" indent="0" algn="ctr" defTabSz="1377950">
+              <a:spcBef>
+                <a:spcPct val="0"/>
+              </a:spcBef>
+              <a:buNone/>
+            </a:pPr>
+            <a:r>
+              <a:rPr lang="zh-TW" altLang="en-US" sz="3000" kern="1200" dirty="0"/>
+              <a:t>預約看診</a:t>
+            </a:r>
+          </a:p>
+        </p:txBody>
+      </p:sp>
       <p:sp>
         <p:nvSpPr>
-          <p:cNvPr id="11" name="內容版面配置區 2">
+          <p:cNvPr id="5" name="內容版面配置區 2">
             <a:extLst>
               <a:ext uri="{FF2B5EF4-FFF2-40B4-BE49-F238E27FC236}">
-                <a16:creationId xmlns:a16="http://schemas.microsoft.com/office/drawing/2014/main" id="{2EFC74D3-1676-686C-9E1C-805B9F5A065E}"/>
+                <a16:creationId xmlns:a16="http://schemas.microsoft.com/office/drawing/2014/main" id="{4DE61E9F-767C-35C4-7568-0F268C033C82}"/>
               </a:ext>
             </a:extLst>
           </p:cNvPr>
-          <p:cNvSpPr txBox="1">
-            <a:spLocks/>
+          <p:cNvSpPr>
+            <a:spLocks noGrp="1"/>
           </p:cNvSpPr>
-          <p:nvPr/>
+          <p:nvPr>
+            <p:ph idx="1"/>
+          </p:nvPr>
         </p:nvSpPr>
         <p:spPr>
           <a:xfrm>
-            <a:off x="7827871" y="2387973"/>
-            <a:ext cx="4467223" cy="4124324"/>
+            <a:off x="1371600" y="1428750"/>
+            <a:ext cx="9601200" cy="3581400"/>
           </a:xfrm>
-          <a:prstGeom prst="rect">
-            <a:avLst/>
-          </a:prstGeom>
         </p:spPr>
         <p:txBody>
-          <a:bodyPr vert="horz" lIns="91440" tIns="45720" rIns="91440" bIns="45720" rtlCol="0">
-            <a:normAutofit/>
-          </a:bodyPr>
-          <a:lstStyle>
-            <a:lvl1pPr marL="384048" indent="-384048" algn="l" defTabSz="914400" rtl="0" eaLnBrk="1" latinLnBrk="0" hangingPunct="1">
-              <a:lnSpc>
-                <a:spcPct val="94000"/>
-              </a:lnSpc>
-              <a:spcBef>
-                <a:spcPts val="1000"/>
-              </a:spcBef>
-              <a:spcAft>
-                <a:spcPts val="200"/>
-              </a:spcAft>
-              <a:buFont typeface="Franklin Gothic Book" panose="020B0503020102020204" pitchFamily="34" charset="0"/>
-              <a:buChar char="■"/>
-              <a:defRPr sz="2000" kern="1200" baseline="0">
-                <a:solidFill>
-                  <a:schemeClr val="tx2"/>
-                </a:solidFill>
-                <a:latin typeface="+mn-lt"/>
-                <a:ea typeface="+mn-ea"/>
-                <a:cs typeface="+mn-cs"/>
-              </a:defRPr>
-            </a:lvl1pPr>
-            <a:lvl2pPr marL="914400" indent="-384048" algn="l" defTabSz="914400" rtl="0" eaLnBrk="1" latinLnBrk="0" hangingPunct="1">
-              <a:lnSpc>
-                <a:spcPct val="94000"/>
-              </a:lnSpc>
-              <a:spcBef>
-                <a:spcPts val="500"/>
-              </a:spcBef>
-              <a:spcAft>
-                <a:spcPts val="200"/>
-              </a:spcAft>
-              <a:buFont typeface="Franklin Gothic Book" panose="020B0503020102020204" pitchFamily="34" charset="0"/>
-              <a:buChar char="–"/>
-              <a:defRPr sz="2000" i="1" kern="1200" baseline="0">
-                <a:solidFill>
-                  <a:schemeClr val="tx2"/>
-                </a:solidFill>
-                <a:latin typeface="+mn-lt"/>
-                <a:ea typeface="+mn-ea"/>
-                <a:cs typeface="+mn-cs"/>
-              </a:defRPr>
-            </a:lvl2pPr>
-            <a:lvl3pPr marL="1371600" indent="-384048" algn="l" defTabSz="914400" rtl="0" eaLnBrk="1" latinLnBrk="0" hangingPunct="1">
-              <a:lnSpc>
-                <a:spcPct val="94000"/>
-              </a:lnSpc>
-              <a:spcBef>
-                <a:spcPts val="500"/>
-              </a:spcBef>
-              <a:spcAft>
-                <a:spcPts val="200"/>
-              </a:spcAft>
-              <a:buFont typeface="Franklin Gothic Book" panose="020B0503020102020204" pitchFamily="34" charset="0"/>
-              <a:buChar char="■"/>
-              <a:defRPr sz="1800" kern="1200" baseline="0">
-                <a:solidFill>
-                  <a:schemeClr val="tx2"/>
-                </a:solidFill>
-                <a:latin typeface="+mn-lt"/>
-                <a:ea typeface="+mn-ea"/>
-                <a:cs typeface="+mn-cs"/>
-              </a:defRPr>
-            </a:lvl3pPr>
-            <a:lvl4pPr marL="1828800" indent="-384048" algn="l" defTabSz="914400" rtl="0" eaLnBrk="1" latinLnBrk="0" hangingPunct="1">
-              <a:lnSpc>
-                <a:spcPct val="94000"/>
-              </a:lnSpc>
-              <a:spcBef>
-                <a:spcPts val="500"/>
-              </a:spcBef>
-              <a:spcAft>
-                <a:spcPts val="200"/>
-              </a:spcAft>
-              <a:buFont typeface="Franklin Gothic Book" panose="020B0503020102020204" pitchFamily="34" charset="0"/>
-              <a:buChar char="–"/>
-              <a:defRPr sz="1800" i="1" kern="1200" baseline="0">
-                <a:solidFill>
-                  <a:schemeClr val="tx2"/>
-                </a:solidFill>
-                <a:latin typeface="+mn-lt"/>
-                <a:ea typeface="+mn-ea"/>
-                <a:cs typeface="+mn-cs"/>
-              </a:defRPr>
-            </a:lvl4pPr>
-            <a:lvl5pPr marL="2286000" indent="-384048" algn="l" defTabSz="914400" rtl="0" eaLnBrk="1" latinLnBrk="0" hangingPunct="1">
-              <a:lnSpc>
-                <a:spcPct val="94000"/>
-              </a:lnSpc>
-              <a:spcBef>
-                <a:spcPts val="500"/>
-              </a:spcBef>
-              <a:spcAft>
-                <a:spcPts val="200"/>
-              </a:spcAft>
-              <a:buFont typeface="Franklin Gothic Book" panose="020B0503020102020204" pitchFamily="34" charset="0"/>
-              <a:buChar char="■"/>
-              <a:defRPr sz="1600" kern="1200" baseline="0">
-                <a:solidFill>
-                  <a:schemeClr val="tx2"/>
-                </a:solidFill>
-                <a:latin typeface="+mn-lt"/>
-                <a:ea typeface="+mn-ea"/>
-                <a:cs typeface="+mn-cs"/>
-              </a:defRPr>
-            </a:lvl5pPr>
-            <a:lvl6pPr marL="2743200" indent="-384048" algn="l" defTabSz="914400" rtl="0" eaLnBrk="1" latinLnBrk="0" hangingPunct="1">
-              <a:lnSpc>
-                <a:spcPct val="94000"/>
-              </a:lnSpc>
-              <a:spcBef>
-                <a:spcPts val="500"/>
-              </a:spcBef>
-              <a:spcAft>
-                <a:spcPts val="200"/>
-              </a:spcAft>
-              <a:buFont typeface="Franklin Gothic Book" panose="020B0503020102020204" pitchFamily="34" charset="0"/>
-              <a:buChar char="–"/>
-              <a:defRPr sz="1600" i="1" kern="1200" baseline="0">
-                <a:solidFill>
-                  <a:schemeClr val="tx2"/>
-                </a:solidFill>
-                <a:latin typeface="+mn-lt"/>
-                <a:ea typeface="+mn-ea"/>
-                <a:cs typeface="+mn-cs"/>
-              </a:defRPr>
-            </a:lvl6pPr>
-            <a:lvl7pPr marL="3200400" indent="-384048" algn="l" defTabSz="914400" rtl="0" eaLnBrk="1" latinLnBrk="0" hangingPunct="1">
-              <a:lnSpc>
-                <a:spcPct val="94000"/>
-              </a:lnSpc>
-              <a:spcBef>
-                <a:spcPts val="500"/>
-              </a:spcBef>
-              <a:spcAft>
-                <a:spcPts val="200"/>
-              </a:spcAft>
-              <a:buFont typeface="Franklin Gothic Book" panose="020B0503020102020204" pitchFamily="34" charset="0"/>
-              <a:buChar char="■"/>
-              <a:defRPr sz="1400" kern="1200" baseline="0">
-                <a:solidFill>
-                  <a:schemeClr val="tx2"/>
-                </a:solidFill>
-                <a:latin typeface="+mn-lt"/>
-                <a:ea typeface="+mn-ea"/>
-                <a:cs typeface="+mn-cs"/>
-              </a:defRPr>
-            </a:lvl7pPr>
-            <a:lvl8pPr marL="3657600" indent="-384048" algn="l" defTabSz="914400" rtl="0" eaLnBrk="1" latinLnBrk="0" hangingPunct="1">
-              <a:lnSpc>
-                <a:spcPct val="94000"/>
-              </a:lnSpc>
-              <a:spcBef>
-                <a:spcPts val="500"/>
-              </a:spcBef>
-              <a:spcAft>
-                <a:spcPts val="200"/>
-              </a:spcAft>
-              <a:buFont typeface="Franklin Gothic Book" panose="020B0503020102020204" pitchFamily="34" charset="0"/>
-              <a:buChar char="–"/>
-              <a:defRPr sz="1400" i="1" kern="1200" baseline="0">
-                <a:solidFill>
-                  <a:schemeClr val="tx2"/>
-                </a:solidFill>
-                <a:latin typeface="+mn-lt"/>
-                <a:ea typeface="+mn-ea"/>
-                <a:cs typeface="+mn-cs"/>
-              </a:defRPr>
-            </a:lvl8pPr>
-            <a:lvl9pPr marL="4114800" indent="-384048" algn="l" defTabSz="914400" rtl="0" eaLnBrk="1" latinLnBrk="0" hangingPunct="1">
-              <a:lnSpc>
-                <a:spcPct val="94000"/>
-              </a:lnSpc>
-              <a:spcBef>
-                <a:spcPts val="500"/>
-              </a:spcBef>
-              <a:spcAft>
-                <a:spcPts val="200"/>
-              </a:spcAft>
-              <a:buFont typeface="Franklin Gothic Book" panose="020B0503020102020204" pitchFamily="34" charset="0"/>
-              <a:buChar char="■"/>
-              <a:defRPr sz="1400" kern="1200" baseline="0">
-                <a:solidFill>
-                  <a:schemeClr val="tx2"/>
-                </a:solidFill>
-                <a:latin typeface="+mn-lt"/>
-                <a:ea typeface="+mn-ea"/>
-                <a:cs typeface="+mn-cs"/>
-              </a:defRPr>
-            </a:lvl9pPr>
-          </a:lstStyle>
-          <a:p>
-            <a:pPr marL="0" indent="0">
-              <a:buNone/>
-            </a:pPr>
-            <a:endParaRPr lang="en-US" altLang="zh-TW" dirty="0">
-              <a:latin typeface="微軟正黑體 (本文)"/>
-            </a:endParaRPr>
-          </a:p>
-          <a:p>
-            <a:pPr marL="530352" lvl="1" indent="0">
-              <a:lnSpc>
-                <a:spcPct val="150000"/>
-              </a:lnSpc>
-              <a:buNone/>
-            </a:pPr>
-            <a:r>
-              <a:rPr lang="zh-TW" altLang="en-US" i="0">
-                <a:latin typeface="微軟正黑體 (本文)"/>
-              </a:rPr>
-              <a:t>透過平台選擇診間進行預約，</a:t>
-            </a:r>
-            <a:endParaRPr lang="en-US" altLang="zh-TW" i="0">
-              <a:latin typeface="微軟正黑體 (本文)"/>
-            </a:endParaRPr>
-          </a:p>
-          <a:p>
-            <a:pPr marL="530352" lvl="1" indent="0">
-              <a:lnSpc>
-                <a:spcPct val="150000"/>
-              </a:lnSpc>
-              <a:buNone/>
-            </a:pPr>
-            <a:r>
-              <a:rPr lang="zh-TW" altLang="en-US" i="0">
-                <a:latin typeface="微軟正黑體 (本文)"/>
-              </a:rPr>
-              <a:t>即可於最近預約查看預約詳情。</a:t>
-            </a:r>
-            <a:endParaRPr lang="en-US" altLang="zh-TW" i="0" dirty="0">
-              <a:latin typeface="微軟正黑體 (本文)"/>
-            </a:endParaRPr>
+          <a:bodyPr/>
+          <a:lstStyle/>
+          <a:p>
+            <a:r>
+              <a:rPr lang="zh-TW" altLang="en-US" dirty="0"/>
+              <a:t>透過平台選擇診間進行預約，即可於最近預約查看預約詳情。</a:t>
+            </a:r>
           </a:p>
         </p:txBody>
       </p:sp>
@@ -12667,145 +11352,6 @@
           </a:p>
         </p:txBody>
       </p:sp>
-      <p:grpSp>
-        <p:nvGrpSpPr>
-          <p:cNvPr id="8" name="群組 7">
-            <a:extLst>
-              <a:ext uri="{FF2B5EF4-FFF2-40B4-BE49-F238E27FC236}">
-                <a16:creationId xmlns:a16="http://schemas.microsoft.com/office/drawing/2014/main" id="{57590E66-9059-60FA-A0E4-0F23C35D2870}"/>
-              </a:ext>
-            </a:extLst>
-          </p:cNvPr>
-          <p:cNvGrpSpPr/>
-          <p:nvPr/>
-        </p:nvGrpSpPr>
-        <p:grpSpPr>
-          <a:xfrm>
-            <a:off x="7612872" y="5502698"/>
-            <a:ext cx="4579128" cy="793326"/>
-            <a:chOff x="551659" y="396663"/>
-            <a:chExt cx="4579128" cy="793326"/>
-          </a:xfrm>
-        </p:grpSpPr>
-        <p:sp>
-          <p:nvSpPr>
-            <p:cNvPr id="9" name="矩形 8">
-              <a:extLst>
-                <a:ext uri="{FF2B5EF4-FFF2-40B4-BE49-F238E27FC236}">
-                  <a16:creationId xmlns:a16="http://schemas.microsoft.com/office/drawing/2014/main" id="{DA2234E7-F1D1-A258-B6E7-0EA0D343EFFA}"/>
-                </a:ext>
-              </a:extLst>
-            </p:cNvPr>
-            <p:cNvSpPr/>
-            <p:nvPr/>
-          </p:nvSpPr>
-          <p:spPr>
-            <a:xfrm>
-              <a:off x="551659" y="396663"/>
-              <a:ext cx="4579128" cy="793326"/>
-            </a:xfrm>
-            <a:prstGeom prst="rect">
-              <a:avLst/>
-            </a:prstGeom>
-          </p:spPr>
-          <p:style>
-            <a:lnRef idx="2">
-              <a:schemeClr val="lt1">
-                <a:hueOff val="0"/>
-                <a:satOff val="0"/>
-                <a:lumOff val="0"/>
-                <a:alphaOff val="0"/>
-              </a:schemeClr>
-            </a:lnRef>
-            <a:fillRef idx="1">
-              <a:schemeClr val="accent1">
-                <a:hueOff val="0"/>
-                <a:satOff val="0"/>
-                <a:lumOff val="0"/>
-                <a:alphaOff val="0"/>
-              </a:schemeClr>
-            </a:fillRef>
-            <a:effectRef idx="0">
-              <a:schemeClr val="accent1">
-                <a:hueOff val="0"/>
-                <a:satOff val="0"/>
-                <a:lumOff val="0"/>
-                <a:alphaOff val="0"/>
-              </a:schemeClr>
-            </a:effectRef>
-            <a:fontRef idx="minor">
-              <a:schemeClr val="lt1"/>
-            </a:fontRef>
-          </p:style>
-          <p:txBody>
-            <a:bodyPr/>
-            <a:lstStyle/>
-            <a:p>
-              <a:endParaRPr lang="zh-TW" altLang="en-US"/>
-            </a:p>
-          </p:txBody>
-        </p:sp>
-        <p:sp>
-          <p:nvSpPr>
-            <p:cNvPr id="10" name="文字方塊 9">
-              <a:extLst>
-                <a:ext uri="{FF2B5EF4-FFF2-40B4-BE49-F238E27FC236}">
-                  <a16:creationId xmlns:a16="http://schemas.microsoft.com/office/drawing/2014/main" id="{D0B010D7-37F1-A7F9-5C6F-B3F7CA9CD698}"/>
-                </a:ext>
-              </a:extLst>
-            </p:cNvPr>
-            <p:cNvSpPr txBox="1"/>
-            <p:nvPr/>
-          </p:nvSpPr>
-          <p:spPr>
-            <a:xfrm>
-              <a:off x="551659" y="396663"/>
-              <a:ext cx="4579128" cy="793326"/>
-            </a:xfrm>
-            <a:prstGeom prst="rect">
-              <a:avLst/>
-            </a:prstGeom>
-          </p:spPr>
-          <p:style>
-            <a:lnRef idx="0">
-              <a:scrgbClr r="0" g="0" b="0"/>
-            </a:lnRef>
-            <a:fillRef idx="0">
-              <a:scrgbClr r="0" g="0" b="0"/>
-            </a:fillRef>
-            <a:effectRef idx="0">
-              <a:scrgbClr r="0" g="0" b="0"/>
-            </a:effectRef>
-            <a:fontRef idx="minor">
-              <a:schemeClr val="lt1"/>
-            </a:fontRef>
-          </p:style>
-          <p:txBody>
-            <a:bodyPr spcFirstLastPara="0" vert="horz" wrap="square" lIns="629703" tIns="78740" rIns="78740" bIns="78740" numCol="1" spcCol="1270" anchor="ctr" anchorCtr="0">
-              <a:noAutofit/>
-            </a:bodyPr>
-            <a:lstStyle/>
-            <a:p>
-              <a:pPr marL="0" lvl="0" indent="0" algn="l" defTabSz="1377950">
-                <a:lnSpc>
-                  <a:spcPct val="90000"/>
-                </a:lnSpc>
-                <a:spcBef>
-                  <a:spcPct val="0"/>
-                </a:spcBef>
-                <a:spcAft>
-                  <a:spcPct val="35000"/>
-                </a:spcAft>
-                <a:buNone/>
-              </a:pPr>
-              <a:r>
-                <a:rPr lang="zh-TW" altLang="en-US" sz="3100" kern="1200"/>
-                <a:t>健康紀錄</a:t>
-              </a:r>
-            </a:p>
-          </p:txBody>
-        </p:sp>
-      </p:grpSp>
       <p:pic>
         <p:nvPicPr>
           <p:cNvPr id="14" name="圖片 13">
@@ -12835,8 +11381,8 @@
         </p:blipFill>
         <p:spPr bwMode="auto">
           <a:xfrm>
-            <a:off x="2489394" y="1846729"/>
-            <a:ext cx="3713305" cy="8037696"/>
+            <a:off x="4758522" y="369000"/>
+            <a:ext cx="2827356" cy="6120000"/>
           </a:xfrm>
           <a:prstGeom prst="rect">
             <a:avLst/>
@@ -13069,60 +11615,196 @@
             <a:pPr marL="0" indent="0">
               <a:buNone/>
             </a:pPr>
-            <a:endParaRPr lang="en-US" altLang="zh-TW" dirty="0">
-              <a:latin typeface="微軟正黑體 (本文)"/>
-            </a:endParaRPr>
-          </a:p>
-          <a:p>
-            <a:pPr lvl="1">
-              <a:lnSpc>
-                <a:spcPct val="150000"/>
-              </a:lnSpc>
-            </a:pPr>
-            <a:r>
-              <a:rPr lang="zh-TW" altLang="en-US" i="0">
-                <a:latin typeface="微軟正黑體 (本文)"/>
-              </a:rPr>
-              <a:t>我的資訊</a:t>
-            </a:r>
             <a:endParaRPr lang="en-US" altLang="zh-TW" i="0" dirty="0">
               <a:latin typeface="微軟正黑體 (本文)"/>
             </a:endParaRPr>
           </a:p>
-          <a:p>
-            <a:pPr lvl="1">
+        </p:txBody>
+      </p:sp>
+      <p:sp>
+        <p:nvSpPr>
+          <p:cNvPr id="3" name="箭號: 五邊形 2">
+            <a:extLst>
+              <a:ext uri="{FF2B5EF4-FFF2-40B4-BE49-F238E27FC236}">
+                <a16:creationId xmlns:a16="http://schemas.microsoft.com/office/drawing/2014/main" id="{F1DFA82D-E825-02D0-D2DD-22AE7EE76F80}"/>
+              </a:ext>
+            </a:extLst>
+          </p:cNvPr>
+          <p:cNvSpPr/>
+          <p:nvPr/>
+        </p:nvSpPr>
+        <p:spPr>
+          <a:xfrm flipH="1">
+            <a:off x="9312000" y="685800"/>
+            <a:ext cx="2880000" cy="793326"/>
+          </a:xfrm>
+          <a:prstGeom prst="homePlate">
+            <a:avLst/>
+          </a:prstGeom>
+          <a:ln>
+            <a:solidFill>
+              <a:schemeClr val="bg1"/>
+            </a:solidFill>
+          </a:ln>
+        </p:spPr>
+        <p:style>
+          <a:lnRef idx="2">
+            <a:schemeClr val="accent1">
+              <a:shade val="15000"/>
+            </a:schemeClr>
+          </a:lnRef>
+          <a:fillRef idx="1">
+            <a:schemeClr val="accent1"/>
+          </a:fillRef>
+          <a:effectRef idx="0">
+            <a:schemeClr val="accent1"/>
+          </a:effectRef>
+          <a:fontRef idx="minor">
+            <a:schemeClr val="lt1"/>
+          </a:fontRef>
+        </p:style>
+        <p:txBody>
+          <a:bodyPr rtlCol="0" anchor="ctr"/>
+          <a:lstStyle/>
+          <a:p>
+            <a:pPr lvl="0" indent="0" algn="ctr" defTabSz="1377950">
+              <a:spcBef>
+                <a:spcPct val="0"/>
+              </a:spcBef>
+              <a:buNone/>
+            </a:pPr>
+            <a:r>
+              <a:rPr lang="zh-TW" altLang="en-US" sz="3000" kern="1200" dirty="0"/>
+              <a:t>健康紀錄</a:t>
+            </a:r>
+          </a:p>
+        </p:txBody>
+      </p:sp>
+      <p:sp>
+        <p:nvSpPr>
+          <p:cNvPr id="4" name="內容版面配置區 2">
+            <a:extLst>
+              <a:ext uri="{FF2B5EF4-FFF2-40B4-BE49-F238E27FC236}">
+                <a16:creationId xmlns:a16="http://schemas.microsoft.com/office/drawing/2014/main" id="{67DDFAD9-D85A-3F62-A142-F475C4752CD2}"/>
+              </a:ext>
+            </a:extLst>
+          </p:cNvPr>
+          <p:cNvSpPr>
+            <a:spLocks noGrp="1"/>
+          </p:cNvSpPr>
+          <p:nvPr>
+            <p:ph idx="1"/>
+          </p:nvPr>
+        </p:nvSpPr>
+        <p:spPr>
+          <a:xfrm>
+            <a:off x="1371600" y="1428750"/>
+            <a:ext cx="9601200" cy="3581400"/>
+          </a:xfrm>
+        </p:spPr>
+        <p:txBody>
+          <a:bodyPr/>
+          <a:lstStyle/>
+          <a:p>
+            <a:pPr>
               <a:lnSpc>
-                <a:spcPct val="150000"/>
+                <a:spcPct val="200000"/>
               </a:lnSpc>
             </a:pPr>
             <a:r>
-              <a:rPr lang="zh-TW" altLang="en-US" i="0">
-                <a:latin typeface="微軟正黑體 (本文)"/>
-              </a:rPr>
-              <a:t>藥品一覽</a:t>
-            </a:r>
-            <a:endParaRPr lang="en-US" altLang="zh-TW" i="0" dirty="0">
-              <a:latin typeface="微軟正黑體 (本文)"/>
-            </a:endParaRPr>
-          </a:p>
-          <a:p>
-            <a:pPr lvl="1">
+              <a:rPr lang="zh-TW" altLang="en-US" dirty="0"/>
+              <a:t>我的資訊</a:t>
+            </a:r>
+          </a:p>
+          <a:p>
+            <a:pPr>
               <a:lnSpc>
-                <a:spcPct val="150000"/>
+                <a:spcPct val="200000"/>
               </a:lnSpc>
             </a:pPr>
             <a:r>
-              <a:rPr lang="zh-TW" altLang="en-US" i="0">
-                <a:latin typeface="微軟正黑體 (本文)"/>
-              </a:rPr>
+              <a:rPr lang="zh-TW" altLang="en-US" dirty="0"/>
+              <a:t>藥品一覽</a:t>
+            </a:r>
+          </a:p>
+          <a:p>
+            <a:pPr>
+              <a:lnSpc>
+                <a:spcPct val="200000"/>
+              </a:lnSpc>
+            </a:pPr>
+            <a:r>
+              <a:rPr lang="zh-TW" altLang="en-US" dirty="0"/>
               <a:t>回診日期設定</a:t>
             </a:r>
-            <a:endParaRPr lang="en-US" altLang="zh-TW" i="0" dirty="0">
-              <a:latin typeface="微軟正黑體 (本文)"/>
-            </a:endParaRPr>
           </a:p>
         </p:txBody>
       </p:sp>
+      <p:pic>
+        <p:nvPicPr>
+          <p:cNvPr id="5" name="圖片 4">
+            <a:extLst>
+              <a:ext uri="{FF2B5EF4-FFF2-40B4-BE49-F238E27FC236}">
+                <a16:creationId xmlns:a16="http://schemas.microsoft.com/office/drawing/2014/main" id="{AF427DCD-48D9-E0CD-745E-11CDA25E38F2}"/>
+              </a:ext>
+            </a:extLst>
+          </p:cNvPr>
+          <p:cNvPicPr>
+            <a:picLocks noChangeAspect="1"/>
+          </p:cNvPicPr>
+          <p:nvPr/>
+        </p:nvPicPr>
+        <p:blipFill rotWithShape="1">
+          <a:blip r:embed="rId2" cstate="print">
+            <a:extLst>
+              <a:ext uri="{28A0092B-C50C-407E-A947-70E740481C1C}">
+                <a14:useLocalDpi xmlns:a14="http://schemas.microsoft.com/office/drawing/2010/main" val="0"/>
+              </a:ext>
+            </a:extLst>
+          </a:blip>
+          <a:srcRect t="3425" b="41479"/>
+          <a:stretch/>
+        </p:blipFill>
+        <p:spPr bwMode="auto">
+          <a:xfrm>
+            <a:off x="7812009" y="1690233"/>
+            <a:ext cx="4023852" cy="4798767"/>
+          </a:xfrm>
+          <a:prstGeom prst="rect">
+            <a:avLst/>
+          </a:prstGeom>
+          <a:solidFill>
+            <a:srgbClr val="FFFFFF">
+              <a:shade val="85000"/>
+            </a:srgbClr>
+          </a:solidFill>
+          <a:ln w="88900" cap="sq">
+            <a:solidFill>
+              <a:srgbClr val="FFFFFF"/>
+            </a:solidFill>
+            <a:miter lim="800000"/>
+          </a:ln>
+          <a:effectLst>
+            <a:outerShdw blurRad="55000" dist="18000" dir="5400000" algn="tl" rotWithShape="0">
+              <a:srgbClr val="000000">
+                <a:alpha val="40000"/>
+              </a:srgbClr>
+            </a:outerShdw>
+          </a:effectLst>
+          <a:scene3d>
+            <a:camera prst="orthographicFront"/>
+            <a:lightRig rig="twoPt" dir="t">
+              <a:rot lat="0" lon="0" rev="7200000"/>
+            </a:lightRig>
+          </a:scene3d>
+          <a:sp3d>
+            <a:bevelT w="25400" h="19050"/>
+            <a:contourClr>
+              <a:srgbClr val="FFFFFF"/>
+            </a:contourClr>
+          </a:sp3d>
+        </p:spPr>
+      </p:pic>
     </p:spTree>
     <p:extLst>
       <p:ext uri="{BB962C8B-B14F-4D97-AF65-F5344CB8AC3E}">
@@ -13210,8 +11892,8 @@
         </p:blipFill>
         <p:spPr bwMode="auto">
           <a:xfrm>
-            <a:off x="5141915" y="538827"/>
-            <a:ext cx="2810899" cy="6081049"/>
+            <a:off x="4757748" y="369000"/>
+            <a:ext cx="2828904" cy="6120000"/>
           </a:xfrm>
           <a:prstGeom prst="rect">
             <a:avLst/>
@@ -13222,421 +11904,137 @@
           </a:ln>
         </p:spPr>
       </p:pic>
-      <p:grpSp>
-        <p:nvGrpSpPr>
-          <p:cNvPr id="8" name="群組 7">
+      <p:sp>
+        <p:nvSpPr>
+          <p:cNvPr id="5" name="內容版面配置區 2">
             <a:extLst>
               <a:ext uri="{FF2B5EF4-FFF2-40B4-BE49-F238E27FC236}">
-                <a16:creationId xmlns:a16="http://schemas.microsoft.com/office/drawing/2014/main" id="{57590E66-9059-60FA-A0E4-0F23C35D2870}"/>
+                <a16:creationId xmlns:a16="http://schemas.microsoft.com/office/drawing/2014/main" id="{A5780114-BBBB-F42F-BB1F-8A24D9A26F6D}"/>
               </a:ext>
             </a:extLst>
           </p:cNvPr>
-          <p:cNvGrpSpPr/>
-          <p:nvPr/>
-        </p:nvGrpSpPr>
-        <p:grpSpPr>
+          <p:cNvSpPr>
+            <a:spLocks noGrp="1"/>
+          </p:cNvSpPr>
+          <p:nvPr>
+            <p:ph idx="1"/>
+          </p:nvPr>
+        </p:nvSpPr>
+        <p:spPr>
           <a:xfrm>
-            <a:off x="7612872" y="5502698"/>
-            <a:ext cx="4579128" cy="793326"/>
-            <a:chOff x="551659" y="396663"/>
-            <a:chExt cx="4579128" cy="793326"/>
+            <a:off x="1371600" y="1428750"/>
+            <a:ext cx="9601200" cy="3581400"/>
           </a:xfrm>
-        </p:grpSpPr>
-        <p:sp>
-          <p:nvSpPr>
-            <p:cNvPr id="9" name="矩形 8">
-              <a:extLst>
-                <a:ext uri="{FF2B5EF4-FFF2-40B4-BE49-F238E27FC236}">
-                  <a16:creationId xmlns:a16="http://schemas.microsoft.com/office/drawing/2014/main" id="{DA2234E7-F1D1-A258-B6E7-0EA0D343EFFA}"/>
-                </a:ext>
-              </a:extLst>
-            </p:cNvPr>
-            <p:cNvSpPr/>
-            <p:nvPr/>
-          </p:nvSpPr>
-          <p:spPr>
-            <a:xfrm>
-              <a:off x="551659" y="396663"/>
-              <a:ext cx="4579128" cy="793326"/>
-            </a:xfrm>
-            <a:prstGeom prst="rect">
-              <a:avLst/>
-            </a:prstGeom>
-          </p:spPr>
-          <p:style>
-            <a:lnRef idx="2">
-              <a:schemeClr val="lt1">
-                <a:hueOff val="0"/>
-                <a:satOff val="0"/>
-                <a:lumOff val="0"/>
-                <a:alphaOff val="0"/>
-              </a:schemeClr>
-            </a:lnRef>
-            <a:fillRef idx="1">
-              <a:schemeClr val="accent1">
-                <a:hueOff val="0"/>
-                <a:satOff val="0"/>
-                <a:lumOff val="0"/>
-                <a:alphaOff val="0"/>
-              </a:schemeClr>
-            </a:fillRef>
-            <a:effectRef idx="0">
-              <a:schemeClr val="accent1">
-                <a:hueOff val="0"/>
-                <a:satOff val="0"/>
-                <a:lumOff val="0"/>
-                <a:alphaOff val="0"/>
-              </a:schemeClr>
-            </a:effectRef>
-            <a:fontRef idx="minor">
-              <a:schemeClr val="lt1"/>
-            </a:fontRef>
-          </p:style>
-          <p:txBody>
-            <a:bodyPr/>
-            <a:lstStyle/>
-            <a:p>
-              <a:endParaRPr lang="zh-TW" altLang="en-US"/>
-            </a:p>
-          </p:txBody>
-        </p:sp>
-        <p:sp>
-          <p:nvSpPr>
-            <p:cNvPr id="10" name="文字方塊 9">
-              <a:extLst>
-                <a:ext uri="{FF2B5EF4-FFF2-40B4-BE49-F238E27FC236}">
-                  <a16:creationId xmlns:a16="http://schemas.microsoft.com/office/drawing/2014/main" id="{D0B010D7-37F1-A7F9-5C6F-B3F7CA9CD698}"/>
-                </a:ext>
-              </a:extLst>
-            </p:cNvPr>
-            <p:cNvSpPr txBox="1"/>
-            <p:nvPr/>
-          </p:nvSpPr>
-          <p:spPr>
-            <a:xfrm>
-              <a:off x="551659" y="396663"/>
-              <a:ext cx="4579128" cy="793326"/>
-            </a:xfrm>
-            <a:prstGeom prst="rect">
-              <a:avLst/>
-            </a:prstGeom>
-          </p:spPr>
-          <p:style>
-            <a:lnRef idx="0">
-              <a:scrgbClr r="0" g="0" b="0"/>
-            </a:lnRef>
-            <a:fillRef idx="0">
-              <a:scrgbClr r="0" g="0" b="0"/>
-            </a:fillRef>
-            <a:effectRef idx="0">
-              <a:scrgbClr r="0" g="0" b="0"/>
-            </a:effectRef>
-            <a:fontRef idx="minor">
-              <a:schemeClr val="lt1"/>
-            </a:fontRef>
-          </p:style>
-          <p:txBody>
-            <a:bodyPr spcFirstLastPara="0" vert="horz" wrap="square" lIns="629703" tIns="78740" rIns="78740" bIns="78740" numCol="1" spcCol="1270" anchor="ctr" anchorCtr="0">
-              <a:noAutofit/>
-            </a:bodyPr>
-            <a:lstStyle/>
-            <a:p>
-              <a:pPr marL="0" lvl="0" indent="0" algn="l" defTabSz="1377950">
-                <a:lnSpc>
-                  <a:spcPct val="90000"/>
-                </a:lnSpc>
-                <a:spcBef>
-                  <a:spcPct val="0"/>
-                </a:spcBef>
-                <a:spcAft>
-                  <a:spcPct val="35000"/>
-                </a:spcAft>
-                <a:buNone/>
-              </a:pPr>
-              <a:r>
-                <a:rPr lang="zh-TW" altLang="en-US" sz="3100" kern="1200"/>
-                <a:t>健康紀錄</a:t>
-              </a:r>
-            </a:p>
-          </p:txBody>
-        </p:sp>
-      </p:grpSp>
+          <a:noFill/>
+          <a:ln>
+            <a:noFill/>
+          </a:ln>
+        </p:spPr>
+        <p:txBody>
+          <a:bodyPr/>
+          <a:lstStyle/>
+          <a:p>
+            <a:pPr>
+              <a:lnSpc>
+                <a:spcPct val="200000"/>
+              </a:lnSpc>
+            </a:pPr>
+            <a:r>
+              <a:rPr lang="zh-TW" altLang="en-US" dirty="0"/>
+              <a:t>我的資訊</a:t>
+            </a:r>
+          </a:p>
+          <a:p>
+            <a:pPr lvl="1">
+              <a:lnSpc>
+                <a:spcPct val="200000"/>
+              </a:lnSpc>
+            </a:pPr>
+            <a:r>
+              <a:rPr lang="zh-TW" altLang="en-US" i="0" dirty="0"/>
+              <a:t>個人資本資料</a:t>
+            </a:r>
+          </a:p>
+          <a:p>
+            <a:pPr lvl="1">
+              <a:lnSpc>
+                <a:spcPct val="200000"/>
+              </a:lnSpc>
+            </a:pPr>
+            <a:r>
+              <a:rPr lang="zh-TW" altLang="en-US" i="0" dirty="0"/>
+              <a:t>醫療史</a:t>
+            </a:r>
+          </a:p>
+          <a:p>
+            <a:pPr lvl="1">
+              <a:lnSpc>
+                <a:spcPct val="200000"/>
+              </a:lnSpc>
+            </a:pPr>
+            <a:r>
+              <a:rPr lang="zh-TW" altLang="en-US" i="0" dirty="0"/>
+              <a:t>可匯出成檔便於診療</a:t>
+            </a:r>
+          </a:p>
+        </p:txBody>
+      </p:sp>
       <p:sp>
         <p:nvSpPr>
-          <p:cNvPr id="4" name="內容版面配置區 2">
+          <p:cNvPr id="7" name="箭號: 五邊形 6">
             <a:extLst>
               <a:ext uri="{FF2B5EF4-FFF2-40B4-BE49-F238E27FC236}">
-                <a16:creationId xmlns:a16="http://schemas.microsoft.com/office/drawing/2014/main" id="{B92D84D9-3478-874A-A781-339A30CD932A}"/>
+                <a16:creationId xmlns:a16="http://schemas.microsoft.com/office/drawing/2014/main" id="{9E38E511-4E85-1B67-C84C-E00F29656776}"/>
               </a:ext>
             </a:extLst>
           </p:cNvPr>
-          <p:cNvSpPr txBox="1">
-            <a:spLocks/>
-          </p:cNvSpPr>
+          <p:cNvSpPr/>
           <p:nvPr/>
         </p:nvSpPr>
         <p:spPr>
-          <a:xfrm>
-            <a:off x="1371600" y="2757911"/>
-            <a:ext cx="4096871" cy="2262326"/>
+          <a:xfrm flipH="1">
+            <a:off x="9312000" y="685800"/>
+            <a:ext cx="2880000" cy="793326"/>
           </a:xfrm>
-          <a:prstGeom prst="rect">
+          <a:prstGeom prst="homePlate">
             <a:avLst/>
           </a:prstGeom>
+          <a:ln>
+            <a:solidFill>
+              <a:schemeClr val="bg1"/>
+            </a:solidFill>
+          </a:ln>
         </p:spPr>
+        <p:style>
+          <a:lnRef idx="2">
+            <a:schemeClr val="accent1">
+              <a:shade val="15000"/>
+            </a:schemeClr>
+          </a:lnRef>
+          <a:fillRef idx="1">
+            <a:schemeClr val="accent1"/>
+          </a:fillRef>
+          <a:effectRef idx="0">
+            <a:schemeClr val="accent1"/>
+          </a:effectRef>
+          <a:fontRef idx="minor">
+            <a:schemeClr val="lt1"/>
+          </a:fontRef>
+        </p:style>
         <p:txBody>
-          <a:bodyPr vert="horz" lIns="91440" tIns="45720" rIns="91440" bIns="45720" rtlCol="0">
-            <a:normAutofit/>
-          </a:bodyPr>
-          <a:lstStyle>
-            <a:lvl1pPr marL="384048" indent="-384048" algn="l" defTabSz="914400" rtl="0" eaLnBrk="1" latinLnBrk="0" hangingPunct="1">
-              <a:lnSpc>
-                <a:spcPct val="94000"/>
-              </a:lnSpc>
+          <a:bodyPr rtlCol="0" anchor="ctr"/>
+          <a:lstStyle/>
+          <a:p>
+            <a:pPr lvl="0" indent="0" algn="ctr" defTabSz="1377950">
               <a:spcBef>
-                <a:spcPts val="1000"/>
+                <a:spcPct val="0"/>
               </a:spcBef>
-              <a:spcAft>
-                <a:spcPts val="200"/>
-              </a:spcAft>
-              <a:buFont typeface="Franklin Gothic Book" panose="020B0503020102020204" pitchFamily="34" charset="0"/>
-              <a:buChar char="■"/>
-              <a:defRPr sz="2000" kern="1200" baseline="0">
-                <a:solidFill>
-                  <a:schemeClr val="tx2"/>
-                </a:solidFill>
-                <a:latin typeface="+mn-lt"/>
-                <a:ea typeface="+mn-ea"/>
-                <a:cs typeface="+mn-cs"/>
-              </a:defRPr>
-            </a:lvl1pPr>
-            <a:lvl2pPr marL="914400" indent="-384048" algn="l" defTabSz="914400" rtl="0" eaLnBrk="1" latinLnBrk="0" hangingPunct="1">
-              <a:lnSpc>
-                <a:spcPct val="94000"/>
-              </a:lnSpc>
-              <a:spcBef>
-                <a:spcPts val="500"/>
-              </a:spcBef>
-              <a:spcAft>
-                <a:spcPts val="200"/>
-              </a:spcAft>
-              <a:buFont typeface="Franklin Gothic Book" panose="020B0503020102020204" pitchFamily="34" charset="0"/>
-              <a:buChar char="–"/>
-              <a:defRPr sz="2000" i="1" kern="1200" baseline="0">
-                <a:solidFill>
-                  <a:schemeClr val="tx2"/>
-                </a:solidFill>
-                <a:latin typeface="+mn-lt"/>
-                <a:ea typeface="+mn-ea"/>
-                <a:cs typeface="+mn-cs"/>
-              </a:defRPr>
-            </a:lvl2pPr>
-            <a:lvl3pPr marL="1371600" indent="-384048" algn="l" defTabSz="914400" rtl="0" eaLnBrk="1" latinLnBrk="0" hangingPunct="1">
-              <a:lnSpc>
-                <a:spcPct val="94000"/>
-              </a:lnSpc>
-              <a:spcBef>
-                <a:spcPts val="500"/>
-              </a:spcBef>
-              <a:spcAft>
-                <a:spcPts val="200"/>
-              </a:spcAft>
-              <a:buFont typeface="Franklin Gothic Book" panose="020B0503020102020204" pitchFamily="34" charset="0"/>
-              <a:buChar char="■"/>
-              <a:defRPr sz="1800" kern="1200" baseline="0">
-                <a:solidFill>
-                  <a:schemeClr val="tx2"/>
-                </a:solidFill>
-                <a:latin typeface="+mn-lt"/>
-                <a:ea typeface="+mn-ea"/>
-                <a:cs typeface="+mn-cs"/>
-              </a:defRPr>
-            </a:lvl3pPr>
-            <a:lvl4pPr marL="1828800" indent="-384048" algn="l" defTabSz="914400" rtl="0" eaLnBrk="1" latinLnBrk="0" hangingPunct="1">
-              <a:lnSpc>
-                <a:spcPct val="94000"/>
-              </a:lnSpc>
-              <a:spcBef>
-                <a:spcPts val="500"/>
-              </a:spcBef>
-              <a:spcAft>
-                <a:spcPts val="200"/>
-              </a:spcAft>
-              <a:buFont typeface="Franklin Gothic Book" panose="020B0503020102020204" pitchFamily="34" charset="0"/>
-              <a:buChar char="–"/>
-              <a:defRPr sz="1800" i="1" kern="1200" baseline="0">
-                <a:solidFill>
-                  <a:schemeClr val="tx2"/>
-                </a:solidFill>
-                <a:latin typeface="+mn-lt"/>
-                <a:ea typeface="+mn-ea"/>
-                <a:cs typeface="+mn-cs"/>
-              </a:defRPr>
-            </a:lvl4pPr>
-            <a:lvl5pPr marL="2286000" indent="-384048" algn="l" defTabSz="914400" rtl="0" eaLnBrk="1" latinLnBrk="0" hangingPunct="1">
-              <a:lnSpc>
-                <a:spcPct val="94000"/>
-              </a:lnSpc>
-              <a:spcBef>
-                <a:spcPts val="500"/>
-              </a:spcBef>
-              <a:spcAft>
-                <a:spcPts val="200"/>
-              </a:spcAft>
-              <a:buFont typeface="Franklin Gothic Book" panose="020B0503020102020204" pitchFamily="34" charset="0"/>
-              <a:buChar char="■"/>
-              <a:defRPr sz="1600" kern="1200" baseline="0">
-                <a:solidFill>
-                  <a:schemeClr val="tx2"/>
-                </a:solidFill>
-                <a:latin typeface="+mn-lt"/>
-                <a:ea typeface="+mn-ea"/>
-                <a:cs typeface="+mn-cs"/>
-              </a:defRPr>
-            </a:lvl5pPr>
-            <a:lvl6pPr marL="2743200" indent="-384048" algn="l" defTabSz="914400" rtl="0" eaLnBrk="1" latinLnBrk="0" hangingPunct="1">
-              <a:lnSpc>
-                <a:spcPct val="94000"/>
-              </a:lnSpc>
-              <a:spcBef>
-                <a:spcPts val="500"/>
-              </a:spcBef>
-              <a:spcAft>
-                <a:spcPts val="200"/>
-              </a:spcAft>
-              <a:buFont typeface="Franklin Gothic Book" panose="020B0503020102020204" pitchFamily="34" charset="0"/>
-              <a:buChar char="–"/>
-              <a:defRPr sz="1600" i="1" kern="1200" baseline="0">
-                <a:solidFill>
-                  <a:schemeClr val="tx2"/>
-                </a:solidFill>
-                <a:latin typeface="+mn-lt"/>
-                <a:ea typeface="+mn-ea"/>
-                <a:cs typeface="+mn-cs"/>
-              </a:defRPr>
-            </a:lvl6pPr>
-            <a:lvl7pPr marL="3200400" indent="-384048" algn="l" defTabSz="914400" rtl="0" eaLnBrk="1" latinLnBrk="0" hangingPunct="1">
-              <a:lnSpc>
-                <a:spcPct val="94000"/>
-              </a:lnSpc>
-              <a:spcBef>
-                <a:spcPts val="500"/>
-              </a:spcBef>
-              <a:spcAft>
-                <a:spcPts val="200"/>
-              </a:spcAft>
-              <a:buFont typeface="Franklin Gothic Book" panose="020B0503020102020204" pitchFamily="34" charset="0"/>
-              <a:buChar char="■"/>
-              <a:defRPr sz="1400" kern="1200" baseline="0">
-                <a:solidFill>
-                  <a:schemeClr val="tx2"/>
-                </a:solidFill>
-                <a:latin typeface="+mn-lt"/>
-                <a:ea typeface="+mn-ea"/>
-                <a:cs typeface="+mn-cs"/>
-              </a:defRPr>
-            </a:lvl7pPr>
-            <a:lvl8pPr marL="3657600" indent="-384048" algn="l" defTabSz="914400" rtl="0" eaLnBrk="1" latinLnBrk="0" hangingPunct="1">
-              <a:lnSpc>
-                <a:spcPct val="94000"/>
-              </a:lnSpc>
-              <a:spcBef>
-                <a:spcPts val="500"/>
-              </a:spcBef>
-              <a:spcAft>
-                <a:spcPts val="200"/>
-              </a:spcAft>
-              <a:buFont typeface="Franklin Gothic Book" panose="020B0503020102020204" pitchFamily="34" charset="0"/>
-              <a:buChar char="–"/>
-              <a:defRPr sz="1400" i="1" kern="1200" baseline="0">
-                <a:solidFill>
-                  <a:schemeClr val="tx2"/>
-                </a:solidFill>
-                <a:latin typeface="+mn-lt"/>
-                <a:ea typeface="+mn-ea"/>
-                <a:cs typeface="+mn-cs"/>
-              </a:defRPr>
-            </a:lvl8pPr>
-            <a:lvl9pPr marL="4114800" indent="-384048" algn="l" defTabSz="914400" rtl="0" eaLnBrk="1" latinLnBrk="0" hangingPunct="1">
-              <a:lnSpc>
-                <a:spcPct val="94000"/>
-              </a:lnSpc>
-              <a:spcBef>
-                <a:spcPts val="500"/>
-              </a:spcBef>
-              <a:spcAft>
-                <a:spcPts val="200"/>
-              </a:spcAft>
-              <a:buFont typeface="Franklin Gothic Book" panose="020B0503020102020204" pitchFamily="34" charset="0"/>
-              <a:buChar char="■"/>
-              <a:defRPr sz="1400" kern="1200" baseline="0">
-                <a:solidFill>
-                  <a:schemeClr val="tx2"/>
-                </a:solidFill>
-                <a:latin typeface="+mn-lt"/>
-                <a:ea typeface="+mn-ea"/>
-                <a:cs typeface="+mn-cs"/>
-              </a:defRPr>
-            </a:lvl9pPr>
-          </a:lstStyle>
-          <a:p>
-            <a:r>
-              <a:rPr lang="zh-TW" altLang="en-US">
-                <a:latin typeface="微軟正黑體 (本文)"/>
-              </a:rPr>
-              <a:t>我的資訊</a:t>
-            </a:r>
-            <a:endParaRPr lang="en-US" altLang="zh-TW" dirty="0">
-              <a:latin typeface="微軟正黑體 (本文)"/>
-            </a:endParaRPr>
-          </a:p>
-          <a:p>
-            <a:pPr lvl="1">
-              <a:lnSpc>
-                <a:spcPct val="150000"/>
-              </a:lnSpc>
+              <a:buNone/>
             </a:pPr>
             <a:r>
-              <a:rPr lang="zh-TW" altLang="en-US" i="0">
-                <a:latin typeface="微軟正黑體 (本文)"/>
-              </a:rPr>
-              <a:t>個人資本資料</a:t>
-            </a:r>
-            <a:endParaRPr lang="en-US" altLang="zh-TW" i="0" dirty="0">
-              <a:latin typeface="微軟正黑體 (本文)"/>
-            </a:endParaRPr>
-          </a:p>
-          <a:p>
-            <a:pPr lvl="1">
-              <a:lnSpc>
-                <a:spcPct val="150000"/>
-              </a:lnSpc>
-            </a:pPr>
-            <a:r>
-              <a:rPr lang="zh-TW" altLang="en-US" i="0">
-                <a:latin typeface="微軟正黑體 (本文)"/>
-              </a:rPr>
-              <a:t>醫療史</a:t>
-            </a:r>
-            <a:endParaRPr lang="en-US" altLang="zh-TW" i="0" dirty="0">
-              <a:latin typeface="微軟正黑體 (本文)"/>
-            </a:endParaRPr>
-          </a:p>
-          <a:p>
-            <a:pPr lvl="1">
-              <a:lnSpc>
-                <a:spcPct val="150000"/>
-              </a:lnSpc>
-            </a:pPr>
-            <a:r>
-              <a:rPr lang="zh-TW" altLang="en-US" i="0">
-                <a:latin typeface="微軟正黑體 (本文)"/>
-              </a:rPr>
-              <a:t>可匯出成檔便於診療</a:t>
-            </a:r>
-            <a:endParaRPr lang="en-US" altLang="zh-TW" i="0" dirty="0">
-              <a:latin typeface="微軟正黑體 (本文)"/>
-            </a:endParaRPr>
+              <a:rPr lang="zh-TW" altLang="en-US" sz="3000" kern="1200" dirty="0"/>
+              <a:t>健康紀錄</a:t>
+            </a:r>
           </a:p>
         </p:txBody>
       </p:sp>
@@ -13698,145 +12096,6 @@
           </a:p>
         </p:txBody>
       </p:sp>
-      <p:grpSp>
-        <p:nvGrpSpPr>
-          <p:cNvPr id="8" name="群組 7">
-            <a:extLst>
-              <a:ext uri="{FF2B5EF4-FFF2-40B4-BE49-F238E27FC236}">
-                <a16:creationId xmlns:a16="http://schemas.microsoft.com/office/drawing/2014/main" id="{57590E66-9059-60FA-A0E4-0F23C35D2870}"/>
-              </a:ext>
-            </a:extLst>
-          </p:cNvPr>
-          <p:cNvGrpSpPr/>
-          <p:nvPr/>
-        </p:nvGrpSpPr>
-        <p:grpSpPr>
-          <a:xfrm>
-            <a:off x="7612872" y="5502698"/>
-            <a:ext cx="4579128" cy="793326"/>
-            <a:chOff x="551659" y="396663"/>
-            <a:chExt cx="4579128" cy="793326"/>
-          </a:xfrm>
-        </p:grpSpPr>
-        <p:sp>
-          <p:nvSpPr>
-            <p:cNvPr id="9" name="矩形 8">
-              <a:extLst>
-                <a:ext uri="{FF2B5EF4-FFF2-40B4-BE49-F238E27FC236}">
-                  <a16:creationId xmlns:a16="http://schemas.microsoft.com/office/drawing/2014/main" id="{DA2234E7-F1D1-A258-B6E7-0EA0D343EFFA}"/>
-                </a:ext>
-              </a:extLst>
-            </p:cNvPr>
-            <p:cNvSpPr/>
-            <p:nvPr/>
-          </p:nvSpPr>
-          <p:spPr>
-            <a:xfrm>
-              <a:off x="551659" y="396663"/>
-              <a:ext cx="4579128" cy="793326"/>
-            </a:xfrm>
-            <a:prstGeom prst="rect">
-              <a:avLst/>
-            </a:prstGeom>
-          </p:spPr>
-          <p:style>
-            <a:lnRef idx="2">
-              <a:schemeClr val="lt1">
-                <a:hueOff val="0"/>
-                <a:satOff val="0"/>
-                <a:lumOff val="0"/>
-                <a:alphaOff val="0"/>
-              </a:schemeClr>
-            </a:lnRef>
-            <a:fillRef idx="1">
-              <a:schemeClr val="accent1">
-                <a:hueOff val="0"/>
-                <a:satOff val="0"/>
-                <a:lumOff val="0"/>
-                <a:alphaOff val="0"/>
-              </a:schemeClr>
-            </a:fillRef>
-            <a:effectRef idx="0">
-              <a:schemeClr val="accent1">
-                <a:hueOff val="0"/>
-                <a:satOff val="0"/>
-                <a:lumOff val="0"/>
-                <a:alphaOff val="0"/>
-              </a:schemeClr>
-            </a:effectRef>
-            <a:fontRef idx="minor">
-              <a:schemeClr val="lt1"/>
-            </a:fontRef>
-          </p:style>
-          <p:txBody>
-            <a:bodyPr/>
-            <a:lstStyle/>
-            <a:p>
-              <a:endParaRPr lang="zh-TW" altLang="en-US"/>
-            </a:p>
-          </p:txBody>
-        </p:sp>
-        <p:sp>
-          <p:nvSpPr>
-            <p:cNvPr id="10" name="文字方塊 9">
-              <a:extLst>
-                <a:ext uri="{FF2B5EF4-FFF2-40B4-BE49-F238E27FC236}">
-                  <a16:creationId xmlns:a16="http://schemas.microsoft.com/office/drawing/2014/main" id="{D0B010D7-37F1-A7F9-5C6F-B3F7CA9CD698}"/>
-                </a:ext>
-              </a:extLst>
-            </p:cNvPr>
-            <p:cNvSpPr txBox="1"/>
-            <p:nvPr/>
-          </p:nvSpPr>
-          <p:spPr>
-            <a:xfrm>
-              <a:off x="551659" y="396663"/>
-              <a:ext cx="4579128" cy="793326"/>
-            </a:xfrm>
-            <a:prstGeom prst="rect">
-              <a:avLst/>
-            </a:prstGeom>
-          </p:spPr>
-          <p:style>
-            <a:lnRef idx="0">
-              <a:scrgbClr r="0" g="0" b="0"/>
-            </a:lnRef>
-            <a:fillRef idx="0">
-              <a:scrgbClr r="0" g="0" b="0"/>
-            </a:fillRef>
-            <a:effectRef idx="0">
-              <a:scrgbClr r="0" g="0" b="0"/>
-            </a:effectRef>
-            <a:fontRef idx="minor">
-              <a:schemeClr val="lt1"/>
-            </a:fontRef>
-          </p:style>
-          <p:txBody>
-            <a:bodyPr spcFirstLastPara="0" vert="horz" wrap="square" lIns="629703" tIns="78740" rIns="78740" bIns="78740" numCol="1" spcCol="1270" anchor="ctr" anchorCtr="0">
-              <a:noAutofit/>
-            </a:bodyPr>
-            <a:lstStyle/>
-            <a:p>
-              <a:pPr marL="0" lvl="0" indent="0" algn="l" defTabSz="1377950">
-                <a:lnSpc>
-                  <a:spcPct val="90000"/>
-                </a:lnSpc>
-                <a:spcBef>
-                  <a:spcPct val="0"/>
-                </a:spcBef>
-                <a:spcAft>
-                  <a:spcPct val="35000"/>
-                </a:spcAft>
-                <a:buNone/>
-              </a:pPr>
-              <a:r>
-                <a:rPr lang="zh-TW" altLang="en-US" sz="3100" kern="1200"/>
-                <a:t>健康紀錄</a:t>
-              </a:r>
-            </a:p>
-          </p:txBody>
-        </p:sp>
-      </p:grpSp>
       <p:sp>
         <p:nvSpPr>
           <p:cNvPr id="4" name="內容版面配置區 2">
@@ -14056,44 +12315,6 @@
             </a:lvl9pPr>
           </a:lstStyle>
           <a:p>
-            <a:r>
-              <a:rPr lang="zh-TW" altLang="en-US">
-                <a:latin typeface="微軟正黑體 (本文)"/>
-              </a:rPr>
-              <a:t>藥品一覽</a:t>
-            </a:r>
-            <a:endParaRPr lang="en-US" altLang="zh-TW" dirty="0">
-              <a:latin typeface="微軟正黑體 (本文)"/>
-            </a:endParaRPr>
-          </a:p>
-          <a:p>
-            <a:pPr lvl="1">
-              <a:lnSpc>
-                <a:spcPct val="150000"/>
-              </a:lnSpc>
-            </a:pPr>
-            <a:r>
-              <a:rPr lang="zh-TW" altLang="en-US" i="0">
-                <a:latin typeface="微軟正黑體 (本文)"/>
-              </a:rPr>
-              <a:t>設置服藥提醒</a:t>
-            </a:r>
-            <a:endParaRPr lang="en-US" altLang="zh-TW" i="0" dirty="0">
-              <a:latin typeface="微軟正黑體 (本文)"/>
-            </a:endParaRPr>
-          </a:p>
-          <a:p>
-            <a:pPr lvl="1">
-              <a:lnSpc>
-                <a:spcPct val="150000"/>
-              </a:lnSpc>
-            </a:pPr>
-            <a:r>
-              <a:rPr lang="zh-TW" altLang="en-US" i="0">
-                <a:latin typeface="微軟正黑體 (本文)"/>
-              </a:rPr>
-              <a:t>備註協助分辨藥物</a:t>
-            </a:r>
             <a:endParaRPr lang="en-US" altLang="zh-TW" i="0" dirty="0">
               <a:latin typeface="微軟正黑體 (本文)"/>
             </a:endParaRPr>
@@ -14129,8 +12350,8 @@
         </p:blipFill>
         <p:spPr bwMode="auto">
           <a:xfrm>
-            <a:off x="4178629" y="685800"/>
-            <a:ext cx="2811600" cy="6082565"/>
+            <a:off x="4757748" y="369000"/>
+            <a:ext cx="2828904" cy="6120000"/>
           </a:xfrm>
           <a:prstGeom prst="rect">
             <a:avLst/>
@@ -14141,6 +12362,129 @@
           </a:ln>
         </p:spPr>
       </p:pic>
+      <p:sp>
+        <p:nvSpPr>
+          <p:cNvPr id="3" name="內容版面配置區 2">
+            <a:extLst>
+              <a:ext uri="{FF2B5EF4-FFF2-40B4-BE49-F238E27FC236}">
+                <a16:creationId xmlns:a16="http://schemas.microsoft.com/office/drawing/2014/main" id="{6A9087B3-75B3-6ADA-0A80-50D59D2D7CD4}"/>
+              </a:ext>
+            </a:extLst>
+          </p:cNvPr>
+          <p:cNvSpPr>
+            <a:spLocks noGrp="1"/>
+          </p:cNvSpPr>
+          <p:nvPr>
+            <p:ph idx="1"/>
+          </p:nvPr>
+        </p:nvSpPr>
+        <p:spPr>
+          <a:xfrm>
+            <a:off x="1371600" y="1428750"/>
+            <a:ext cx="9601200" cy="3581400"/>
+          </a:xfrm>
+          <a:noFill/>
+          <a:ln>
+            <a:noFill/>
+          </a:ln>
+        </p:spPr>
+        <p:txBody>
+          <a:bodyPr/>
+          <a:lstStyle/>
+          <a:p>
+            <a:pPr>
+              <a:lnSpc>
+                <a:spcPct val="200000"/>
+              </a:lnSpc>
+            </a:pPr>
+            <a:r>
+              <a:rPr lang="zh-TW" altLang="en-US" dirty="0"/>
+              <a:t>藥品一覽</a:t>
+            </a:r>
+          </a:p>
+          <a:p>
+            <a:pPr lvl="1">
+              <a:lnSpc>
+                <a:spcPct val="200000"/>
+              </a:lnSpc>
+            </a:pPr>
+            <a:r>
+              <a:rPr lang="zh-TW" altLang="en-US" i="0" dirty="0"/>
+              <a:t>設置服藥提醒</a:t>
+            </a:r>
+          </a:p>
+          <a:p>
+            <a:pPr lvl="1">
+              <a:lnSpc>
+                <a:spcPct val="200000"/>
+              </a:lnSpc>
+            </a:pPr>
+            <a:r>
+              <a:rPr lang="zh-TW" altLang="en-US" i="0" dirty="0"/>
+              <a:t>備註協助分辨藥物</a:t>
+            </a:r>
+          </a:p>
+        </p:txBody>
+      </p:sp>
+      <p:sp>
+        <p:nvSpPr>
+          <p:cNvPr id="6" name="箭號: 五邊形 5">
+            <a:extLst>
+              <a:ext uri="{FF2B5EF4-FFF2-40B4-BE49-F238E27FC236}">
+                <a16:creationId xmlns:a16="http://schemas.microsoft.com/office/drawing/2014/main" id="{C3060AAB-A2CE-04D6-6A12-74CB423BE74E}"/>
+              </a:ext>
+            </a:extLst>
+          </p:cNvPr>
+          <p:cNvSpPr/>
+          <p:nvPr/>
+        </p:nvSpPr>
+        <p:spPr>
+          <a:xfrm flipH="1">
+            <a:off x="9312000" y="685800"/>
+            <a:ext cx="2880000" cy="793326"/>
+          </a:xfrm>
+          <a:prstGeom prst="homePlate">
+            <a:avLst/>
+          </a:prstGeom>
+          <a:ln>
+            <a:solidFill>
+              <a:schemeClr val="bg1"/>
+            </a:solidFill>
+          </a:ln>
+        </p:spPr>
+        <p:style>
+          <a:lnRef idx="2">
+            <a:schemeClr val="accent1">
+              <a:shade val="15000"/>
+            </a:schemeClr>
+          </a:lnRef>
+          <a:fillRef idx="1">
+            <a:schemeClr val="accent1"/>
+          </a:fillRef>
+          <a:effectRef idx="0">
+            <a:schemeClr val="accent1"/>
+          </a:effectRef>
+          <a:fontRef idx="minor">
+            <a:schemeClr val="lt1"/>
+          </a:fontRef>
+        </p:style>
+        <p:txBody>
+          <a:bodyPr rtlCol="0" anchor="ctr"/>
+          <a:lstStyle/>
+          <a:p>
+            <a:pPr lvl="0" indent="0" algn="ctr" defTabSz="1377950">
+              <a:spcBef>
+                <a:spcPct val="0"/>
+              </a:spcBef>
+              <a:buNone/>
+            </a:pPr>
+            <a:r>
+              <a:rPr lang="zh-TW" altLang="en-US" sz="3000" kern="1200" dirty="0"/>
+              <a:t>健康紀錄</a:t>
+            </a:r>
+          </a:p>
+        </p:txBody>
+      </p:sp>
     </p:spTree>
     <p:extLst>
       <p:ext uri="{BB962C8B-B14F-4D97-AF65-F5344CB8AC3E}">
@@ -14199,269 +12543,6 @@
           </a:p>
         </p:txBody>
       </p:sp>
-      <p:sp>
-        <p:nvSpPr>
-          <p:cNvPr id="4" name="內容版面配置區 2">
-            <a:extLst>
-              <a:ext uri="{FF2B5EF4-FFF2-40B4-BE49-F238E27FC236}">
-                <a16:creationId xmlns:a16="http://schemas.microsoft.com/office/drawing/2014/main" id="{B92D84D9-3478-874A-A781-339A30CD932A}"/>
-              </a:ext>
-            </a:extLst>
-          </p:cNvPr>
-          <p:cNvSpPr txBox="1">
-            <a:spLocks/>
-          </p:cNvSpPr>
-          <p:nvPr/>
-        </p:nvSpPr>
-        <p:spPr>
-          <a:xfrm>
-            <a:off x="1114022" y="3135418"/>
-            <a:ext cx="4096871" cy="1800225"/>
-          </a:xfrm>
-          <a:prstGeom prst="rect">
-            <a:avLst/>
-          </a:prstGeom>
-        </p:spPr>
-        <p:txBody>
-          <a:bodyPr vert="horz" lIns="91440" tIns="45720" rIns="91440" bIns="45720" rtlCol="0">
-            <a:normAutofit/>
-          </a:bodyPr>
-          <a:lstStyle>
-            <a:lvl1pPr marL="384048" indent="-384048" algn="l" defTabSz="914400" rtl="0" eaLnBrk="1" latinLnBrk="0" hangingPunct="1">
-              <a:lnSpc>
-                <a:spcPct val="94000"/>
-              </a:lnSpc>
-              <a:spcBef>
-                <a:spcPts val="1000"/>
-              </a:spcBef>
-              <a:spcAft>
-                <a:spcPts val="200"/>
-              </a:spcAft>
-              <a:buFont typeface="Franklin Gothic Book" panose="020B0503020102020204" pitchFamily="34" charset="0"/>
-              <a:buChar char="■"/>
-              <a:defRPr sz="2000" kern="1200" baseline="0">
-                <a:solidFill>
-                  <a:schemeClr val="tx2"/>
-                </a:solidFill>
-                <a:latin typeface="+mn-lt"/>
-                <a:ea typeface="+mn-ea"/>
-                <a:cs typeface="+mn-cs"/>
-              </a:defRPr>
-            </a:lvl1pPr>
-            <a:lvl2pPr marL="914400" indent="-384048" algn="l" defTabSz="914400" rtl="0" eaLnBrk="1" latinLnBrk="0" hangingPunct="1">
-              <a:lnSpc>
-                <a:spcPct val="94000"/>
-              </a:lnSpc>
-              <a:spcBef>
-                <a:spcPts val="500"/>
-              </a:spcBef>
-              <a:spcAft>
-                <a:spcPts val="200"/>
-              </a:spcAft>
-              <a:buFont typeface="Franklin Gothic Book" panose="020B0503020102020204" pitchFamily="34" charset="0"/>
-              <a:buChar char="–"/>
-              <a:defRPr sz="2000" i="1" kern="1200" baseline="0">
-                <a:solidFill>
-                  <a:schemeClr val="tx2"/>
-                </a:solidFill>
-                <a:latin typeface="+mn-lt"/>
-                <a:ea typeface="+mn-ea"/>
-                <a:cs typeface="+mn-cs"/>
-              </a:defRPr>
-            </a:lvl2pPr>
-            <a:lvl3pPr marL="1371600" indent="-384048" algn="l" defTabSz="914400" rtl="0" eaLnBrk="1" latinLnBrk="0" hangingPunct="1">
-              <a:lnSpc>
-                <a:spcPct val="94000"/>
-              </a:lnSpc>
-              <a:spcBef>
-                <a:spcPts val="500"/>
-              </a:spcBef>
-              <a:spcAft>
-                <a:spcPts val="200"/>
-              </a:spcAft>
-              <a:buFont typeface="Franklin Gothic Book" panose="020B0503020102020204" pitchFamily="34" charset="0"/>
-              <a:buChar char="■"/>
-              <a:defRPr sz="1800" kern="1200" baseline="0">
-                <a:solidFill>
-                  <a:schemeClr val="tx2"/>
-                </a:solidFill>
-                <a:latin typeface="+mn-lt"/>
-                <a:ea typeface="+mn-ea"/>
-                <a:cs typeface="+mn-cs"/>
-              </a:defRPr>
-            </a:lvl3pPr>
-            <a:lvl4pPr marL="1828800" indent="-384048" algn="l" defTabSz="914400" rtl="0" eaLnBrk="1" latinLnBrk="0" hangingPunct="1">
-              <a:lnSpc>
-                <a:spcPct val="94000"/>
-              </a:lnSpc>
-              <a:spcBef>
-                <a:spcPts val="500"/>
-              </a:spcBef>
-              <a:spcAft>
-                <a:spcPts val="200"/>
-              </a:spcAft>
-              <a:buFont typeface="Franklin Gothic Book" panose="020B0503020102020204" pitchFamily="34" charset="0"/>
-              <a:buChar char="–"/>
-              <a:defRPr sz="1800" i="1" kern="1200" baseline="0">
-                <a:solidFill>
-                  <a:schemeClr val="tx2"/>
-                </a:solidFill>
-                <a:latin typeface="+mn-lt"/>
-                <a:ea typeface="+mn-ea"/>
-                <a:cs typeface="+mn-cs"/>
-              </a:defRPr>
-            </a:lvl4pPr>
-            <a:lvl5pPr marL="2286000" indent="-384048" algn="l" defTabSz="914400" rtl="0" eaLnBrk="1" latinLnBrk="0" hangingPunct="1">
-              <a:lnSpc>
-                <a:spcPct val="94000"/>
-              </a:lnSpc>
-              <a:spcBef>
-                <a:spcPts val="500"/>
-              </a:spcBef>
-              <a:spcAft>
-                <a:spcPts val="200"/>
-              </a:spcAft>
-              <a:buFont typeface="Franklin Gothic Book" panose="020B0503020102020204" pitchFamily="34" charset="0"/>
-              <a:buChar char="■"/>
-              <a:defRPr sz="1600" kern="1200" baseline="0">
-                <a:solidFill>
-                  <a:schemeClr val="tx2"/>
-                </a:solidFill>
-                <a:latin typeface="+mn-lt"/>
-                <a:ea typeface="+mn-ea"/>
-                <a:cs typeface="+mn-cs"/>
-              </a:defRPr>
-            </a:lvl5pPr>
-            <a:lvl6pPr marL="2743200" indent="-384048" algn="l" defTabSz="914400" rtl="0" eaLnBrk="1" latinLnBrk="0" hangingPunct="1">
-              <a:lnSpc>
-                <a:spcPct val="94000"/>
-              </a:lnSpc>
-              <a:spcBef>
-                <a:spcPts val="500"/>
-              </a:spcBef>
-              <a:spcAft>
-                <a:spcPts val="200"/>
-              </a:spcAft>
-              <a:buFont typeface="Franklin Gothic Book" panose="020B0503020102020204" pitchFamily="34" charset="0"/>
-              <a:buChar char="–"/>
-              <a:defRPr sz="1600" i="1" kern="1200" baseline="0">
-                <a:solidFill>
-                  <a:schemeClr val="tx2"/>
-                </a:solidFill>
-                <a:latin typeface="+mn-lt"/>
-                <a:ea typeface="+mn-ea"/>
-                <a:cs typeface="+mn-cs"/>
-              </a:defRPr>
-            </a:lvl6pPr>
-            <a:lvl7pPr marL="3200400" indent="-384048" algn="l" defTabSz="914400" rtl="0" eaLnBrk="1" latinLnBrk="0" hangingPunct="1">
-              <a:lnSpc>
-                <a:spcPct val="94000"/>
-              </a:lnSpc>
-              <a:spcBef>
-                <a:spcPts val="500"/>
-              </a:spcBef>
-              <a:spcAft>
-                <a:spcPts val="200"/>
-              </a:spcAft>
-              <a:buFont typeface="Franklin Gothic Book" panose="020B0503020102020204" pitchFamily="34" charset="0"/>
-              <a:buChar char="■"/>
-              <a:defRPr sz="1400" kern="1200" baseline="0">
-                <a:solidFill>
-                  <a:schemeClr val="tx2"/>
-                </a:solidFill>
-                <a:latin typeface="+mn-lt"/>
-                <a:ea typeface="+mn-ea"/>
-                <a:cs typeface="+mn-cs"/>
-              </a:defRPr>
-            </a:lvl7pPr>
-            <a:lvl8pPr marL="3657600" indent="-384048" algn="l" defTabSz="914400" rtl="0" eaLnBrk="1" latinLnBrk="0" hangingPunct="1">
-              <a:lnSpc>
-                <a:spcPct val="94000"/>
-              </a:lnSpc>
-              <a:spcBef>
-                <a:spcPts val="500"/>
-              </a:spcBef>
-              <a:spcAft>
-                <a:spcPts val="200"/>
-              </a:spcAft>
-              <a:buFont typeface="Franklin Gothic Book" panose="020B0503020102020204" pitchFamily="34" charset="0"/>
-              <a:buChar char="–"/>
-              <a:defRPr sz="1400" i="1" kern="1200" baseline="0">
-                <a:solidFill>
-                  <a:schemeClr val="tx2"/>
-                </a:solidFill>
-                <a:latin typeface="+mn-lt"/>
-                <a:ea typeface="+mn-ea"/>
-                <a:cs typeface="+mn-cs"/>
-              </a:defRPr>
-            </a:lvl8pPr>
-            <a:lvl9pPr marL="4114800" indent="-384048" algn="l" defTabSz="914400" rtl="0" eaLnBrk="1" latinLnBrk="0" hangingPunct="1">
-              <a:lnSpc>
-                <a:spcPct val="94000"/>
-              </a:lnSpc>
-              <a:spcBef>
-                <a:spcPts val="500"/>
-              </a:spcBef>
-              <a:spcAft>
-                <a:spcPts val="200"/>
-              </a:spcAft>
-              <a:buFont typeface="Franklin Gothic Book" panose="020B0503020102020204" pitchFamily="34" charset="0"/>
-              <a:buChar char="■"/>
-              <a:defRPr sz="1400" kern="1200" baseline="0">
-                <a:solidFill>
-                  <a:schemeClr val="tx2"/>
-                </a:solidFill>
-                <a:latin typeface="+mn-lt"/>
-                <a:ea typeface="+mn-ea"/>
-                <a:cs typeface="+mn-cs"/>
-              </a:defRPr>
-            </a:lvl9pPr>
-          </a:lstStyle>
-          <a:p>
-            <a:r>
-              <a:rPr lang="zh-TW" altLang="en-US">
-                <a:latin typeface="微軟正黑體 (本文)"/>
-              </a:rPr>
-              <a:t>回診日期設定</a:t>
-            </a:r>
-            <a:endParaRPr lang="en-US" altLang="zh-TW" dirty="0">
-              <a:latin typeface="微軟正黑體 (本文)"/>
-            </a:endParaRPr>
-          </a:p>
-          <a:p>
-            <a:pPr lvl="1">
-              <a:lnSpc>
-                <a:spcPct val="150000"/>
-              </a:lnSpc>
-            </a:pPr>
-            <a:r>
-              <a:rPr lang="zh-TW" altLang="en-US" i="0">
-                <a:latin typeface="微軟正黑體 (本文)"/>
-              </a:rPr>
-              <a:t>設置回診日期提醒</a:t>
-            </a:r>
-            <a:endParaRPr lang="en-US" altLang="zh-TW" i="0" dirty="0">
-              <a:latin typeface="微軟正黑體 (本文)"/>
-            </a:endParaRPr>
-          </a:p>
-          <a:p>
-            <a:pPr lvl="1">
-              <a:lnSpc>
-                <a:spcPct val="150000"/>
-              </a:lnSpc>
-            </a:pPr>
-            <a:r>
-              <a:rPr lang="zh-TW" altLang="en-US" i="0">
-                <a:latin typeface="微軟正黑體 (本文)"/>
-              </a:rPr>
-              <a:t>避免遺忘回診日</a:t>
-            </a:r>
-            <a:endParaRPr lang="en-US" altLang="zh-TW" i="0" dirty="0">
-              <a:latin typeface="微軟正黑體 (本文)"/>
-            </a:endParaRPr>
-          </a:p>
-        </p:txBody>
-      </p:sp>
       <p:pic>
         <p:nvPicPr>
           <p:cNvPr id="3" name="圖片 2">
@@ -14491,8 +12572,8 @@
         </p:blipFill>
         <p:spPr bwMode="auto">
           <a:xfrm>
-            <a:off x="4807618" y="1742206"/>
-            <a:ext cx="2162334" cy="4681005"/>
+            <a:off x="4973490" y="1535661"/>
+            <a:ext cx="2245019" cy="4860000"/>
           </a:xfrm>
           <a:prstGeom prst="rect">
             <a:avLst/>
@@ -14532,8 +12613,8 @@
         </p:blipFill>
         <p:spPr bwMode="auto">
           <a:xfrm>
-            <a:off x="6956854" y="1285718"/>
-            <a:ext cx="2162334" cy="4681005"/>
+            <a:off x="7335690" y="1537272"/>
+            <a:ext cx="2245019" cy="4860000"/>
           </a:xfrm>
           <a:prstGeom prst="rect">
             <a:avLst/>
@@ -14573,8 +12654,8 @@
         </p:blipFill>
         <p:spPr bwMode="auto">
           <a:xfrm>
-            <a:off x="9119188" y="845736"/>
-            <a:ext cx="2162334" cy="4681005"/>
+            <a:off x="9697890" y="1535661"/>
+            <a:ext cx="2245019" cy="4860000"/>
           </a:xfrm>
           <a:prstGeom prst="rect">
             <a:avLst/>
@@ -14585,145 +12666,129 @@
           </a:ln>
         </p:spPr>
       </p:pic>
-      <p:grpSp>
-        <p:nvGrpSpPr>
-          <p:cNvPr id="8" name="群組 7">
+      <p:sp>
+        <p:nvSpPr>
+          <p:cNvPr id="5" name="箭號: 五邊形 4">
             <a:extLst>
               <a:ext uri="{FF2B5EF4-FFF2-40B4-BE49-F238E27FC236}">
-                <a16:creationId xmlns:a16="http://schemas.microsoft.com/office/drawing/2014/main" id="{57590E66-9059-60FA-A0E4-0F23C35D2870}"/>
+                <a16:creationId xmlns:a16="http://schemas.microsoft.com/office/drawing/2014/main" id="{8DC82B6C-4868-05EA-6477-010FC1DDA5AB}"/>
               </a:ext>
             </a:extLst>
           </p:cNvPr>
-          <p:cNvGrpSpPr/>
+          <p:cNvSpPr/>
           <p:nvPr/>
-        </p:nvGrpSpPr>
-        <p:grpSpPr>
+        </p:nvSpPr>
+        <p:spPr>
+          <a:xfrm flipH="1">
+            <a:off x="9312000" y="685800"/>
+            <a:ext cx="2880000" cy="793326"/>
+          </a:xfrm>
+          <a:prstGeom prst="homePlate">
+            <a:avLst/>
+          </a:prstGeom>
+          <a:ln>
+            <a:solidFill>
+              <a:schemeClr val="bg1"/>
+            </a:solidFill>
+          </a:ln>
+        </p:spPr>
+        <p:style>
+          <a:lnRef idx="2">
+            <a:schemeClr val="accent1">
+              <a:shade val="15000"/>
+            </a:schemeClr>
+          </a:lnRef>
+          <a:fillRef idx="1">
+            <a:schemeClr val="accent1"/>
+          </a:fillRef>
+          <a:effectRef idx="0">
+            <a:schemeClr val="accent1"/>
+          </a:effectRef>
+          <a:fontRef idx="minor">
+            <a:schemeClr val="lt1"/>
+          </a:fontRef>
+        </p:style>
+        <p:txBody>
+          <a:bodyPr rtlCol="0" anchor="ctr"/>
+          <a:lstStyle/>
+          <a:p>
+            <a:pPr lvl="0" indent="0" algn="ctr" defTabSz="1377950">
+              <a:spcBef>
+                <a:spcPct val="0"/>
+              </a:spcBef>
+              <a:buNone/>
+            </a:pPr>
+            <a:r>
+              <a:rPr lang="zh-TW" altLang="en-US" sz="3000" kern="1200" dirty="0"/>
+              <a:t>健康紀錄</a:t>
+            </a:r>
+          </a:p>
+        </p:txBody>
+      </p:sp>
+      <p:sp>
+        <p:nvSpPr>
+          <p:cNvPr id="11" name="內容版面配置區 2">
+            <a:extLst>
+              <a:ext uri="{FF2B5EF4-FFF2-40B4-BE49-F238E27FC236}">
+                <a16:creationId xmlns:a16="http://schemas.microsoft.com/office/drawing/2014/main" id="{7F5093BA-467A-6BDB-A60E-50D032259C5F}"/>
+              </a:ext>
+            </a:extLst>
+          </p:cNvPr>
+          <p:cNvSpPr>
+            <a:spLocks noGrp="1"/>
+          </p:cNvSpPr>
+          <p:nvPr>
+            <p:ph idx="1"/>
+          </p:nvPr>
+        </p:nvSpPr>
+        <p:spPr>
           <a:xfrm>
-            <a:off x="7612872" y="5502698"/>
-            <a:ext cx="4579128" cy="793326"/>
-            <a:chOff x="551659" y="396663"/>
-            <a:chExt cx="4579128" cy="793326"/>
+            <a:off x="1371600" y="1428750"/>
+            <a:ext cx="9601200" cy="3581400"/>
           </a:xfrm>
-        </p:grpSpPr>
-        <p:sp>
-          <p:nvSpPr>
-            <p:cNvPr id="9" name="矩形 8">
-              <a:extLst>
-                <a:ext uri="{FF2B5EF4-FFF2-40B4-BE49-F238E27FC236}">
-                  <a16:creationId xmlns:a16="http://schemas.microsoft.com/office/drawing/2014/main" id="{DA2234E7-F1D1-A258-B6E7-0EA0D343EFFA}"/>
-                </a:ext>
-              </a:extLst>
-            </p:cNvPr>
-            <p:cNvSpPr/>
-            <p:nvPr/>
-          </p:nvSpPr>
-          <p:spPr>
-            <a:xfrm>
-              <a:off x="551659" y="396663"/>
-              <a:ext cx="4579128" cy="793326"/>
-            </a:xfrm>
-            <a:prstGeom prst="rect">
-              <a:avLst/>
-            </a:prstGeom>
-          </p:spPr>
-          <p:style>
-            <a:lnRef idx="2">
-              <a:schemeClr val="lt1">
-                <a:hueOff val="0"/>
-                <a:satOff val="0"/>
-                <a:lumOff val="0"/>
-                <a:alphaOff val="0"/>
-              </a:schemeClr>
-            </a:lnRef>
-            <a:fillRef idx="1">
-              <a:schemeClr val="accent1">
-                <a:hueOff val="0"/>
-                <a:satOff val="0"/>
-                <a:lumOff val="0"/>
-                <a:alphaOff val="0"/>
-              </a:schemeClr>
-            </a:fillRef>
-            <a:effectRef idx="0">
-              <a:schemeClr val="accent1">
-                <a:hueOff val="0"/>
-                <a:satOff val="0"/>
-                <a:lumOff val="0"/>
-                <a:alphaOff val="0"/>
-              </a:schemeClr>
-            </a:effectRef>
-            <a:fontRef idx="minor">
-              <a:schemeClr val="lt1"/>
-            </a:fontRef>
-          </p:style>
-          <p:txBody>
-            <a:bodyPr/>
-            <a:lstStyle/>
-            <a:p>
-              <a:endParaRPr lang="zh-TW" altLang="en-US"/>
-            </a:p>
-          </p:txBody>
-        </p:sp>
-        <p:sp>
-          <p:nvSpPr>
-            <p:cNvPr id="10" name="文字方塊 9">
-              <a:extLst>
-                <a:ext uri="{FF2B5EF4-FFF2-40B4-BE49-F238E27FC236}">
-                  <a16:creationId xmlns:a16="http://schemas.microsoft.com/office/drawing/2014/main" id="{D0B010D7-37F1-A7F9-5C6F-B3F7CA9CD698}"/>
-                </a:ext>
-              </a:extLst>
-            </p:cNvPr>
-            <p:cNvSpPr txBox="1"/>
-            <p:nvPr/>
-          </p:nvSpPr>
-          <p:spPr>
-            <a:xfrm>
-              <a:off x="551659" y="396663"/>
-              <a:ext cx="4579128" cy="793326"/>
-            </a:xfrm>
-            <a:prstGeom prst="rect">
-              <a:avLst/>
-            </a:prstGeom>
-          </p:spPr>
-          <p:style>
-            <a:lnRef idx="0">
-              <a:scrgbClr r="0" g="0" b="0"/>
-            </a:lnRef>
-            <a:fillRef idx="0">
-              <a:scrgbClr r="0" g="0" b="0"/>
-            </a:fillRef>
-            <a:effectRef idx="0">
-              <a:scrgbClr r="0" g="0" b="0"/>
-            </a:effectRef>
-            <a:fontRef idx="minor">
-              <a:schemeClr val="lt1"/>
-            </a:fontRef>
-          </p:style>
-          <p:txBody>
-            <a:bodyPr spcFirstLastPara="0" vert="horz" wrap="square" lIns="629703" tIns="78740" rIns="78740" bIns="78740" numCol="1" spcCol="1270" anchor="ctr" anchorCtr="0">
-              <a:noAutofit/>
-            </a:bodyPr>
-            <a:lstStyle/>
-            <a:p>
-              <a:pPr marL="0" lvl="0" indent="0" algn="l" defTabSz="1377950">
-                <a:lnSpc>
-                  <a:spcPct val="90000"/>
-                </a:lnSpc>
-                <a:spcBef>
-                  <a:spcPct val="0"/>
-                </a:spcBef>
-                <a:spcAft>
-                  <a:spcPct val="35000"/>
-                </a:spcAft>
-                <a:buNone/>
-              </a:pPr>
-              <a:r>
-                <a:rPr lang="zh-TW" altLang="en-US" sz="3100" kern="1200"/>
-                <a:t>健康紀錄</a:t>
-              </a:r>
-            </a:p>
-          </p:txBody>
-        </p:sp>
-      </p:grpSp>
+          <a:noFill/>
+          <a:ln>
+            <a:noFill/>
+          </a:ln>
+        </p:spPr>
+        <p:txBody>
+          <a:bodyPr/>
+          <a:lstStyle/>
+          <a:p>
+            <a:pPr>
+              <a:lnSpc>
+                <a:spcPct val="200000"/>
+              </a:lnSpc>
+            </a:pPr>
+            <a:r>
+              <a:rPr lang="zh-TW" altLang="en-US" dirty="0"/>
+              <a:t>回診日期設定</a:t>
+            </a:r>
+          </a:p>
+          <a:p>
+            <a:pPr lvl="1">
+              <a:lnSpc>
+                <a:spcPct val="200000"/>
+              </a:lnSpc>
+            </a:pPr>
+            <a:r>
+              <a:rPr lang="zh-TW" altLang="en-US" i="0" dirty="0"/>
+              <a:t>設置回診日期提醒</a:t>
+            </a:r>
+          </a:p>
+          <a:p>
+            <a:pPr lvl="1">
+              <a:lnSpc>
+                <a:spcPct val="200000"/>
+              </a:lnSpc>
+            </a:pPr>
+            <a:r>
+              <a:rPr lang="zh-TW" altLang="en-US" i="0" dirty="0"/>
+              <a:t>避免遺忘回診日</a:t>
+            </a:r>
+          </a:p>
+        </p:txBody>
+      </p:sp>
     </p:spTree>
     <p:extLst>
       <p:ext uri="{BB962C8B-B14F-4D97-AF65-F5344CB8AC3E}">
@@ -14782,146 +12847,6 @@
           </a:p>
         </p:txBody>
       </p:sp>
-      <p:grpSp>
-        <p:nvGrpSpPr>
-          <p:cNvPr id="6" name="群組 5">
-            <a:extLst>
-              <a:ext uri="{FF2B5EF4-FFF2-40B4-BE49-F238E27FC236}">
-                <a16:creationId xmlns:a16="http://schemas.microsoft.com/office/drawing/2014/main" id="{ACD7447D-4837-7A40-2079-2D8CE170FB2E}"/>
-              </a:ext>
-            </a:extLst>
-          </p:cNvPr>
-          <p:cNvGrpSpPr/>
-          <p:nvPr/>
-        </p:nvGrpSpPr>
-        <p:grpSpPr>
-          <a:xfrm>
-            <a:off x="0" y="5423922"/>
-            <a:ext cx="4579128" cy="793326"/>
-            <a:chOff x="551659" y="2776643"/>
-            <a:chExt cx="4579128" cy="793326"/>
-          </a:xfrm>
-        </p:grpSpPr>
-        <p:sp>
-          <p:nvSpPr>
-            <p:cNvPr id="7" name="矩形 6">
-              <a:extLst>
-                <a:ext uri="{FF2B5EF4-FFF2-40B4-BE49-F238E27FC236}">
-                  <a16:creationId xmlns:a16="http://schemas.microsoft.com/office/drawing/2014/main" id="{2D07F800-19F7-5F26-EFB5-279448428A8A}"/>
-                </a:ext>
-              </a:extLst>
-            </p:cNvPr>
-            <p:cNvSpPr/>
-            <p:nvPr/>
-          </p:nvSpPr>
-          <p:spPr>
-            <a:xfrm>
-              <a:off x="551659" y="2776643"/>
-              <a:ext cx="4579128" cy="793326"/>
-            </a:xfrm>
-            <a:prstGeom prst="rect">
-              <a:avLst/>
-            </a:prstGeom>
-          </p:spPr>
-          <p:style>
-            <a:lnRef idx="2">
-              <a:schemeClr val="lt1">
-                <a:hueOff val="0"/>
-                <a:satOff val="0"/>
-                <a:lumOff val="0"/>
-                <a:alphaOff val="0"/>
-              </a:schemeClr>
-            </a:lnRef>
-            <a:fillRef idx="1">
-              <a:schemeClr val="accent1">
-                <a:hueOff val="0"/>
-                <a:satOff val="0"/>
-                <a:lumOff val="0"/>
-                <a:alphaOff val="0"/>
-              </a:schemeClr>
-            </a:fillRef>
-            <a:effectRef idx="0">
-              <a:schemeClr val="accent1">
-                <a:hueOff val="0"/>
-                <a:satOff val="0"/>
-                <a:lumOff val="0"/>
-                <a:alphaOff val="0"/>
-              </a:schemeClr>
-            </a:effectRef>
-            <a:fontRef idx="minor">
-              <a:schemeClr val="lt1"/>
-            </a:fontRef>
-          </p:style>
-          <p:txBody>
-            <a:bodyPr/>
-            <a:lstStyle/>
-            <a:p>
-              <a:pPr algn="ctr"/>
-              <a:endParaRPr lang="zh-TW" altLang="en-US"/>
-            </a:p>
-          </p:txBody>
-        </p:sp>
-        <p:sp>
-          <p:nvSpPr>
-            <p:cNvPr id="8" name="文字方塊 7">
-              <a:extLst>
-                <a:ext uri="{FF2B5EF4-FFF2-40B4-BE49-F238E27FC236}">
-                  <a16:creationId xmlns:a16="http://schemas.microsoft.com/office/drawing/2014/main" id="{C71457FA-9FD1-A893-9FEA-52670C63BEB6}"/>
-                </a:ext>
-              </a:extLst>
-            </p:cNvPr>
-            <p:cNvSpPr txBox="1"/>
-            <p:nvPr/>
-          </p:nvSpPr>
-          <p:spPr>
-            <a:xfrm>
-              <a:off x="551659" y="2776643"/>
-              <a:ext cx="4579128" cy="793326"/>
-            </a:xfrm>
-            <a:prstGeom prst="rect">
-              <a:avLst/>
-            </a:prstGeom>
-          </p:spPr>
-          <p:style>
-            <a:lnRef idx="0">
-              <a:scrgbClr r="0" g="0" b="0"/>
-            </a:lnRef>
-            <a:fillRef idx="0">
-              <a:scrgbClr r="0" g="0" b="0"/>
-            </a:fillRef>
-            <a:effectRef idx="0">
-              <a:scrgbClr r="0" g="0" b="0"/>
-            </a:effectRef>
-            <a:fontRef idx="minor">
-              <a:schemeClr val="lt1"/>
-            </a:fontRef>
-          </p:style>
-          <p:txBody>
-            <a:bodyPr spcFirstLastPara="0" vert="horz" wrap="square" lIns="629703" tIns="78740" rIns="78740" bIns="78740" numCol="1" spcCol="1270" anchor="ctr" anchorCtr="0">
-              <a:noAutofit/>
-            </a:bodyPr>
-            <a:lstStyle/>
-            <a:p>
-              <a:pPr marL="0" lvl="0" indent="0" algn="ctr" defTabSz="1377950">
-                <a:lnSpc>
-                  <a:spcPct val="90000"/>
-                </a:lnSpc>
-                <a:spcBef>
-                  <a:spcPct val="0"/>
-                </a:spcBef>
-                <a:spcAft>
-                  <a:spcPct val="35000"/>
-                </a:spcAft>
-                <a:buNone/>
-              </a:pPr>
-              <a:r>
-                <a:rPr lang="zh-TW" altLang="en-US" sz="3100" kern="1200"/>
-                <a:t>最近預約</a:t>
-              </a:r>
-            </a:p>
-          </p:txBody>
-        </p:sp>
-      </p:grpSp>
       <p:pic>
         <p:nvPicPr>
           <p:cNvPr id="10" name="圖片 9" descr="一張含有 文字, 螢幕擷取畫面, 軟體, 電腦圖示 的圖片&#10;&#10;自動產生的描述">
@@ -14950,8 +12875,8 @@
         </p:blipFill>
         <p:spPr>
           <a:xfrm>
-            <a:off x="6902825" y="-1818980"/>
-            <a:ext cx="3940187" cy="8531818"/>
+            <a:off x="4759022" y="369000"/>
+            <a:ext cx="2826355" cy="6120000"/>
           </a:xfrm>
           <a:prstGeom prst="rect">
             <a:avLst/>
@@ -14960,264 +12885,181 @@
       </p:pic>
       <p:sp>
         <p:nvSpPr>
-          <p:cNvPr id="11" name="內容版面配置區 2">
+          <p:cNvPr id="3" name="內容版面配置區 2">
             <a:extLst>
               <a:ext uri="{FF2B5EF4-FFF2-40B4-BE49-F238E27FC236}">
-                <a16:creationId xmlns:a16="http://schemas.microsoft.com/office/drawing/2014/main" id="{AF95E49D-68C5-A2F0-BDC9-F317D68BE122}"/>
+                <a16:creationId xmlns:a16="http://schemas.microsoft.com/office/drawing/2014/main" id="{F4A5CA38-18B4-A7FE-7A7B-3C7A21352009}"/>
               </a:ext>
             </a:extLst>
           </p:cNvPr>
-          <p:cNvSpPr txBox="1">
-            <a:spLocks/>
+          <p:cNvSpPr>
+            <a:spLocks noGrp="1"/>
           </p:cNvSpPr>
+          <p:nvPr>
+            <p:ph idx="1"/>
+          </p:nvPr>
+        </p:nvSpPr>
+        <p:spPr>
+          <a:xfrm>
+            <a:off x="1371600" y="1428750"/>
+            <a:ext cx="9601200" cy="3581400"/>
+          </a:xfrm>
+          <a:noFill/>
+          <a:ln>
+            <a:noFill/>
+          </a:ln>
+        </p:spPr>
+        <p:txBody>
+          <a:bodyPr/>
+          <a:lstStyle/>
+          <a:p>
+            <a:pPr>
+              <a:lnSpc>
+                <a:spcPct val="200000"/>
+              </a:lnSpc>
+            </a:pPr>
+            <a:r>
+              <a:rPr lang="zh-TW" altLang="en-US" dirty="0"/>
+              <a:t>查看過去預約紀錄</a:t>
+            </a:r>
+          </a:p>
+          <a:p>
+            <a:pPr>
+              <a:lnSpc>
+                <a:spcPct val="200000"/>
+              </a:lnSpc>
+            </a:pPr>
+            <a:r>
+              <a:rPr lang="zh-TW" altLang="en-US" dirty="0"/>
+              <a:t>提醒最近一次的預約</a:t>
+            </a:r>
+          </a:p>
+        </p:txBody>
+      </p:sp>
+      <p:sp>
+        <p:nvSpPr>
+          <p:cNvPr id="4" name="箭號: 五邊形 3">
+            <a:extLst>
+              <a:ext uri="{FF2B5EF4-FFF2-40B4-BE49-F238E27FC236}">
+                <a16:creationId xmlns:a16="http://schemas.microsoft.com/office/drawing/2014/main" id="{FA5978F2-F55A-B9FF-FE4E-56EA4869BBF5}"/>
+              </a:ext>
+            </a:extLst>
+          </p:cNvPr>
+          <p:cNvSpPr/>
           <p:nvPr/>
         </p:nvSpPr>
         <p:spPr>
+          <a:xfrm flipH="1">
+            <a:off x="9312000" y="685800"/>
+            <a:ext cx="2880000" cy="793326"/>
+          </a:xfrm>
+          <a:prstGeom prst="homePlate">
+            <a:avLst/>
+          </a:prstGeom>
+          <a:ln>
+            <a:solidFill>
+              <a:schemeClr val="bg1"/>
+            </a:solidFill>
+          </a:ln>
+        </p:spPr>
+        <p:style>
+          <a:lnRef idx="2">
+            <a:schemeClr val="accent1">
+              <a:shade val="15000"/>
+            </a:schemeClr>
+          </a:lnRef>
+          <a:fillRef idx="1">
+            <a:schemeClr val="accent1"/>
+          </a:fillRef>
+          <a:effectRef idx="0">
+            <a:schemeClr val="accent1"/>
+          </a:effectRef>
+          <a:fontRef idx="minor">
+            <a:schemeClr val="lt1"/>
+          </a:fontRef>
+        </p:style>
+        <p:txBody>
+          <a:bodyPr rtlCol="0" anchor="ctr"/>
+          <a:lstStyle/>
+          <a:p>
+            <a:pPr lvl="0" indent="0" algn="ctr" defTabSz="1377950">
+              <a:spcBef>
+                <a:spcPct val="0"/>
+              </a:spcBef>
+              <a:buNone/>
+            </a:pPr>
+            <a:r>
+              <a:rPr lang="zh-TW" altLang="en-US" sz="3000" kern="1200" dirty="0"/>
+              <a:t>最近預約</a:t>
+            </a:r>
+          </a:p>
+        </p:txBody>
+      </p:sp>
+      <p:pic>
+        <p:nvPicPr>
+          <p:cNvPr id="9" name="圖片 8" descr="一張含有 文字, 螢幕擷取畫面, 軟體, 電腦圖示 的圖片&#10;&#10;自動產生的描述">
+            <a:extLst>
+              <a:ext uri="{FF2B5EF4-FFF2-40B4-BE49-F238E27FC236}">
+                <a16:creationId xmlns:a16="http://schemas.microsoft.com/office/drawing/2014/main" id="{B112C9D9-A716-866C-5B17-9AC974A003EF}"/>
+              </a:ext>
+            </a:extLst>
+          </p:cNvPr>
+          <p:cNvPicPr>
+            <a:picLocks noChangeAspect="1"/>
+          </p:cNvPicPr>
+          <p:nvPr/>
+        </p:nvPicPr>
+        <p:blipFill rotWithShape="1">
+          <a:blip r:embed="rId2">
+            <a:extLst>
+              <a:ext uri="{28A0092B-C50C-407E-A947-70E740481C1C}">
+                <a14:useLocalDpi xmlns:a14="http://schemas.microsoft.com/office/drawing/2010/main" val="0"/>
+              </a:ext>
+            </a:extLst>
+          </a:blip>
+          <a:srcRect t="50442"/>
+          <a:stretch/>
+        </p:blipFill>
+        <p:spPr>
           <a:xfrm>
-            <a:off x="1250373" y="2642043"/>
-            <a:ext cx="4096871" cy="1800225"/>
+            <a:off x="7811312" y="2169988"/>
+            <a:ext cx="4024800" cy="4319012"/>
           </a:xfrm>
           <a:prstGeom prst="rect">
             <a:avLst/>
           </a:prstGeom>
+          <a:solidFill>
+            <a:srgbClr val="FFFFFF">
+              <a:shade val="85000"/>
+            </a:srgbClr>
+          </a:solidFill>
+          <a:ln w="88900" cap="sq">
+            <a:solidFill>
+              <a:srgbClr val="FFFFFF"/>
+            </a:solidFill>
+            <a:miter lim="800000"/>
+          </a:ln>
+          <a:effectLst>
+            <a:outerShdw blurRad="55000" dist="18000" dir="5400000" algn="tl" rotWithShape="0">
+              <a:srgbClr val="000000">
+                <a:alpha val="40000"/>
+              </a:srgbClr>
+            </a:outerShdw>
+          </a:effectLst>
+          <a:scene3d>
+            <a:camera prst="orthographicFront"/>
+            <a:lightRig rig="twoPt" dir="t">
+              <a:rot lat="0" lon="0" rev="7200000"/>
+            </a:lightRig>
+          </a:scene3d>
+          <a:sp3d>
+            <a:bevelT w="25400" h="19050"/>
+            <a:contourClr>
+              <a:srgbClr val="FFFFFF"/>
+            </a:contourClr>
+          </a:sp3d>
         </p:spPr>
-        <p:txBody>
-          <a:bodyPr vert="horz" lIns="91440" tIns="45720" rIns="91440" bIns="45720" rtlCol="0">
-            <a:normAutofit/>
-          </a:bodyPr>
-          <a:lstStyle>
-            <a:lvl1pPr marL="384048" indent="-384048" algn="l" defTabSz="914400" rtl="0" eaLnBrk="1" latinLnBrk="0" hangingPunct="1">
-              <a:lnSpc>
-                <a:spcPct val="94000"/>
-              </a:lnSpc>
-              <a:spcBef>
-                <a:spcPts val="1000"/>
-              </a:spcBef>
-              <a:spcAft>
-                <a:spcPts val="200"/>
-              </a:spcAft>
-              <a:buFont typeface="Franklin Gothic Book" panose="020B0503020102020204" pitchFamily="34" charset="0"/>
-              <a:buChar char="■"/>
-              <a:defRPr sz="2000" kern="1200" baseline="0">
-                <a:solidFill>
-                  <a:schemeClr val="tx2"/>
-                </a:solidFill>
-                <a:latin typeface="+mn-lt"/>
-                <a:ea typeface="+mn-ea"/>
-                <a:cs typeface="+mn-cs"/>
-              </a:defRPr>
-            </a:lvl1pPr>
-            <a:lvl2pPr marL="914400" indent="-384048" algn="l" defTabSz="914400" rtl="0" eaLnBrk="1" latinLnBrk="0" hangingPunct="1">
-              <a:lnSpc>
-                <a:spcPct val="94000"/>
-              </a:lnSpc>
-              <a:spcBef>
-                <a:spcPts val="500"/>
-              </a:spcBef>
-              <a:spcAft>
-                <a:spcPts val="200"/>
-              </a:spcAft>
-              <a:buFont typeface="Franklin Gothic Book" panose="020B0503020102020204" pitchFamily="34" charset="0"/>
-              <a:buChar char="–"/>
-              <a:defRPr sz="2000" i="1" kern="1200" baseline="0">
-                <a:solidFill>
-                  <a:schemeClr val="tx2"/>
-                </a:solidFill>
-                <a:latin typeface="+mn-lt"/>
-                <a:ea typeface="+mn-ea"/>
-                <a:cs typeface="+mn-cs"/>
-              </a:defRPr>
-            </a:lvl2pPr>
-            <a:lvl3pPr marL="1371600" indent="-384048" algn="l" defTabSz="914400" rtl="0" eaLnBrk="1" latinLnBrk="0" hangingPunct="1">
-              <a:lnSpc>
-                <a:spcPct val="94000"/>
-              </a:lnSpc>
-              <a:spcBef>
-                <a:spcPts val="500"/>
-              </a:spcBef>
-              <a:spcAft>
-                <a:spcPts val="200"/>
-              </a:spcAft>
-              <a:buFont typeface="Franklin Gothic Book" panose="020B0503020102020204" pitchFamily="34" charset="0"/>
-              <a:buChar char="■"/>
-              <a:defRPr sz="1800" kern="1200" baseline="0">
-                <a:solidFill>
-                  <a:schemeClr val="tx2"/>
-                </a:solidFill>
-                <a:latin typeface="+mn-lt"/>
-                <a:ea typeface="+mn-ea"/>
-                <a:cs typeface="+mn-cs"/>
-              </a:defRPr>
-            </a:lvl3pPr>
-            <a:lvl4pPr marL="1828800" indent="-384048" algn="l" defTabSz="914400" rtl="0" eaLnBrk="1" latinLnBrk="0" hangingPunct="1">
-              <a:lnSpc>
-                <a:spcPct val="94000"/>
-              </a:lnSpc>
-              <a:spcBef>
-                <a:spcPts val="500"/>
-              </a:spcBef>
-              <a:spcAft>
-                <a:spcPts val="200"/>
-              </a:spcAft>
-              <a:buFont typeface="Franklin Gothic Book" panose="020B0503020102020204" pitchFamily="34" charset="0"/>
-              <a:buChar char="–"/>
-              <a:defRPr sz="1800" i="1" kern="1200" baseline="0">
-                <a:solidFill>
-                  <a:schemeClr val="tx2"/>
-                </a:solidFill>
-                <a:latin typeface="+mn-lt"/>
-                <a:ea typeface="+mn-ea"/>
-                <a:cs typeface="+mn-cs"/>
-              </a:defRPr>
-            </a:lvl4pPr>
-            <a:lvl5pPr marL="2286000" indent="-384048" algn="l" defTabSz="914400" rtl="0" eaLnBrk="1" latinLnBrk="0" hangingPunct="1">
-              <a:lnSpc>
-                <a:spcPct val="94000"/>
-              </a:lnSpc>
-              <a:spcBef>
-                <a:spcPts val="500"/>
-              </a:spcBef>
-              <a:spcAft>
-                <a:spcPts val="200"/>
-              </a:spcAft>
-              <a:buFont typeface="Franklin Gothic Book" panose="020B0503020102020204" pitchFamily="34" charset="0"/>
-              <a:buChar char="■"/>
-              <a:defRPr sz="1600" kern="1200" baseline="0">
-                <a:solidFill>
-                  <a:schemeClr val="tx2"/>
-                </a:solidFill>
-                <a:latin typeface="+mn-lt"/>
-                <a:ea typeface="+mn-ea"/>
-                <a:cs typeface="+mn-cs"/>
-              </a:defRPr>
-            </a:lvl5pPr>
-            <a:lvl6pPr marL="2743200" indent="-384048" algn="l" defTabSz="914400" rtl="0" eaLnBrk="1" latinLnBrk="0" hangingPunct="1">
-              <a:lnSpc>
-                <a:spcPct val="94000"/>
-              </a:lnSpc>
-              <a:spcBef>
-                <a:spcPts val="500"/>
-              </a:spcBef>
-              <a:spcAft>
-                <a:spcPts val="200"/>
-              </a:spcAft>
-              <a:buFont typeface="Franklin Gothic Book" panose="020B0503020102020204" pitchFamily="34" charset="0"/>
-              <a:buChar char="–"/>
-              <a:defRPr sz="1600" i="1" kern="1200" baseline="0">
-                <a:solidFill>
-                  <a:schemeClr val="tx2"/>
-                </a:solidFill>
-                <a:latin typeface="+mn-lt"/>
-                <a:ea typeface="+mn-ea"/>
-                <a:cs typeface="+mn-cs"/>
-              </a:defRPr>
-            </a:lvl6pPr>
-            <a:lvl7pPr marL="3200400" indent="-384048" algn="l" defTabSz="914400" rtl="0" eaLnBrk="1" latinLnBrk="0" hangingPunct="1">
-              <a:lnSpc>
-                <a:spcPct val="94000"/>
-              </a:lnSpc>
-              <a:spcBef>
-                <a:spcPts val="500"/>
-              </a:spcBef>
-              <a:spcAft>
-                <a:spcPts val="200"/>
-              </a:spcAft>
-              <a:buFont typeface="Franklin Gothic Book" panose="020B0503020102020204" pitchFamily="34" charset="0"/>
-              <a:buChar char="■"/>
-              <a:defRPr sz="1400" kern="1200" baseline="0">
-                <a:solidFill>
-                  <a:schemeClr val="tx2"/>
-                </a:solidFill>
-                <a:latin typeface="+mn-lt"/>
-                <a:ea typeface="+mn-ea"/>
-                <a:cs typeface="+mn-cs"/>
-              </a:defRPr>
-            </a:lvl7pPr>
-            <a:lvl8pPr marL="3657600" indent="-384048" algn="l" defTabSz="914400" rtl="0" eaLnBrk="1" latinLnBrk="0" hangingPunct="1">
-              <a:lnSpc>
-                <a:spcPct val="94000"/>
-              </a:lnSpc>
-              <a:spcBef>
-                <a:spcPts val="500"/>
-              </a:spcBef>
-              <a:spcAft>
-                <a:spcPts val="200"/>
-              </a:spcAft>
-              <a:buFont typeface="Franklin Gothic Book" panose="020B0503020102020204" pitchFamily="34" charset="0"/>
-              <a:buChar char="–"/>
-              <a:defRPr sz="1400" i="1" kern="1200" baseline="0">
-                <a:solidFill>
-                  <a:schemeClr val="tx2"/>
-                </a:solidFill>
-                <a:latin typeface="+mn-lt"/>
-                <a:ea typeface="+mn-ea"/>
-                <a:cs typeface="+mn-cs"/>
-              </a:defRPr>
-            </a:lvl8pPr>
-            <a:lvl9pPr marL="4114800" indent="-384048" algn="l" defTabSz="914400" rtl="0" eaLnBrk="1" latinLnBrk="0" hangingPunct="1">
-              <a:lnSpc>
-                <a:spcPct val="94000"/>
-              </a:lnSpc>
-              <a:spcBef>
-                <a:spcPts val="500"/>
-              </a:spcBef>
-              <a:spcAft>
-                <a:spcPts val="200"/>
-              </a:spcAft>
-              <a:buFont typeface="Franklin Gothic Book" panose="020B0503020102020204" pitchFamily="34" charset="0"/>
-              <a:buChar char="■"/>
-              <a:defRPr sz="1400" kern="1200" baseline="0">
-                <a:solidFill>
-                  <a:schemeClr val="tx2"/>
-                </a:solidFill>
-                <a:latin typeface="+mn-lt"/>
-                <a:ea typeface="+mn-ea"/>
-                <a:cs typeface="+mn-cs"/>
-              </a:defRPr>
-            </a:lvl9pPr>
-          </a:lstStyle>
-          <a:p>
-            <a:pPr marL="0" indent="0">
-              <a:buNone/>
-            </a:pPr>
-            <a:endParaRPr lang="en-US" altLang="zh-TW" dirty="0">
-              <a:latin typeface="微軟正黑體 (本文)"/>
-            </a:endParaRPr>
-          </a:p>
-          <a:p>
-            <a:pPr lvl="1">
-              <a:lnSpc>
-                <a:spcPct val="150000"/>
-              </a:lnSpc>
-            </a:pPr>
-            <a:r>
-              <a:rPr lang="zh-TW" altLang="en-US" i="0">
-                <a:latin typeface="微軟正黑體 (本文)"/>
-              </a:rPr>
-              <a:t>查看過去預約紀錄</a:t>
-            </a:r>
-            <a:endParaRPr lang="en-US" altLang="zh-TW" i="0">
-              <a:latin typeface="微軟正黑體 (本文)"/>
-            </a:endParaRPr>
-          </a:p>
-          <a:p>
-            <a:pPr lvl="1">
-              <a:lnSpc>
-                <a:spcPct val="150000"/>
-              </a:lnSpc>
-            </a:pPr>
-            <a:r>
-              <a:rPr lang="zh-TW" altLang="en-US" i="0">
-                <a:latin typeface="微軟正黑體 (本文)"/>
-              </a:rPr>
-              <a:t>提醒最近一次的預約</a:t>
-            </a:r>
-            <a:endParaRPr lang="en-US" altLang="zh-TW" i="0" dirty="0">
-              <a:latin typeface="微軟正黑體 (本文)"/>
-            </a:endParaRPr>
-          </a:p>
-        </p:txBody>
-      </p:sp>
+      </p:pic>
     </p:spTree>
     <p:extLst>
       <p:ext uri="{BB962C8B-B14F-4D97-AF65-F5344CB8AC3E}">
@@ -15248,34 +13090,6 @@
           <a:chExt cx="0" cy="0"/>
         </a:xfrm>
       </p:grpSpPr>
-      <p:sp>
-        <p:nvSpPr>
-          <p:cNvPr id="2" name="標題 1">
-            <a:extLst>
-              <a:ext uri="{FF2B5EF4-FFF2-40B4-BE49-F238E27FC236}">
-                <a16:creationId xmlns:a16="http://schemas.microsoft.com/office/drawing/2014/main" id="{D3E88BF9-71B3-4653-AABE-892F824C13C6}"/>
-              </a:ext>
-            </a:extLst>
-          </p:cNvPr>
-          <p:cNvSpPr>
-            <a:spLocks noGrp="1"/>
-          </p:cNvSpPr>
-          <p:nvPr>
-            <p:ph type="title"/>
-          </p:nvPr>
-        </p:nvSpPr>
-        <p:spPr/>
-        <p:txBody>
-          <a:bodyPr/>
-          <a:lstStyle/>
-          <a:p>
-            <a:r>
-              <a:rPr lang="zh-TW" altLang="en-US" b="1" dirty="0"/>
-              <a:t>系統介面</a:t>
-            </a:r>
-          </a:p>
-        </p:txBody>
-      </p:sp>
       <p:pic>
         <p:nvPicPr>
           <p:cNvPr id="3" name="圖片 2">
@@ -15305,8 +13119,8 @@
         </p:blipFill>
         <p:spPr bwMode="auto">
           <a:xfrm>
-            <a:off x="7482783" y="0"/>
-            <a:ext cx="3569372" cy="7722545"/>
+            <a:off x="6259545" y="369000"/>
+            <a:ext cx="2828673" cy="6120000"/>
           </a:xfrm>
           <a:prstGeom prst="rect">
             <a:avLst/>
@@ -15346,8 +13160,8 @@
         </p:blipFill>
         <p:spPr bwMode="auto">
           <a:xfrm>
-            <a:off x="1540510" y="1809750"/>
-            <a:ext cx="3571200" cy="7726500"/>
+            <a:off x="3103783" y="369000"/>
+            <a:ext cx="2828673" cy="6120000"/>
           </a:xfrm>
           <a:prstGeom prst="rect">
             <a:avLst/>
@@ -15358,286 +13172,435 @@
           </a:ln>
         </p:spPr>
       </p:pic>
-      <p:grpSp>
-        <p:nvGrpSpPr>
-          <p:cNvPr id="16" name="群組 15">
+      <p:sp>
+        <p:nvSpPr>
+          <p:cNvPr id="5" name="箭號: 五邊形 4">
             <a:extLst>
               <a:ext uri="{FF2B5EF4-FFF2-40B4-BE49-F238E27FC236}">
-                <a16:creationId xmlns:a16="http://schemas.microsoft.com/office/drawing/2014/main" id="{67CBF677-5A43-9D65-A92A-585A0614D566}"/>
+                <a16:creationId xmlns:a16="http://schemas.microsoft.com/office/drawing/2014/main" id="{A936DD2A-7AF4-A782-A23D-51C3BAC7A3BA}"/>
               </a:ext>
             </a:extLst>
           </p:cNvPr>
-          <p:cNvGrpSpPr/>
+          <p:cNvSpPr/>
           <p:nvPr/>
-        </p:nvGrpSpPr>
-        <p:grpSpPr>
-          <a:xfrm rot="5400000">
-            <a:off x="9329992" y="1413087"/>
-            <a:ext cx="4579128" cy="793326"/>
-            <a:chOff x="551659" y="2776643"/>
-            <a:chExt cx="4579128" cy="793326"/>
+        </p:nvSpPr>
+        <p:spPr>
+          <a:xfrm flipH="1">
+            <a:off x="9312000" y="685800"/>
+            <a:ext cx="2880000" cy="793326"/>
           </a:xfrm>
-        </p:grpSpPr>
-        <p:sp>
-          <p:nvSpPr>
-            <p:cNvPr id="17" name="矩形 16">
-              <a:extLst>
-                <a:ext uri="{FF2B5EF4-FFF2-40B4-BE49-F238E27FC236}">
-                  <a16:creationId xmlns:a16="http://schemas.microsoft.com/office/drawing/2014/main" id="{5236EA0C-0AAD-703D-40E9-8EC5B92B8525}"/>
-                </a:ext>
-              </a:extLst>
-            </p:cNvPr>
-            <p:cNvSpPr/>
-            <p:nvPr/>
-          </p:nvSpPr>
-          <p:spPr>
-            <a:xfrm>
-              <a:off x="551659" y="2776643"/>
-              <a:ext cx="4579128" cy="793326"/>
-            </a:xfrm>
-            <a:prstGeom prst="rect">
-              <a:avLst/>
-            </a:prstGeom>
-          </p:spPr>
-          <p:style>
-            <a:lnRef idx="2">
-              <a:schemeClr val="lt1">
-                <a:hueOff val="0"/>
-                <a:satOff val="0"/>
-                <a:lumOff val="0"/>
-                <a:alphaOff val="0"/>
-              </a:schemeClr>
-            </a:lnRef>
-            <a:fillRef idx="1">
-              <a:schemeClr val="accent1">
-                <a:hueOff val="0"/>
-                <a:satOff val="0"/>
-                <a:lumOff val="0"/>
-                <a:alphaOff val="0"/>
-              </a:schemeClr>
-            </a:fillRef>
-            <a:effectRef idx="0">
-              <a:schemeClr val="accent1">
-                <a:hueOff val="0"/>
-                <a:satOff val="0"/>
-                <a:lumOff val="0"/>
-                <a:alphaOff val="0"/>
-              </a:schemeClr>
-            </a:effectRef>
-            <a:fontRef idx="minor">
-              <a:schemeClr val="lt1"/>
-            </a:fontRef>
-          </p:style>
-          <p:txBody>
-            <a:bodyPr/>
-            <a:lstStyle/>
-            <a:p>
-              <a:pPr algn="ctr"/>
-              <a:endParaRPr lang="zh-TW" altLang="en-US"/>
-            </a:p>
-          </p:txBody>
-        </p:sp>
-        <p:sp>
-          <p:nvSpPr>
-            <p:cNvPr id="18" name="文字方塊 17">
-              <a:extLst>
-                <a:ext uri="{FF2B5EF4-FFF2-40B4-BE49-F238E27FC236}">
-                  <a16:creationId xmlns:a16="http://schemas.microsoft.com/office/drawing/2014/main" id="{27CDB906-46F0-16F9-3F68-A2F8136AA5C1}"/>
-                </a:ext>
-              </a:extLst>
-            </p:cNvPr>
-            <p:cNvSpPr txBox="1"/>
-            <p:nvPr/>
-          </p:nvSpPr>
-          <p:spPr>
-            <a:xfrm>
-              <a:off x="551659" y="2776643"/>
-              <a:ext cx="4579128" cy="793326"/>
-            </a:xfrm>
-            <a:prstGeom prst="rect">
-              <a:avLst/>
-            </a:prstGeom>
-          </p:spPr>
-          <p:style>
-            <a:lnRef idx="0">
-              <a:scrgbClr r="0" g="0" b="0"/>
-            </a:lnRef>
-            <a:fillRef idx="0">
-              <a:scrgbClr r="0" g="0" b="0"/>
-            </a:fillRef>
-            <a:effectRef idx="0">
-              <a:scrgbClr r="0" g="0" b="0"/>
-            </a:effectRef>
-            <a:fontRef idx="minor">
-              <a:schemeClr val="lt1"/>
-            </a:fontRef>
-          </p:style>
-          <p:txBody>
-            <a:bodyPr spcFirstLastPara="0" vert="vert270" wrap="square" lIns="629703" tIns="78740" rIns="78740" bIns="78740" numCol="1" spcCol="1270" anchor="ctr" anchorCtr="0">
-              <a:noAutofit/>
-            </a:bodyPr>
-            <a:lstStyle/>
-            <a:p>
-              <a:pPr marL="0" lvl="0" indent="0" algn="ctr" defTabSz="1377950">
-                <a:lnSpc>
-                  <a:spcPct val="90000"/>
-                </a:lnSpc>
-                <a:spcBef>
-                  <a:spcPct val="0"/>
-                </a:spcBef>
-                <a:spcAft>
-                  <a:spcPct val="35000"/>
-                </a:spcAft>
-                <a:buNone/>
-              </a:pPr>
-              <a:r>
-                <a:rPr lang="zh-TW" altLang="en-US" sz="3100" kern="1200"/>
-                <a:t>健康小知識</a:t>
-              </a:r>
-            </a:p>
-          </p:txBody>
-        </p:sp>
-      </p:grpSp>
-      <p:grpSp>
-        <p:nvGrpSpPr>
-          <p:cNvPr id="19" name="群組 18">
+          <a:prstGeom prst="homePlate">
+            <a:avLst/>
+          </a:prstGeom>
+          <a:ln>
+            <a:solidFill>
+              <a:schemeClr val="bg1"/>
+            </a:solidFill>
+          </a:ln>
+        </p:spPr>
+        <p:style>
+          <a:lnRef idx="2">
+            <a:schemeClr val="accent1">
+              <a:shade val="15000"/>
+            </a:schemeClr>
+          </a:lnRef>
+          <a:fillRef idx="1">
+            <a:schemeClr val="accent1"/>
+          </a:fillRef>
+          <a:effectRef idx="0">
+            <a:schemeClr val="accent1"/>
+          </a:effectRef>
+          <a:fontRef idx="minor">
+            <a:schemeClr val="lt1"/>
+          </a:fontRef>
+        </p:style>
+        <p:txBody>
+          <a:bodyPr rtlCol="0" anchor="ctr"/>
+          <a:lstStyle/>
+          <a:p>
+            <a:pPr lvl="0" indent="0" algn="ctr" defTabSz="1377950">
+              <a:spcBef>
+                <a:spcPct val="0"/>
+              </a:spcBef>
+              <a:buNone/>
+            </a:pPr>
+            <a:r>
+              <a:rPr lang="zh-TW" altLang="en-US" sz="3000" dirty="0"/>
+              <a:t>服藥提醒</a:t>
+            </a:r>
+            <a:endParaRPr lang="zh-TW" altLang="en-US" sz="3000" kern="1200" dirty="0"/>
+          </a:p>
+        </p:txBody>
+      </p:sp>
+      <p:sp>
+        <p:nvSpPr>
+          <p:cNvPr id="6" name="箭號: 五邊形 5">
             <a:extLst>
               <a:ext uri="{FF2B5EF4-FFF2-40B4-BE49-F238E27FC236}">
-                <a16:creationId xmlns:a16="http://schemas.microsoft.com/office/drawing/2014/main" id="{0429459D-7184-4260-2EBF-EA1C81969C7F}"/>
+                <a16:creationId xmlns:a16="http://schemas.microsoft.com/office/drawing/2014/main" id="{F2CDA0B1-84A2-7978-9EA0-1F852357ED28}"/>
               </a:ext>
             </a:extLst>
           </p:cNvPr>
-          <p:cNvGrpSpPr/>
+          <p:cNvSpPr/>
           <p:nvPr/>
-        </p:nvGrpSpPr>
-        <p:grpSpPr>
-          <a:xfrm rot="5400000">
-            <a:off x="3387719" y="4171773"/>
-            <a:ext cx="4579128" cy="793326"/>
-            <a:chOff x="551659" y="2776643"/>
-            <a:chExt cx="4579128" cy="793326"/>
+        </p:nvSpPr>
+        <p:spPr>
+          <a:xfrm flipH="1">
+            <a:off x="9312000" y="1651644"/>
+            <a:ext cx="2880000" cy="793326"/>
           </a:xfrm>
-        </p:grpSpPr>
-        <p:sp>
-          <p:nvSpPr>
-            <p:cNvPr id="20" name="矩形 19">
-              <a:extLst>
-                <a:ext uri="{FF2B5EF4-FFF2-40B4-BE49-F238E27FC236}">
-                  <a16:creationId xmlns:a16="http://schemas.microsoft.com/office/drawing/2014/main" id="{D92A64F1-3DC0-039D-7449-7FE6677DADA2}"/>
-                </a:ext>
-              </a:extLst>
-            </p:cNvPr>
-            <p:cNvSpPr/>
-            <p:nvPr/>
-          </p:nvSpPr>
-          <p:spPr>
-            <a:xfrm>
-              <a:off x="551659" y="2776643"/>
-              <a:ext cx="4579128" cy="793326"/>
-            </a:xfrm>
-            <a:prstGeom prst="rect">
-              <a:avLst/>
-            </a:prstGeom>
-          </p:spPr>
-          <p:style>
-            <a:lnRef idx="2">
-              <a:schemeClr val="lt1">
-                <a:hueOff val="0"/>
-                <a:satOff val="0"/>
-                <a:lumOff val="0"/>
-                <a:alphaOff val="0"/>
-              </a:schemeClr>
-            </a:lnRef>
-            <a:fillRef idx="1">
-              <a:schemeClr val="accent1">
-                <a:hueOff val="0"/>
-                <a:satOff val="0"/>
-                <a:lumOff val="0"/>
-                <a:alphaOff val="0"/>
-              </a:schemeClr>
-            </a:fillRef>
-            <a:effectRef idx="0">
-              <a:schemeClr val="accent1">
-                <a:hueOff val="0"/>
-                <a:satOff val="0"/>
-                <a:lumOff val="0"/>
-                <a:alphaOff val="0"/>
-              </a:schemeClr>
-            </a:effectRef>
-            <a:fontRef idx="minor">
-              <a:schemeClr val="lt1"/>
-            </a:fontRef>
-          </p:style>
-          <p:txBody>
-            <a:bodyPr/>
-            <a:lstStyle/>
-            <a:p>
-              <a:pPr algn="ctr"/>
-              <a:endParaRPr lang="zh-TW" altLang="en-US"/>
-            </a:p>
-          </p:txBody>
-        </p:sp>
-        <p:sp>
-          <p:nvSpPr>
-            <p:cNvPr id="21" name="文字方塊 20">
-              <a:extLst>
-                <a:ext uri="{FF2B5EF4-FFF2-40B4-BE49-F238E27FC236}">
-                  <a16:creationId xmlns:a16="http://schemas.microsoft.com/office/drawing/2014/main" id="{4788C2CB-1002-DDB8-E603-A2F01772A3C6}"/>
-                </a:ext>
-              </a:extLst>
-            </p:cNvPr>
-            <p:cNvSpPr txBox="1"/>
-            <p:nvPr/>
-          </p:nvSpPr>
-          <p:spPr>
-            <a:xfrm>
-              <a:off x="551659" y="2776643"/>
-              <a:ext cx="4579128" cy="793326"/>
-            </a:xfrm>
-            <a:prstGeom prst="rect">
-              <a:avLst/>
-            </a:prstGeom>
-          </p:spPr>
-          <p:style>
-            <a:lnRef idx="0">
-              <a:scrgbClr r="0" g="0" b="0"/>
-            </a:lnRef>
-            <a:fillRef idx="0">
-              <a:scrgbClr r="0" g="0" b="0"/>
-            </a:fillRef>
-            <a:effectRef idx="0">
-              <a:scrgbClr r="0" g="0" b="0"/>
-            </a:effectRef>
-            <a:fontRef idx="minor">
-              <a:schemeClr val="lt1"/>
-            </a:fontRef>
-          </p:style>
-          <p:txBody>
-            <a:bodyPr spcFirstLastPara="0" vert="vert270" wrap="square" lIns="629703" tIns="78740" rIns="78740" bIns="78740" numCol="1" spcCol="1270" anchor="ctr" anchorCtr="0">
-              <a:noAutofit/>
-            </a:bodyPr>
-            <a:lstStyle/>
-            <a:p>
-              <a:pPr marL="0" lvl="0" indent="0" algn="ctr" defTabSz="1377950">
-                <a:lnSpc>
-                  <a:spcPct val="90000"/>
-                </a:lnSpc>
-                <a:spcBef>
-                  <a:spcPct val="0"/>
-                </a:spcBef>
-                <a:spcAft>
-                  <a:spcPct val="35000"/>
-                </a:spcAft>
-                <a:buNone/>
-              </a:pPr>
-              <a:r>
-                <a:rPr lang="zh-TW" altLang="en-US" sz="3100" kern="1200"/>
-                <a:t>服藥提醒</a:t>
-              </a:r>
-            </a:p>
-          </p:txBody>
-        </p:sp>
-      </p:grpSp>
+          <a:prstGeom prst="homePlate">
+            <a:avLst/>
+          </a:prstGeom>
+          <a:ln>
+            <a:solidFill>
+              <a:schemeClr val="bg1"/>
+            </a:solidFill>
+          </a:ln>
+        </p:spPr>
+        <p:style>
+          <a:lnRef idx="2">
+            <a:schemeClr val="accent1">
+              <a:shade val="15000"/>
+            </a:schemeClr>
+          </a:lnRef>
+          <a:fillRef idx="1">
+            <a:schemeClr val="accent1"/>
+          </a:fillRef>
+          <a:effectRef idx="0">
+            <a:schemeClr val="accent1"/>
+          </a:effectRef>
+          <a:fontRef idx="minor">
+            <a:schemeClr val="lt1"/>
+          </a:fontRef>
+        </p:style>
+        <p:txBody>
+          <a:bodyPr rtlCol="0" anchor="ctr"/>
+          <a:lstStyle/>
+          <a:p>
+            <a:pPr lvl="0" indent="0" algn="ctr" defTabSz="1377950">
+              <a:spcBef>
+                <a:spcPct val="0"/>
+              </a:spcBef>
+              <a:buNone/>
+            </a:pPr>
+            <a:r>
+              <a:rPr lang="zh-TW" altLang="en-US" sz="3000" kern="1200" dirty="0"/>
+              <a:t>健康小知識</a:t>
+            </a:r>
+          </a:p>
+        </p:txBody>
+      </p:sp>
+      <p:sp>
+        <p:nvSpPr>
+          <p:cNvPr id="8" name="文字方塊 7">
+            <a:extLst>
+              <a:ext uri="{FF2B5EF4-FFF2-40B4-BE49-F238E27FC236}">
+                <a16:creationId xmlns:a16="http://schemas.microsoft.com/office/drawing/2014/main" id="{9C8BC229-A031-8937-C608-60462AEEE252}"/>
+              </a:ext>
+            </a:extLst>
+          </p:cNvPr>
+          <p:cNvSpPr txBox="1"/>
+          <p:nvPr/>
+        </p:nvSpPr>
+        <p:spPr>
+          <a:xfrm>
+            <a:off x="1332272" y="618699"/>
+            <a:ext cx="6105832" cy="800219"/>
+          </a:xfrm>
+          <a:prstGeom prst="rect">
+            <a:avLst/>
+          </a:prstGeom>
+          <a:noFill/>
+        </p:spPr>
+        <p:txBody>
+          <a:bodyPr wrap="square">
+            <a:spAutoFit/>
+          </a:bodyPr>
+          <a:lstStyle/>
+          <a:p>
+            <a:r>
+              <a:rPr lang="zh-TW" altLang="en-US" sz="4500" b="1" dirty="0">
+                <a:solidFill>
+                  <a:schemeClr val="bg1"/>
+                </a:solidFill>
+              </a:rPr>
+              <a:t>系統介面</a:t>
+            </a:r>
+            <a:endParaRPr lang="zh-TW" altLang="en-US" sz="4500" dirty="0">
+              <a:solidFill>
+                <a:schemeClr val="bg1"/>
+              </a:solidFill>
+            </a:endParaRPr>
+          </a:p>
+        </p:txBody>
+      </p:sp>
+      <p:sp>
+        <p:nvSpPr>
+          <p:cNvPr id="2" name="標題 1">
+            <a:extLst>
+              <a:ext uri="{FF2B5EF4-FFF2-40B4-BE49-F238E27FC236}">
+                <a16:creationId xmlns:a16="http://schemas.microsoft.com/office/drawing/2014/main" id="{D3E88BF9-71B3-4653-AABE-892F824C13C6}"/>
+              </a:ext>
+            </a:extLst>
+          </p:cNvPr>
+          <p:cNvSpPr>
+            <a:spLocks noGrp="1"/>
+          </p:cNvSpPr>
+          <p:nvPr>
+            <p:ph type="title"/>
+          </p:nvPr>
+        </p:nvSpPr>
+        <p:spPr/>
+        <p:txBody>
+          <a:bodyPr/>
+          <a:lstStyle/>
+          <a:p>
+            <a:r>
+              <a:rPr lang="zh-TW" altLang="en-US" b="1" dirty="0"/>
+              <a:t>系統介面</a:t>
+            </a:r>
+          </a:p>
+        </p:txBody>
+      </p:sp>
+      <p:sp>
+        <p:nvSpPr>
+          <p:cNvPr id="12" name="矩形 11">
+            <a:extLst>
+              <a:ext uri="{FF2B5EF4-FFF2-40B4-BE49-F238E27FC236}">
+                <a16:creationId xmlns:a16="http://schemas.microsoft.com/office/drawing/2014/main" id="{02358973-4826-19C7-6EF5-BA67C050F883}"/>
+              </a:ext>
+            </a:extLst>
+          </p:cNvPr>
+          <p:cNvSpPr/>
+          <p:nvPr/>
+        </p:nvSpPr>
+        <p:spPr>
+          <a:xfrm>
+            <a:off x="6239788" y="369000"/>
+            <a:ext cx="2828673" cy="6120000"/>
+          </a:xfrm>
+          <a:prstGeom prst="rect">
+            <a:avLst/>
+          </a:prstGeom>
+          <a:solidFill>
+            <a:srgbClr val="000000">
+              <a:alpha val="20000"/>
+            </a:srgbClr>
+          </a:solidFill>
+          <a:ln>
+            <a:noFill/>
+          </a:ln>
+        </p:spPr>
+        <p:style>
+          <a:lnRef idx="2">
+            <a:schemeClr val="accent1">
+              <a:shade val="15000"/>
+            </a:schemeClr>
+          </a:lnRef>
+          <a:fillRef idx="1">
+            <a:schemeClr val="accent1"/>
+          </a:fillRef>
+          <a:effectRef idx="0">
+            <a:schemeClr val="accent1"/>
+          </a:effectRef>
+          <a:fontRef idx="minor">
+            <a:schemeClr val="lt1"/>
+          </a:fontRef>
+        </p:style>
+        <p:txBody>
+          <a:bodyPr rtlCol="0" anchor="ctr"/>
+          <a:lstStyle/>
+          <a:p>
+            <a:pPr algn="ctr"/>
+            <a:endParaRPr lang="zh-TW" altLang="en-US"/>
+          </a:p>
+        </p:txBody>
+      </p:sp>
+      <p:pic>
+        <p:nvPicPr>
+          <p:cNvPr id="9" name="圖片 8">
+            <a:extLst>
+              <a:ext uri="{FF2B5EF4-FFF2-40B4-BE49-F238E27FC236}">
+                <a16:creationId xmlns:a16="http://schemas.microsoft.com/office/drawing/2014/main" id="{F76C3EE0-D6BE-DE0E-5C84-879A83018555}"/>
+              </a:ext>
+            </a:extLst>
+          </p:cNvPr>
+          <p:cNvPicPr>
+            <a:picLocks noChangeAspect="1"/>
+          </p:cNvPicPr>
+          <p:nvPr/>
+        </p:nvPicPr>
+        <p:blipFill rotWithShape="1">
+          <a:blip r:embed="rId2" cstate="print">
+            <a:extLst>
+              <a:ext uri="{28A0092B-C50C-407E-A947-70E740481C1C}">
+                <a14:useLocalDpi xmlns:a14="http://schemas.microsoft.com/office/drawing/2010/main" val="0"/>
+              </a:ext>
+            </a:extLst>
+          </a:blip>
+          <a:srcRect t="4508" b="41129"/>
+          <a:stretch/>
+        </p:blipFill>
+        <p:spPr bwMode="auto">
+          <a:xfrm>
+            <a:off x="8660320" y="2754125"/>
+            <a:ext cx="3366810" cy="3960000"/>
+          </a:xfrm>
+          <a:prstGeom prst="rect">
+            <a:avLst/>
+          </a:prstGeom>
+          <a:solidFill>
+            <a:srgbClr val="FFFFFF">
+              <a:shade val="85000"/>
+            </a:srgbClr>
+          </a:solidFill>
+          <a:ln w="88900" cap="sq">
+            <a:solidFill>
+              <a:srgbClr val="FFFFFF"/>
+            </a:solidFill>
+            <a:miter lim="800000"/>
+          </a:ln>
+          <a:effectLst>
+            <a:outerShdw blurRad="55000" dist="18000" dir="5400000" algn="tl" rotWithShape="0">
+              <a:srgbClr val="000000">
+                <a:alpha val="40000"/>
+              </a:srgbClr>
+            </a:outerShdw>
+          </a:effectLst>
+          <a:scene3d>
+            <a:camera prst="orthographicFront"/>
+            <a:lightRig rig="twoPt" dir="t">
+              <a:rot lat="0" lon="0" rev="7200000"/>
+            </a:lightRig>
+          </a:scene3d>
+          <a:sp3d>
+            <a:bevelT w="25400" h="19050"/>
+            <a:contourClr>
+              <a:srgbClr val="FFFFFF"/>
+            </a:contourClr>
+          </a:sp3d>
+        </p:spPr>
+      </p:pic>
+      <p:sp>
+        <p:nvSpPr>
+          <p:cNvPr id="11" name="矩形 10">
+            <a:extLst>
+              <a:ext uri="{FF2B5EF4-FFF2-40B4-BE49-F238E27FC236}">
+                <a16:creationId xmlns:a16="http://schemas.microsoft.com/office/drawing/2014/main" id="{3EADA31A-4A19-E757-5CB0-5C3944A6CC77}"/>
+              </a:ext>
+            </a:extLst>
+          </p:cNvPr>
+          <p:cNvSpPr/>
+          <p:nvPr/>
+        </p:nvSpPr>
+        <p:spPr>
+          <a:xfrm>
+            <a:off x="3098526" y="369000"/>
+            <a:ext cx="2828673" cy="6120000"/>
+          </a:xfrm>
+          <a:prstGeom prst="rect">
+            <a:avLst/>
+          </a:prstGeom>
+          <a:solidFill>
+            <a:srgbClr val="000000">
+              <a:alpha val="20000"/>
+            </a:srgbClr>
+          </a:solidFill>
+          <a:ln>
+            <a:noFill/>
+          </a:ln>
+        </p:spPr>
+        <p:style>
+          <a:lnRef idx="2">
+            <a:schemeClr val="accent1">
+              <a:shade val="15000"/>
+            </a:schemeClr>
+          </a:lnRef>
+          <a:fillRef idx="1">
+            <a:schemeClr val="accent1"/>
+          </a:fillRef>
+          <a:effectRef idx="0">
+            <a:schemeClr val="accent1"/>
+          </a:effectRef>
+          <a:fontRef idx="minor">
+            <a:schemeClr val="lt1"/>
+          </a:fontRef>
+        </p:style>
+        <p:txBody>
+          <a:bodyPr rtlCol="0" anchor="ctr"/>
+          <a:lstStyle/>
+          <a:p>
+            <a:pPr algn="ctr"/>
+            <a:endParaRPr lang="zh-TW" altLang="en-US"/>
+          </a:p>
+        </p:txBody>
+      </p:sp>
+      <p:pic>
+        <p:nvPicPr>
+          <p:cNvPr id="10" name="圖片 9">
+            <a:extLst>
+              <a:ext uri="{FF2B5EF4-FFF2-40B4-BE49-F238E27FC236}">
+                <a16:creationId xmlns:a16="http://schemas.microsoft.com/office/drawing/2014/main" id="{9B4F30DA-6D2D-B854-5434-5C4291AAA183}"/>
+              </a:ext>
+            </a:extLst>
+          </p:cNvPr>
+          <p:cNvPicPr>
+            <a:picLocks noChangeAspect="1"/>
+          </p:cNvPicPr>
+          <p:nvPr/>
+        </p:nvPicPr>
+        <p:blipFill rotWithShape="1">
+          <a:blip r:embed="rId3" cstate="print">
+            <a:extLst>
+              <a:ext uri="{28A0092B-C50C-407E-A947-70E740481C1C}">
+                <a14:useLocalDpi xmlns:a14="http://schemas.microsoft.com/office/drawing/2010/main" val="0"/>
+              </a:ext>
+            </a:extLst>
+          </a:blip>
+          <a:srcRect t="4081" b="46711"/>
+          <a:stretch/>
+        </p:blipFill>
+        <p:spPr bwMode="auto">
+          <a:xfrm>
+            <a:off x="897258" y="3130523"/>
+            <a:ext cx="3366000" cy="3583602"/>
+          </a:xfrm>
+          <a:prstGeom prst="rect">
+            <a:avLst/>
+          </a:prstGeom>
+          <a:solidFill>
+            <a:srgbClr val="FFFFFF">
+              <a:shade val="85000"/>
+            </a:srgbClr>
+          </a:solidFill>
+          <a:ln w="88900" cap="sq">
+            <a:solidFill>
+              <a:srgbClr val="FFFFFF"/>
+            </a:solidFill>
+            <a:miter lim="800000"/>
+          </a:ln>
+          <a:effectLst>
+            <a:outerShdw blurRad="55000" dist="18000" dir="5400000" algn="tl" rotWithShape="0">
+              <a:srgbClr val="000000">
+                <a:alpha val="40000"/>
+              </a:srgbClr>
+            </a:outerShdw>
+          </a:effectLst>
+          <a:scene3d>
+            <a:camera prst="orthographicFront"/>
+            <a:lightRig rig="twoPt" dir="t">
+              <a:rot lat="0" lon="0" rev="7200000"/>
+            </a:lightRig>
+          </a:scene3d>
+          <a:sp3d>
+            <a:bevelT w="25400" h="19050"/>
+            <a:contourClr>
+              <a:srgbClr val="FFFFFF"/>
+            </a:contourClr>
+          </a:sp3d>
+        </p:spPr>
+      </p:pic>
     </p:spTree>
     <p:extLst>
       <p:ext uri="{BB962C8B-B14F-4D97-AF65-F5344CB8AC3E}">

--- a/LINE在電商領域能提出之新功能.pptx
+++ b/LINE在電商領域能提出之新功能.pptx
@@ -18182,6 +18182,14 @@
 <file path=ppt/slides/slide1.xml><?xml version="1.0" encoding="utf-8"?>
 <p:sld xmlns:a="http://schemas.openxmlformats.org/drawingml/2006/main" xmlns:r="http://schemas.openxmlformats.org/officeDocument/2006/relationships" xmlns:p="http://schemas.openxmlformats.org/presentationml/2006/main">
   <p:cSld>
+    <p:bg>
+      <p:bgPr>
+        <a:solidFill>
+          <a:schemeClr val="bg1"/>
+        </a:solidFill>
+        <a:effectLst/>
+      </p:bgPr>
+    </p:bg>
     <p:spTree>
       <p:nvGrpSpPr>
         <p:cNvPr id="1" name=""/>
@@ -18372,6 +18380,14 @@
 <file path=ppt/slides/slide10.xml><?xml version="1.0" encoding="utf-8"?>
 <p:sld xmlns:a="http://schemas.openxmlformats.org/drawingml/2006/main" xmlns:r="http://schemas.openxmlformats.org/officeDocument/2006/relationships" xmlns:p="http://schemas.openxmlformats.org/presentationml/2006/main">
   <p:cSld>
+    <p:bg>
+      <p:bgPr>
+        <a:solidFill>
+          <a:schemeClr val="bg1"/>
+        </a:solidFill>
+        <a:effectLst/>
+      </p:bgPr>
+    </p:bg>
     <p:spTree>
       <p:nvGrpSpPr>
         <p:cNvPr id="1" name=""/>
@@ -19118,6 +19134,14 @@
 <file path=ppt/slides/slide11.xml><?xml version="1.0" encoding="utf-8"?>
 <p:sld xmlns:a="http://schemas.openxmlformats.org/drawingml/2006/main" xmlns:r="http://schemas.openxmlformats.org/officeDocument/2006/relationships" xmlns:p="http://schemas.openxmlformats.org/presentationml/2006/main">
   <p:cSld>
+    <p:bg>
+      <p:bgPr>
+        <a:solidFill>
+          <a:schemeClr val="bg1"/>
+        </a:solidFill>
+        <a:effectLst/>
+      </p:bgPr>
+    </p:bg>
     <p:spTree>
       <p:nvGrpSpPr>
         <p:cNvPr id="1" name=""/>
@@ -19323,6 +19347,14 @@
 <file path=ppt/slides/slide12.xml><?xml version="1.0" encoding="utf-8"?>
 <p:sld xmlns:a="http://schemas.openxmlformats.org/drawingml/2006/main" xmlns:r="http://schemas.openxmlformats.org/officeDocument/2006/relationships" xmlns:p="http://schemas.openxmlformats.org/presentationml/2006/main">
   <p:cSld>
+    <p:bg>
+      <p:bgPr>
+        <a:solidFill>
+          <a:schemeClr val="bg1"/>
+        </a:solidFill>
+        <a:effectLst/>
+      </p:bgPr>
+    </p:bg>
     <p:spTree>
       <p:nvGrpSpPr>
         <p:cNvPr id="1" name=""/>
@@ -19462,6 +19494,14 @@
 <file path=ppt/slides/slide13.xml><?xml version="1.0" encoding="utf-8"?>
 <p:sld xmlns:a="http://schemas.openxmlformats.org/drawingml/2006/main" xmlns:r="http://schemas.openxmlformats.org/officeDocument/2006/relationships" xmlns:p="http://schemas.openxmlformats.org/presentationml/2006/main">
   <p:cSld>
+    <p:bg>
+      <p:bgPr>
+        <a:solidFill>
+          <a:schemeClr val="bg1"/>
+        </a:solidFill>
+        <a:effectLst/>
+      </p:bgPr>
+    </p:bg>
     <p:spTree>
       <p:nvGrpSpPr>
         <p:cNvPr id="1" name=""/>
@@ -19601,6 +19641,14 @@
 <file path=ppt/slides/slide14.xml><?xml version="1.0" encoding="utf-8"?>
 <p:sld xmlns:a="http://schemas.openxmlformats.org/drawingml/2006/main" xmlns:r="http://schemas.openxmlformats.org/officeDocument/2006/relationships" xmlns:p="http://schemas.openxmlformats.org/presentationml/2006/main">
   <p:cSld>
+    <p:bg>
+      <p:bgPr>
+        <a:solidFill>
+          <a:schemeClr val="bg1"/>
+        </a:solidFill>
+        <a:effectLst/>
+      </p:bgPr>
+    </p:bg>
     <p:spTree>
       <p:nvGrpSpPr>
         <p:cNvPr id="1" name=""/>
@@ -19722,14 +19770,14 @@
   <p:clrMapOvr>
     <a:masterClrMapping/>
   </p:clrMapOvr>
-  <mc:AlternateContent xmlns:mc="http://schemas.openxmlformats.org/markup-compatibility/2006" xmlns:p159="http://schemas.microsoft.com/office/powerpoint/2015/09/main">
-    <mc:Choice Requires="p159">
-      <p:transition xmlns:p14="http://schemas.microsoft.com/office/powerpoint/2010/main" spd="slow" p14:dur="2000">
-        <p159:morph option="byObject"/>
+  <mc:AlternateContent xmlns:mc="http://schemas.openxmlformats.org/markup-compatibility/2006">
+    <mc:Choice xmlns:p14="http://schemas.microsoft.com/office/powerpoint/2010/main" Requires="p14">
+      <p:transition spd="med" p14:dur="700">
+        <p:fade/>
       </p:transition>
     </mc:Choice>
-    <mc:Fallback xmlns="">
-      <p:transition spd="slow">
+    <mc:Fallback>
+      <p:transition spd="med">
         <p:fade/>
       </p:transition>
     </mc:Fallback>
@@ -19740,6 +19788,14 @@
 <file path=ppt/slides/slide15.xml><?xml version="1.0" encoding="utf-8"?>
 <p:sld xmlns:a="http://schemas.openxmlformats.org/drawingml/2006/main" xmlns:r="http://schemas.openxmlformats.org/officeDocument/2006/relationships" xmlns:p="http://schemas.openxmlformats.org/presentationml/2006/main">
   <p:cSld>
+    <p:bg>
+      <p:bgPr>
+        <a:solidFill>
+          <a:schemeClr val="bg1"/>
+        </a:solidFill>
+        <a:effectLst/>
+      </p:bgPr>
+    </p:bg>
     <p:spTree>
       <p:nvGrpSpPr>
         <p:cNvPr id="1" name=""/>
@@ -19861,14 +19917,14 @@
   <p:clrMapOvr>
     <a:masterClrMapping/>
   </p:clrMapOvr>
-  <mc:AlternateContent xmlns:mc="http://schemas.openxmlformats.org/markup-compatibility/2006" xmlns:p159="http://schemas.microsoft.com/office/powerpoint/2015/09/main">
-    <mc:Choice Requires="p159">
-      <p:transition xmlns:p14="http://schemas.microsoft.com/office/powerpoint/2010/main" spd="slow" p14:dur="2000">
-        <p159:morph option="byObject"/>
+  <mc:AlternateContent xmlns:mc="http://schemas.openxmlformats.org/markup-compatibility/2006">
+    <mc:Choice xmlns:p14="http://schemas.microsoft.com/office/powerpoint/2010/main" Requires="p14">
+      <p:transition spd="med" p14:dur="700">
+        <p:fade/>
       </p:transition>
     </mc:Choice>
-    <mc:Fallback xmlns="">
-      <p:transition spd="slow">
+    <mc:Fallback>
+      <p:transition spd="med">
         <p:fade/>
       </p:transition>
     </mc:Fallback>
@@ -19879,6 +19935,14 @@
 <file path=ppt/slides/slide16.xml><?xml version="1.0" encoding="utf-8"?>
 <p:sld xmlns:a="http://schemas.openxmlformats.org/drawingml/2006/main" xmlns:r="http://schemas.openxmlformats.org/officeDocument/2006/relationships" xmlns:p="http://schemas.openxmlformats.org/presentationml/2006/main">
   <p:cSld>
+    <p:bg>
+      <p:bgPr>
+        <a:solidFill>
+          <a:schemeClr val="bg1"/>
+        </a:solidFill>
+        <a:effectLst/>
+      </p:bgPr>
+    </p:bg>
     <p:spTree>
       <p:nvGrpSpPr>
         <p:cNvPr id="1" name=""/>
@@ -20412,6 +20476,14 @@
 <file path=ppt/slides/slide17.xml><?xml version="1.0" encoding="utf-8"?>
 <p:sld xmlns:a="http://schemas.openxmlformats.org/drawingml/2006/main" xmlns:r="http://schemas.openxmlformats.org/officeDocument/2006/relationships" xmlns:p="http://schemas.openxmlformats.org/presentationml/2006/main">
   <p:cSld>
+    <p:bg>
+      <p:bgPr>
+        <a:solidFill>
+          <a:schemeClr val="bg1"/>
+        </a:solidFill>
+        <a:effectLst/>
+      </p:bgPr>
+    </p:bg>
     <p:spTree>
       <p:nvGrpSpPr>
         <p:cNvPr id="1" name=""/>
@@ -20883,6 +20955,14 @@
 <file path=ppt/slides/slide18.xml><?xml version="1.0" encoding="utf-8"?>
 <p:sld xmlns:a="http://schemas.openxmlformats.org/drawingml/2006/main" xmlns:r="http://schemas.openxmlformats.org/officeDocument/2006/relationships" xmlns:p="http://schemas.openxmlformats.org/presentationml/2006/main">
   <p:cSld>
+    <p:bg>
+      <p:bgPr>
+        <a:solidFill>
+          <a:schemeClr val="bg1"/>
+        </a:solidFill>
+        <a:effectLst/>
+      </p:bgPr>
+    </p:bg>
     <p:spTree>
       <p:nvGrpSpPr>
         <p:cNvPr id="1" name=""/>
@@ -21362,6 +21442,14 @@
 <file path=ppt/slides/slide19.xml><?xml version="1.0" encoding="utf-8"?>
 <p:sld xmlns:a="http://schemas.openxmlformats.org/drawingml/2006/main" xmlns:r="http://schemas.openxmlformats.org/officeDocument/2006/relationships" xmlns:p="http://schemas.openxmlformats.org/presentationml/2006/main">
   <p:cSld>
+    <p:bg>
+      <p:bgPr>
+        <a:solidFill>
+          <a:schemeClr val="bg1"/>
+        </a:solidFill>
+        <a:effectLst/>
+      </p:bgPr>
+    </p:bg>
     <p:spTree>
       <p:nvGrpSpPr>
         <p:cNvPr id="1" name=""/>
@@ -21819,6 +21907,14 @@
 <file path=ppt/slides/slide2.xml><?xml version="1.0" encoding="utf-8"?>
 <p:sld xmlns:a="http://schemas.openxmlformats.org/drawingml/2006/main" xmlns:r="http://schemas.openxmlformats.org/officeDocument/2006/relationships" xmlns:p="http://schemas.openxmlformats.org/presentationml/2006/main">
   <p:cSld>
+    <p:bg>
+      <p:bgPr>
+        <a:solidFill>
+          <a:schemeClr val="bg1"/>
+        </a:solidFill>
+        <a:effectLst/>
+      </p:bgPr>
+    </p:bg>
     <p:spTree>
       <p:nvGrpSpPr>
         <p:cNvPr id="1" name=""/>
@@ -22119,6 +22215,14 @@
 <file path=ppt/slides/slide20.xml><?xml version="1.0" encoding="utf-8"?>
 <p:sld xmlns:a="http://schemas.openxmlformats.org/drawingml/2006/main" xmlns:r="http://schemas.openxmlformats.org/officeDocument/2006/relationships" xmlns:p="http://schemas.openxmlformats.org/presentationml/2006/main">
   <p:cSld>
+    <p:bg>
+      <p:bgPr>
+        <a:solidFill>
+          <a:schemeClr val="bg1"/>
+        </a:solidFill>
+        <a:effectLst/>
+      </p:bgPr>
+    </p:bg>
     <p:spTree>
       <p:nvGrpSpPr>
         <p:cNvPr id="1" name=""/>
@@ -22465,7 +22569,7 @@
         </p:blipFill>
         <p:spPr bwMode="auto">
           <a:xfrm>
-            <a:off x="4807618" y="1742206"/>
+            <a:off x="4697379" y="684187"/>
             <a:ext cx="2162334" cy="4681005"/>
           </a:xfrm>
           <a:prstGeom prst="rect">
@@ -22506,7 +22610,7 @@
         </p:blipFill>
         <p:spPr bwMode="auto">
           <a:xfrm>
-            <a:off x="6956854" y="1285718"/>
+            <a:off x="7029642" y="684188"/>
             <a:ext cx="2162334" cy="4681005"/>
           </a:xfrm>
           <a:prstGeom prst="rect">
@@ -22547,7 +22651,7 @@
         </p:blipFill>
         <p:spPr bwMode="auto">
           <a:xfrm>
-            <a:off x="9119188" y="845736"/>
+            <a:off x="9361905" y="685800"/>
             <a:ext cx="2162334" cy="4681005"/>
           </a:xfrm>
           <a:prstGeom prst="rect">
@@ -22658,6 +22762,14 @@
 <file path=ppt/slides/slide21.xml><?xml version="1.0" encoding="utf-8"?>
 <p:sld xmlns:a="http://schemas.openxmlformats.org/drawingml/2006/main" xmlns:r="http://schemas.openxmlformats.org/officeDocument/2006/relationships" xmlns:p="http://schemas.openxmlformats.org/presentationml/2006/main">
   <p:cSld>
+    <p:bg>
+      <p:bgPr>
+        <a:solidFill>
+          <a:schemeClr val="bg1"/>
+        </a:solidFill>
+        <a:effectLst/>
+      </p:bgPr>
+    </p:bg>
     <p:spTree>
       <p:nvGrpSpPr>
         <p:cNvPr id="1" name=""/>
@@ -23102,6 +23214,14 @@
 <file path=ppt/slides/slide22.xml><?xml version="1.0" encoding="utf-8"?>
 <p:sld xmlns:a="http://schemas.openxmlformats.org/drawingml/2006/main" xmlns:r="http://schemas.openxmlformats.org/officeDocument/2006/relationships" xmlns:p="http://schemas.openxmlformats.org/presentationml/2006/main">
   <p:cSld>
+    <p:bg>
+      <p:bgPr>
+        <a:solidFill>
+          <a:schemeClr val="bg1"/>
+        </a:solidFill>
+        <a:effectLst/>
+      </p:bgPr>
+    </p:bg>
     <p:spTree>
       <p:nvGrpSpPr>
         <p:cNvPr id="1" name=""/>
@@ -23393,6 +23513,14 @@
 <file path=ppt/slides/slide23.xml><?xml version="1.0" encoding="utf-8"?>
 <p:sld xmlns:a="http://schemas.openxmlformats.org/drawingml/2006/main" xmlns:r="http://schemas.openxmlformats.org/officeDocument/2006/relationships" xmlns:p="http://schemas.openxmlformats.org/presentationml/2006/main">
   <p:cSld>
+    <p:bg>
+      <p:bgPr>
+        <a:solidFill>
+          <a:schemeClr val="bg1"/>
+        </a:solidFill>
+        <a:effectLst/>
+      </p:bgPr>
+    </p:bg>
     <p:spTree>
       <p:nvGrpSpPr>
         <p:cNvPr id="1" name=""/>
@@ -24841,6 +24969,14 @@
 <file path=ppt/slides/slide24.xml><?xml version="1.0" encoding="utf-8"?>
 <p:sld xmlns:a="http://schemas.openxmlformats.org/drawingml/2006/main" xmlns:r="http://schemas.openxmlformats.org/officeDocument/2006/relationships" xmlns:p="http://schemas.openxmlformats.org/presentationml/2006/main">
   <p:cSld>
+    <p:bg>
+      <p:bgPr>
+        <a:solidFill>
+          <a:schemeClr val="bg1"/>
+        </a:solidFill>
+        <a:effectLst/>
+      </p:bgPr>
+    </p:bg>
     <p:spTree>
       <p:nvGrpSpPr>
         <p:cNvPr id="1" name=""/>
@@ -25000,6 +25136,14 @@
 <file path=ppt/slides/slide25.xml><?xml version="1.0" encoding="utf-8"?>
 <p:sld xmlns:a="http://schemas.openxmlformats.org/drawingml/2006/main" xmlns:r="http://schemas.openxmlformats.org/officeDocument/2006/relationships" xmlns:p="http://schemas.openxmlformats.org/presentationml/2006/main">
   <p:cSld>
+    <p:bg>
+      <p:bgPr>
+        <a:solidFill>
+          <a:schemeClr val="bg1"/>
+        </a:solidFill>
+        <a:effectLst/>
+      </p:bgPr>
+    </p:bg>
     <p:spTree>
       <p:nvGrpSpPr>
         <p:cNvPr id="1" name=""/>
@@ -25159,6 +25303,14 @@
 <file path=ppt/slides/slide26.xml><?xml version="1.0" encoding="utf-8"?>
 <p:sld xmlns:a="http://schemas.openxmlformats.org/drawingml/2006/main" xmlns:r="http://schemas.openxmlformats.org/officeDocument/2006/relationships" xmlns:p="http://schemas.openxmlformats.org/presentationml/2006/main">
   <p:cSld>
+    <p:bg>
+      <p:bgPr>
+        <a:solidFill>
+          <a:schemeClr val="bg1"/>
+        </a:solidFill>
+        <a:effectLst/>
+      </p:bgPr>
+    </p:bg>
     <p:spTree>
       <p:nvGrpSpPr>
         <p:cNvPr id="1" name=""/>
@@ -25332,6 +25484,14 @@
 <file path=ppt/slides/slide27.xml><?xml version="1.0" encoding="utf-8"?>
 <p:sld xmlns:a="http://schemas.openxmlformats.org/drawingml/2006/main" xmlns:r="http://schemas.openxmlformats.org/officeDocument/2006/relationships" xmlns:p="http://schemas.openxmlformats.org/presentationml/2006/main">
   <p:cSld>
+    <p:bg>
+      <p:bgPr>
+        <a:solidFill>
+          <a:schemeClr val="bg1"/>
+        </a:solidFill>
+        <a:effectLst/>
+      </p:bgPr>
+    </p:bg>
     <p:spTree>
       <p:nvGrpSpPr>
         <p:cNvPr id="1" name=""/>
@@ -25475,6 +25635,14 @@
 <file path=ppt/slides/slide28.xml><?xml version="1.0" encoding="utf-8"?>
 <p:sld xmlns:a="http://schemas.openxmlformats.org/drawingml/2006/main" xmlns:r="http://schemas.openxmlformats.org/officeDocument/2006/relationships" xmlns:p="http://schemas.openxmlformats.org/presentationml/2006/main">
   <p:cSld>
+    <p:bg>
+      <p:bgPr>
+        <a:solidFill>
+          <a:schemeClr val="bg1"/>
+        </a:solidFill>
+        <a:effectLst/>
+      </p:bgPr>
+    </p:bg>
     <p:spTree>
       <p:nvGrpSpPr>
         <p:cNvPr id="1" name=""/>
@@ -26788,6 +26956,14 @@
 <file path=ppt/slides/slide3.xml><?xml version="1.0" encoding="utf-8"?>
 <p:sld xmlns:a="http://schemas.openxmlformats.org/drawingml/2006/main" xmlns:r="http://schemas.openxmlformats.org/officeDocument/2006/relationships" xmlns:p="http://schemas.openxmlformats.org/presentationml/2006/main">
   <p:cSld>
+    <p:bg>
+      <p:bgPr>
+        <a:solidFill>
+          <a:schemeClr val="bg1"/>
+        </a:solidFill>
+        <a:effectLst/>
+      </p:bgPr>
+    </p:bg>
     <p:spTree>
       <p:nvGrpSpPr>
         <p:cNvPr id="1" name=""/>
@@ -28074,6 +28250,14 @@
 <file path=ppt/slides/slide4.xml><?xml version="1.0" encoding="utf-8"?>
 <p:sld xmlns:a="http://schemas.openxmlformats.org/drawingml/2006/main" xmlns:r="http://schemas.openxmlformats.org/officeDocument/2006/relationships" xmlns:p="http://schemas.openxmlformats.org/presentationml/2006/main">
   <p:cSld>
+    <p:bg>
+      <p:bgPr>
+        <a:solidFill>
+          <a:schemeClr val="bg1"/>
+        </a:solidFill>
+        <a:effectLst/>
+      </p:bgPr>
+    </p:bg>
     <p:spTree>
       <p:nvGrpSpPr>
         <p:cNvPr id="1" name=""/>
@@ -28579,11 +28763,17 @@
           <a:p>
             <a:r>
               <a:rPr lang="zh-TW" altLang="en-US" b="1" dirty="0">
+                <a:solidFill>
+                  <a:schemeClr val="tx1"/>
+                </a:solidFill>
                 <a:latin typeface="微軟正黑體 (本文)"/>
               </a:rPr>
               <a:t>研究方法與途徑</a:t>
             </a:r>
             <a:endParaRPr lang="en-US" altLang="zh-TW" b="1" dirty="0">
+              <a:solidFill>
+                <a:schemeClr val="tx1"/>
+              </a:solidFill>
               <a:latin typeface="微軟正黑體 (本文)"/>
             </a:endParaRPr>
           </a:p>
@@ -28598,11 +28788,17 @@
             </a:pPr>
             <a:r>
               <a:rPr lang="zh-TW" altLang="en-US" i="0" dirty="0">
+                <a:solidFill>
+                  <a:schemeClr val="tx1"/>
+                </a:solidFill>
                 <a:latin typeface="微軟正黑體 (本文)"/>
               </a:rPr>
               <a:t>市場份額調查</a:t>
             </a:r>
             <a:endParaRPr lang="en-US" altLang="zh-TW" i="0" dirty="0">
+              <a:solidFill>
+                <a:schemeClr val="tx1"/>
+              </a:solidFill>
               <a:latin typeface="微軟正黑體 (本文)"/>
             </a:endParaRPr>
           </a:p>
@@ -28614,11 +28810,17 @@
             </a:pPr>
             <a:r>
               <a:rPr lang="zh-TW" altLang="en-US" i="0" dirty="0">
+                <a:solidFill>
+                  <a:schemeClr val="tx1"/>
+                </a:solidFill>
                 <a:latin typeface="微軟正黑體 (本文)"/>
               </a:rPr>
               <a:t>用戶調查</a:t>
             </a:r>
             <a:endParaRPr lang="en-US" altLang="zh-TW" i="0" dirty="0">
+              <a:solidFill>
+                <a:schemeClr val="tx1"/>
+              </a:solidFill>
               <a:latin typeface="微軟正黑體 (本文)"/>
             </a:endParaRPr>
           </a:p>
@@ -28630,11 +28832,17 @@
             </a:pPr>
             <a:r>
               <a:rPr lang="zh-TW" altLang="en-US" i="0" dirty="0">
+                <a:solidFill>
+                  <a:schemeClr val="tx1"/>
+                </a:solidFill>
                 <a:latin typeface="微軟正黑體 (本文)"/>
               </a:rPr>
               <a:t>商業合作案例分析</a:t>
             </a:r>
             <a:endParaRPr lang="en-US" altLang="zh-TW" i="0" dirty="0">
+              <a:solidFill>
+                <a:schemeClr val="tx1"/>
+              </a:solidFill>
               <a:latin typeface="微軟正黑體 (本文)"/>
             </a:endParaRPr>
           </a:p>
@@ -28646,11 +28854,17 @@
             </a:pPr>
             <a:r>
               <a:rPr lang="zh-TW" altLang="en-US" i="0" dirty="0">
+                <a:solidFill>
+                  <a:schemeClr val="tx1"/>
+                </a:solidFill>
                 <a:latin typeface="微軟正黑體 (本文)"/>
               </a:rPr>
               <a:t>支付系統比較</a:t>
             </a:r>
             <a:endParaRPr lang="en-US" altLang="zh-TW" i="0" dirty="0">
+              <a:solidFill>
+                <a:schemeClr val="tx1"/>
+              </a:solidFill>
               <a:latin typeface="微軟正黑體 (本文)"/>
             </a:endParaRPr>
           </a:p>
@@ -28662,6 +28876,9 @@
             </a:pPr>
             <a:r>
               <a:rPr lang="zh-TW" altLang="en-US" i="0" dirty="0">
+                <a:solidFill>
+                  <a:schemeClr val="tx1"/>
+                </a:solidFill>
                 <a:latin typeface="微軟正黑體 (本文)"/>
               </a:rPr>
               <a:t>隱私與安全比較</a:t>
@@ -28890,11 +29107,17 @@
           <a:p>
             <a:r>
               <a:rPr lang="zh-TW" altLang="en-US" b="1" dirty="0">
+                <a:solidFill>
+                  <a:schemeClr val="tx1"/>
+                </a:solidFill>
                 <a:latin typeface="微軟正黑體 (本文)"/>
               </a:rPr>
               <a:t>預期結果與報告價值</a:t>
             </a:r>
             <a:endParaRPr lang="en-US" altLang="zh-TW" b="1" dirty="0">
+              <a:solidFill>
+                <a:schemeClr val="tx1"/>
+              </a:solidFill>
               <a:latin typeface="微軟正黑體 (本文)"/>
             </a:endParaRPr>
           </a:p>
@@ -28907,30 +29130,45 @@
             </a:pPr>
             <a:r>
               <a:rPr lang="zh-TW" altLang="en-US" dirty="0">
+                <a:solidFill>
+                  <a:schemeClr val="tx1"/>
+                </a:solidFill>
                 <a:latin typeface="微軟正黑體 (本文)"/>
               </a:rPr>
               <a:t>透過比較分析，探討</a:t>
             </a:r>
             <a:r>
               <a:rPr lang="en-US" altLang="zh-TW" dirty="0">
+                <a:solidFill>
+                  <a:schemeClr val="tx1"/>
+                </a:solidFill>
                 <a:latin typeface="微軟正黑體 (本文)"/>
               </a:rPr>
               <a:t>LINE</a:t>
             </a:r>
             <a:r>
               <a:rPr lang="zh-TW" altLang="en-US" dirty="0">
+                <a:solidFill>
+                  <a:schemeClr val="tx1"/>
+                </a:solidFill>
                 <a:latin typeface="微軟正黑體 (本文)"/>
               </a:rPr>
               <a:t>醫療新功能對電商市場格局及用戶行為的影響。本研究期望清晰揭示新功能與現有市場主要平台的區別，並關注其對用戶醫療體驗和機構策略的潛在改變。這將為未來醫療電商提供價值，協助用戶和機構更明智地利用</a:t>
             </a:r>
             <a:r>
               <a:rPr lang="en-US" altLang="zh-TW" dirty="0">
+                <a:solidFill>
+                  <a:schemeClr val="tx1"/>
+                </a:solidFill>
                 <a:latin typeface="微軟正黑體 (本文)"/>
               </a:rPr>
               <a:t>LINE</a:t>
             </a:r>
             <a:r>
               <a:rPr lang="zh-TW" altLang="en-US" dirty="0">
+                <a:solidFill>
+                  <a:schemeClr val="tx1"/>
+                </a:solidFill>
                 <a:latin typeface="微軟正黑體 (本文)"/>
               </a:rPr>
               <a:t>醫療平台。</a:t>
@@ -28966,6 +29204,14 @@
 <file path=ppt/slides/slide5.xml><?xml version="1.0" encoding="utf-8"?>
 <p:sld xmlns:a="http://schemas.openxmlformats.org/drawingml/2006/main" xmlns:r="http://schemas.openxmlformats.org/officeDocument/2006/relationships" xmlns:p="http://schemas.openxmlformats.org/presentationml/2006/main">
   <p:cSld>
+    <p:bg>
+      <p:bgPr>
+        <a:solidFill>
+          <a:schemeClr val="bg1"/>
+        </a:solidFill>
+        <a:effectLst/>
+      </p:bgPr>
+    </p:bg>
     <p:spTree>
       <p:nvGrpSpPr>
         <p:cNvPr id="1" name=""/>
@@ -29387,6 +29633,14 @@
 <file path=ppt/slides/slide6.xml><?xml version="1.0" encoding="utf-8"?>
 <p:sld xmlns:a="http://schemas.openxmlformats.org/drawingml/2006/main" xmlns:r="http://schemas.openxmlformats.org/officeDocument/2006/relationships" xmlns:p="http://schemas.openxmlformats.org/presentationml/2006/main">
   <p:cSld>
+    <p:bg>
+      <p:bgPr>
+        <a:solidFill>
+          <a:schemeClr val="bg1"/>
+        </a:solidFill>
+        <a:effectLst/>
+      </p:bgPr>
+    </p:bg>
     <p:spTree>
       <p:nvGrpSpPr>
         <p:cNvPr id="1" name=""/>
@@ -29626,6 +29880,14 @@
 <file path=ppt/slides/slide7.xml><?xml version="1.0" encoding="utf-8"?>
 <p:sld xmlns:a="http://schemas.openxmlformats.org/drawingml/2006/main" xmlns:r="http://schemas.openxmlformats.org/officeDocument/2006/relationships" xmlns:p="http://schemas.openxmlformats.org/presentationml/2006/main">
   <p:cSld>
+    <p:bg>
+      <p:bgPr>
+        <a:solidFill>
+          <a:schemeClr val="bg1"/>
+        </a:solidFill>
+        <a:effectLst/>
+      </p:bgPr>
+    </p:bg>
     <p:spTree>
       <p:nvGrpSpPr>
         <p:cNvPr id="1" name=""/>
@@ -29889,6 +30151,14 @@
 <file path=ppt/slides/slide8.xml><?xml version="1.0" encoding="utf-8"?>
 <p:sld xmlns:a="http://schemas.openxmlformats.org/drawingml/2006/main" xmlns:r="http://schemas.openxmlformats.org/officeDocument/2006/relationships" xmlns:p="http://schemas.openxmlformats.org/presentationml/2006/main">
   <p:cSld>
+    <p:bg>
+      <p:bgPr>
+        <a:solidFill>
+          <a:schemeClr val="bg1"/>
+        </a:solidFill>
+        <a:effectLst/>
+      </p:bgPr>
+    </p:bg>
     <p:spTree>
       <p:nvGrpSpPr>
         <p:cNvPr id="1" name=""/>
@@ -30041,6 +30311,14 @@
 <file path=ppt/slides/slide9.xml><?xml version="1.0" encoding="utf-8"?>
 <p:sld xmlns:a="http://schemas.openxmlformats.org/drawingml/2006/main" xmlns:r="http://schemas.openxmlformats.org/officeDocument/2006/relationships" xmlns:p="http://schemas.openxmlformats.org/presentationml/2006/main">
   <p:cSld>
+    <p:bg>
+      <p:bgPr>
+        <a:solidFill>
+          <a:schemeClr val="bg1"/>
+        </a:solidFill>
+        <a:effectLst/>
+      </p:bgPr>
+    </p:bg>
     <p:spTree>
       <p:nvGrpSpPr>
         <p:cNvPr id="1" name=""/>

--- a/LINE在電商領域能提出之新功能.pptx
+++ b/LINE在電商領域能提出之新功能.pptx
@@ -4350,6 +4350,7 @@
       <dgm:spPr>
         <a:solidFill>
           <a:schemeClr val="bg1">
+            <a:lumMod val="95000"/>
             <a:alpha val="55000"/>
           </a:schemeClr>
         </a:solidFill>
@@ -4396,6 +4397,7 @@
       <dgm:spPr>
         <a:solidFill>
           <a:schemeClr val="bg1">
+            <a:lumMod val="95000"/>
             <a:alpha val="55000"/>
           </a:schemeClr>
         </a:solidFill>
@@ -4554,9 +4556,10 @@
       <dgm:prSet phldrT="[文字]" custT="1"/>
       <dgm:spPr>
         <a:solidFill>
-          <a:prstClr val="white">
+          <a:schemeClr val="bg1">
+            <a:lumMod val="95000"/>
             <a:alpha val="55000"/>
-          </a:prstClr>
+          </a:schemeClr>
         </a:solidFill>
         <a:ln w="34925" cap="flat" cmpd="sng" algn="in">
           <a:noFill/>
@@ -4602,9 +4605,10 @@
       <dgm:prSet phldrT="[文字]" custT="1"/>
       <dgm:spPr>
         <a:solidFill>
-          <a:prstClr val="white">
+          <a:schemeClr val="bg1">
+            <a:lumMod val="95000"/>
             <a:alpha val="55000"/>
-          </a:prstClr>
+          </a:schemeClr>
         </a:solidFill>
         <a:ln w="34925" cap="flat" cmpd="sng" algn="in">
           <a:noFill/>
@@ -4650,9 +4654,10 @@
       <dgm:prSet phldrT="[文字]" custT="1"/>
       <dgm:spPr>
         <a:solidFill>
-          <a:prstClr val="white">
+          <a:schemeClr val="bg1">
+            <a:lumMod val="95000"/>
             <a:alpha val="55000"/>
-          </a:prstClr>
+          </a:schemeClr>
         </a:solidFill>
         <a:ln w="34925" cap="flat" cmpd="sng" algn="in">
           <a:noFill/>
@@ -4698,9 +4703,10 @@
       <dgm:prSet phldrT="[文字]" custT="1"/>
       <dgm:spPr>
         <a:solidFill>
-          <a:prstClr val="white">
+          <a:schemeClr val="bg1">
+            <a:lumMod val="95000"/>
             <a:alpha val="55000"/>
-          </a:prstClr>
+          </a:schemeClr>
         </a:solidFill>
         <a:ln w="34925" cap="flat" cmpd="sng" algn="in">
           <a:noFill/>
@@ -4871,9 +4877,10 @@
       <dgm:prSet phldrT="[文字]" custT="1"/>
       <dgm:spPr>
         <a:solidFill>
-          <a:prstClr val="white">
+          <a:schemeClr val="bg1">
+            <a:lumMod val="95000"/>
             <a:alpha val="55000"/>
-          </a:prstClr>
+          </a:schemeClr>
         </a:solidFill>
         <a:ln w="34925" cap="flat" cmpd="sng" algn="in">
           <a:noFill/>
@@ -4916,9 +4923,10 @@
       <dgm:prSet phldrT="[文字]" custT="1"/>
       <dgm:spPr>
         <a:solidFill>
-          <a:prstClr val="white">
+          <a:schemeClr val="bg1">
+            <a:lumMod val="95000"/>
             <a:alpha val="55000"/>
-          </a:prstClr>
+          </a:schemeClr>
         </a:solidFill>
         <a:ln w="34925" cap="flat" cmpd="sng" algn="in">
           <a:noFill/>
@@ -4964,9 +4972,10 @@
       <dgm:prSet custT="1"/>
       <dgm:spPr>
         <a:solidFill>
-          <a:prstClr val="white">
+          <a:schemeClr val="bg1">
+            <a:lumMod val="95000"/>
             <a:alpha val="55000"/>
-          </a:prstClr>
+          </a:schemeClr>
         </a:solidFill>
         <a:ln w="34925" cap="flat" cmpd="sng" algn="in">
           <a:noFill/>
@@ -5012,9 +5021,10 @@
       <dgm:prSet custT="1"/>
       <dgm:spPr>
         <a:solidFill>
-          <a:prstClr val="white">
+          <a:schemeClr val="bg1">
+            <a:lumMod val="95000"/>
             <a:alpha val="55000"/>
-          </a:prstClr>
+          </a:schemeClr>
         </a:solidFill>
         <a:ln w="34925" cap="flat" cmpd="sng" algn="in">
           <a:noFill/>
@@ -5177,6 +5187,12 @@
     <dgm:pt modelId="{04E41467-4D3A-455C-AFDD-9C3AED8BBBBA}">
       <dgm:prSet phldrT="[文字]" custT="1"/>
       <dgm:spPr>
+        <a:solidFill>
+          <a:schemeClr val="bg1">
+            <a:lumMod val="95000"/>
+            <a:alpha val="90000"/>
+          </a:schemeClr>
+        </a:solidFill>
         <a:ln>
           <a:noFill/>
         </a:ln>
@@ -5301,6 +5317,12 @@
     <dgm:pt modelId="{CD244559-5EF6-42A5-BB55-D88029A23F41}">
       <dgm:prSet phldrT="[文字]" custT="1"/>
       <dgm:spPr>
+        <a:solidFill>
+          <a:schemeClr val="bg1">
+            <a:lumMod val="95000"/>
+            <a:alpha val="90000"/>
+          </a:schemeClr>
+        </a:solidFill>
         <a:ln>
           <a:noFill/>
         </a:ln>
@@ -5341,6 +5363,12 @@
     <dgm:pt modelId="{72B50C81-94F2-4EC7-AC6C-18C93A7F3DF3}">
       <dgm:prSet phldrT="[文字]" custT="1"/>
       <dgm:spPr>
+        <a:solidFill>
+          <a:schemeClr val="bg1">
+            <a:lumMod val="95000"/>
+            <a:alpha val="90000"/>
+          </a:schemeClr>
+        </a:solidFill>
         <a:ln>
           <a:noFill/>
         </a:ln>
@@ -5381,6 +5409,12 @@
     <dgm:pt modelId="{4EDA3995-6378-497F-82B1-6E95487BD637}">
       <dgm:prSet phldrT="[文字]" custT="1"/>
       <dgm:spPr>
+        <a:solidFill>
+          <a:schemeClr val="bg1">
+            <a:lumMod val="95000"/>
+            <a:alpha val="90000"/>
+          </a:schemeClr>
+        </a:solidFill>
         <a:ln>
           <a:noFill/>
         </a:ln>
@@ -5421,6 +5455,12 @@
     <dgm:pt modelId="{5253B638-8B44-4E9D-8439-D4700BF361B0}">
       <dgm:prSet phldrT="[文字]" custT="1"/>
       <dgm:spPr>
+        <a:solidFill>
+          <a:schemeClr val="bg1">
+            <a:lumMod val="95000"/>
+            <a:alpha val="90000"/>
+          </a:schemeClr>
+        </a:solidFill>
         <a:ln>
           <a:noFill/>
         </a:ln>
@@ -5461,6 +5501,12 @@
     <dgm:pt modelId="{70997B1B-BDBC-4D55-B9CE-CAF370D590E3}">
       <dgm:prSet phldrT="[文字]" custT="1"/>
       <dgm:spPr>
+        <a:solidFill>
+          <a:schemeClr val="bg1">
+            <a:lumMod val="95000"/>
+            <a:alpha val="90000"/>
+          </a:schemeClr>
+        </a:solidFill>
         <a:ln>
           <a:noFill/>
         </a:ln>
@@ -5501,6 +5547,12 @@
     <dgm:pt modelId="{0C53407B-DBD4-441F-93C3-D38A23FBC989}">
       <dgm:prSet phldrT="[文字]" custT="1"/>
       <dgm:spPr>
+        <a:solidFill>
+          <a:schemeClr val="bg1">
+            <a:lumMod val="95000"/>
+            <a:alpha val="90000"/>
+          </a:schemeClr>
+        </a:solidFill>
         <a:ln>
           <a:noFill/>
         </a:ln>
@@ -5541,6 +5593,12 @@
     <dgm:pt modelId="{A4995F72-F408-48F5-BCB2-4A5CF5AB4BF2}">
       <dgm:prSet phldrT="[文字]" custT="1"/>
       <dgm:spPr>
+        <a:solidFill>
+          <a:schemeClr val="bg1">
+            <a:lumMod val="95000"/>
+            <a:alpha val="90000"/>
+          </a:schemeClr>
+        </a:solidFill>
         <a:ln>
           <a:noFill/>
         </a:ln>
@@ -6266,6 +6324,7 @@
         </a:prstGeom>
         <a:solidFill>
           <a:schemeClr val="bg1">
+            <a:lumMod val="95000"/>
             <a:alpha val="55000"/>
           </a:schemeClr>
         </a:solidFill>
@@ -6425,9 +6484,10 @@
           <a:avLst/>
         </a:prstGeom>
         <a:solidFill>
-          <a:prstClr val="white">
+          <a:schemeClr val="bg1">
+            <a:lumMod val="95000"/>
             <a:alpha val="55000"/>
-          </a:prstClr>
+          </a:schemeClr>
         </a:solidFill>
         <a:ln w="34925" cap="flat" cmpd="sng" algn="in">
           <a:noFill/>
@@ -6621,9 +6681,10 @@
           <a:avLst/>
         </a:prstGeom>
         <a:solidFill>
-          <a:prstClr val="white">
+          <a:schemeClr val="bg1">
+            <a:lumMod val="95000"/>
             <a:alpha val="55000"/>
-          </a:prstClr>
+          </a:schemeClr>
         </a:solidFill>
         <a:ln w="34925" cap="flat" cmpd="sng" algn="in">
           <a:noFill/>
@@ -6878,12 +6939,9 @@
           </a:avLst>
         </a:prstGeom>
         <a:solidFill>
-          <a:schemeClr val="lt1">
+          <a:schemeClr val="bg1">
+            <a:lumMod val="95000"/>
             <a:alpha val="90000"/>
-            <a:hueOff val="0"/>
-            <a:satOff val="0"/>
-            <a:lumOff val="0"/>
-            <a:alphaOff val="0"/>
           </a:schemeClr>
         </a:solidFill>
         <a:ln w="34925" cap="flat" cmpd="sng" algn="in">
@@ -7011,12 +7069,9 @@
           </a:avLst>
         </a:prstGeom>
         <a:solidFill>
-          <a:schemeClr val="lt1">
+          <a:schemeClr val="bg1">
+            <a:lumMod val="95000"/>
             <a:alpha val="90000"/>
-            <a:hueOff val="0"/>
-            <a:satOff val="0"/>
-            <a:lumOff val="0"/>
-            <a:alphaOff val="0"/>
           </a:schemeClr>
         </a:solidFill>
         <a:ln w="34925" cap="flat" cmpd="sng" algn="in">
@@ -7140,12 +7195,9 @@
           </a:avLst>
         </a:prstGeom>
         <a:solidFill>
-          <a:schemeClr val="lt1">
+          <a:schemeClr val="bg1">
+            <a:lumMod val="95000"/>
             <a:alpha val="90000"/>
-            <a:hueOff val="0"/>
-            <a:satOff val="0"/>
-            <a:lumOff val="0"/>
-            <a:alphaOff val="0"/>
           </a:schemeClr>
         </a:solidFill>
         <a:ln w="34925" cap="flat" cmpd="sng" algn="in">
@@ -7341,12 +7393,9 @@
           </a:avLst>
         </a:prstGeom>
         <a:solidFill>
-          <a:schemeClr val="lt1">
+          <a:schemeClr val="bg1">
+            <a:lumMod val="95000"/>
             <a:alpha val="90000"/>
-            <a:hueOff val="0"/>
-            <a:satOff val="0"/>
-            <a:lumOff val="0"/>
-            <a:alphaOff val="0"/>
           </a:schemeClr>
         </a:solidFill>
         <a:ln w="34925" cap="flat" cmpd="sng" algn="in">
@@ -7470,12 +7519,9 @@
           </a:avLst>
         </a:prstGeom>
         <a:solidFill>
-          <a:schemeClr val="lt1">
+          <a:schemeClr val="bg1">
+            <a:lumMod val="95000"/>
             <a:alpha val="90000"/>
-            <a:hueOff val="0"/>
-            <a:satOff val="0"/>
-            <a:lumOff val="0"/>
-            <a:alphaOff val="0"/>
           </a:schemeClr>
         </a:solidFill>
         <a:ln w="34925" cap="flat" cmpd="sng" algn="in">
@@ -7671,12 +7717,9 @@
           </a:avLst>
         </a:prstGeom>
         <a:solidFill>
-          <a:schemeClr val="lt1">
+          <a:schemeClr val="bg1">
+            <a:lumMod val="95000"/>
             <a:alpha val="90000"/>
-            <a:hueOff val="0"/>
-            <a:satOff val="0"/>
-            <a:lumOff val="0"/>
-            <a:alphaOff val="0"/>
           </a:schemeClr>
         </a:solidFill>
         <a:ln w="34925" cap="flat" cmpd="sng" algn="in">
@@ -7800,12 +7843,9 @@
           </a:avLst>
         </a:prstGeom>
         <a:solidFill>
-          <a:schemeClr val="lt1">
+          <a:schemeClr val="bg1">
+            <a:lumMod val="95000"/>
             <a:alpha val="90000"/>
-            <a:hueOff val="0"/>
-            <a:satOff val="0"/>
-            <a:lumOff val="0"/>
-            <a:alphaOff val="0"/>
           </a:schemeClr>
         </a:solidFill>
         <a:ln w="34925" cap="flat" cmpd="sng" algn="in">
@@ -7929,12 +7969,9 @@
           </a:avLst>
         </a:prstGeom>
         <a:solidFill>
-          <a:schemeClr val="lt1">
+          <a:schemeClr val="bg1">
+            <a:lumMod val="95000"/>
             <a:alpha val="90000"/>
-            <a:hueOff val="0"/>
-            <a:satOff val="0"/>
-            <a:lumOff val="0"/>
-            <a:alphaOff val="0"/>
           </a:schemeClr>
         </a:solidFill>
         <a:ln w="34925" cap="flat" cmpd="sng" algn="in">
@@ -14487,7 +14524,7 @@
           <a:p>
             <a:fld id="{E40AD7CA-D241-4A91-A033-62799EACC562}" type="datetimeFigureOut">
               <a:rPr lang="zh-TW" altLang="en-US" smtClean="0"/>
-              <a:t>2024/1/7</a:t>
+              <a:t>2024/1/8</a:t>
             </a:fld>
             <a:endParaRPr lang="zh-TW" altLang="en-US"/>
           </a:p>
@@ -14829,7 +14866,7 @@
           <a:p>
             <a:fld id="{E40AD7CA-D241-4A91-A033-62799EACC562}" type="datetimeFigureOut">
               <a:rPr lang="zh-TW" altLang="en-US" smtClean="0"/>
-              <a:t>2024/1/7</a:t>
+              <a:t>2024/1/8</a:t>
             </a:fld>
             <a:endParaRPr lang="zh-TW" altLang="en-US"/>
           </a:p>
@@ -15021,7 +15058,7 @@
           <a:p>
             <a:fld id="{E40AD7CA-D241-4A91-A033-62799EACC562}" type="datetimeFigureOut">
               <a:rPr lang="zh-TW" altLang="en-US" smtClean="0"/>
-              <a:t>2024/1/7</a:t>
+              <a:t>2024/1/8</a:t>
             </a:fld>
             <a:endParaRPr lang="zh-TW" altLang="en-US"/>
           </a:p>
@@ -15203,7 +15240,7 @@
           <a:p>
             <a:fld id="{E40AD7CA-D241-4A91-A033-62799EACC562}" type="datetimeFigureOut">
               <a:rPr lang="zh-TW" altLang="en-US" smtClean="0"/>
-              <a:t>2024/1/7</a:t>
+              <a:t>2024/1/8</a:t>
             </a:fld>
             <a:endParaRPr lang="zh-TW" altLang="en-US"/>
           </a:p>
@@ -15492,7 +15529,7 @@
           <a:p>
             <a:fld id="{E40AD7CA-D241-4A91-A033-62799EACC562}" type="datetimeFigureOut">
               <a:rPr lang="zh-TW" altLang="en-US" smtClean="0"/>
-              <a:t>2024/1/7</a:t>
+              <a:t>2024/1/8</a:t>
             </a:fld>
             <a:endParaRPr lang="zh-TW" altLang="en-US"/>
           </a:p>
@@ -15898,7 +15935,7 @@
           <a:p>
             <a:fld id="{E40AD7CA-D241-4A91-A033-62799EACC562}" type="datetimeFigureOut">
               <a:rPr lang="zh-TW" altLang="en-US" smtClean="0"/>
-              <a:t>2024/1/7</a:t>
+              <a:t>2024/1/8</a:t>
             </a:fld>
             <a:endParaRPr lang="zh-TW" altLang="en-US"/>
           </a:p>
@@ -16387,7 +16424,7 @@
           <a:p>
             <a:fld id="{E40AD7CA-D241-4A91-A033-62799EACC562}" type="datetimeFigureOut">
               <a:rPr lang="zh-TW" altLang="en-US" smtClean="0"/>
-              <a:t>2024/1/7</a:t>
+              <a:t>2024/1/8</a:t>
             </a:fld>
             <a:endParaRPr lang="zh-TW" altLang="en-US"/>
           </a:p>
@@ -16517,7 +16554,7 @@
           <a:p>
             <a:fld id="{E40AD7CA-D241-4A91-A033-62799EACC562}" type="datetimeFigureOut">
               <a:rPr lang="zh-TW" altLang="en-US" smtClean="0"/>
-              <a:t>2024/1/7</a:t>
+              <a:t>2024/1/8</a:t>
             </a:fld>
             <a:endParaRPr lang="zh-TW" altLang="en-US"/>
           </a:p>
@@ -16624,7 +16661,7 @@
           <a:p>
             <a:fld id="{E40AD7CA-D241-4A91-A033-62799EACC562}" type="datetimeFigureOut">
               <a:rPr lang="zh-TW" altLang="en-US" smtClean="0"/>
-              <a:t>2024/1/7</a:t>
+              <a:t>2024/1/8</a:t>
             </a:fld>
             <a:endParaRPr lang="zh-TW" altLang="en-US"/>
           </a:p>
@@ -16982,7 +17019,7 @@
           <a:p>
             <a:fld id="{E40AD7CA-D241-4A91-A033-62799EACC562}" type="datetimeFigureOut">
               <a:rPr lang="zh-TW" altLang="en-US" smtClean="0"/>
-              <a:t>2024/1/7</a:t>
+              <a:t>2024/1/8</a:t>
             </a:fld>
             <a:endParaRPr lang="zh-TW" altLang="en-US"/>
           </a:p>
@@ -17382,7 +17419,7 @@
           <a:p>
             <a:fld id="{E40AD7CA-D241-4A91-A033-62799EACC562}" type="datetimeFigureOut">
               <a:rPr lang="zh-TW" altLang="en-US" smtClean="0"/>
-              <a:t>2024/1/7</a:t>
+              <a:t>2024/1/8</a:t>
             </a:fld>
             <a:endParaRPr lang="zh-TW" altLang="en-US"/>
           </a:p>
@@ -17672,7 +17709,7 @@
           <a:p>
             <a:fld id="{E40AD7CA-D241-4A91-A033-62799EACC562}" type="datetimeFigureOut">
               <a:rPr lang="zh-TW" altLang="en-US" smtClean="0"/>
-              <a:t>2024/1/7</a:t>
+              <a:t>2024/1/8</a:t>
             </a:fld>
             <a:endParaRPr lang="zh-TW" altLang="en-US"/>
           </a:p>
@@ -19598,7 +19635,7 @@
           <p:nvPr>
             <p:extLst>
               <p:ext uri="{D42A27DB-BD31-4B8C-83A1-F6EECF244321}">
-                <p14:modId xmlns:p14="http://schemas.microsoft.com/office/powerpoint/2010/main" val="1532497358"/>
+                <p14:modId xmlns:p14="http://schemas.microsoft.com/office/powerpoint/2010/main" val="3071557670"/>
               </p:ext>
             </p:extLst>
           </p:nvPr>
@@ -19745,7 +19782,7 @@
           <p:nvPr>
             <p:extLst>
               <p:ext uri="{D42A27DB-BD31-4B8C-83A1-F6EECF244321}">
-                <p14:modId xmlns:p14="http://schemas.microsoft.com/office/powerpoint/2010/main" val="1327306282"/>
+                <p14:modId xmlns:p14="http://schemas.microsoft.com/office/powerpoint/2010/main" val="1120247237"/>
               </p:ext>
             </p:extLst>
           </p:nvPr>
@@ -19770,13 +19807,13 @@
   <p:clrMapOvr>
     <a:masterClrMapping/>
   </p:clrMapOvr>
-  <mc:AlternateContent xmlns:mc="http://schemas.openxmlformats.org/markup-compatibility/2006">
-    <mc:Choice xmlns:p14="http://schemas.microsoft.com/office/powerpoint/2010/main" Requires="p14">
+  <mc:AlternateContent xmlns:mc="http://schemas.openxmlformats.org/markup-compatibility/2006" xmlns:p14="http://schemas.microsoft.com/office/powerpoint/2010/main">
+    <mc:Choice Requires="p14">
       <p:transition spd="med" p14:dur="700">
         <p:fade/>
       </p:transition>
     </mc:Choice>
-    <mc:Fallback>
+    <mc:Fallback xmlns="">
       <p:transition spd="med">
         <p:fade/>
       </p:transition>
@@ -19892,7 +19929,7 @@
           <p:nvPr>
             <p:extLst>
               <p:ext uri="{D42A27DB-BD31-4B8C-83A1-F6EECF244321}">
-                <p14:modId xmlns:p14="http://schemas.microsoft.com/office/powerpoint/2010/main" val="865229798"/>
+                <p14:modId xmlns:p14="http://schemas.microsoft.com/office/powerpoint/2010/main" val="3493597851"/>
               </p:ext>
             </p:extLst>
           </p:nvPr>
@@ -19917,13 +19954,13 @@
   <p:clrMapOvr>
     <a:masterClrMapping/>
   </p:clrMapOvr>
-  <mc:AlternateContent xmlns:mc="http://schemas.openxmlformats.org/markup-compatibility/2006">
-    <mc:Choice xmlns:p14="http://schemas.microsoft.com/office/powerpoint/2010/main" Requires="p14">
+  <mc:AlternateContent xmlns:mc="http://schemas.openxmlformats.org/markup-compatibility/2006" xmlns:p14="http://schemas.microsoft.com/office/powerpoint/2010/main">
+    <mc:Choice Requires="p14">
       <p:transition spd="med" p14:dur="700">
         <p:fade/>
       </p:transition>
     </mc:Choice>
-    <mc:Fallback>
+    <mc:Fallback xmlns="">
       <p:transition spd="med">
         <p:fade/>
       </p:transition>
@@ -23579,7 +23616,7 @@
             <p:ph idx="1"/>
             <p:extLst>
               <p:ext uri="{D42A27DB-BD31-4B8C-83A1-F6EECF244321}">
-                <p14:modId xmlns:p14="http://schemas.microsoft.com/office/powerpoint/2010/main" val="1647238760"/>
+                <p14:modId xmlns:p14="http://schemas.microsoft.com/office/powerpoint/2010/main" val="2295144753"/>
               </p:ext>
             </p:extLst>
           </p:nvPr>
@@ -24170,7 +24207,7 @@
         </p:nvSpPr>
         <p:spPr>
           <a:xfrm>
-            <a:off x="8955635" y="4641474"/>
+            <a:off x="9061198" y="4641474"/>
             <a:ext cx="2232000" cy="720000"/>
           </a:xfrm>
           <a:custGeom>
@@ -24327,7 +24364,7 @@
         </p:nvSpPr>
         <p:spPr>
           <a:xfrm>
-            <a:off x="8949841" y="5502561"/>
+            <a:off x="9055404" y="5502561"/>
             <a:ext cx="2232000" cy="720000"/>
           </a:xfrm>
           <a:custGeom>
@@ -24484,7 +24521,7 @@
         </p:nvSpPr>
         <p:spPr>
           <a:xfrm>
-            <a:off x="8949841" y="2073729"/>
+            <a:off x="9055404" y="2073729"/>
             <a:ext cx="2232000" cy="720000"/>
           </a:xfrm>
           <a:custGeom>
@@ -24641,7 +24678,7 @@
         </p:nvSpPr>
         <p:spPr>
           <a:xfrm>
-            <a:off x="8949841" y="2929644"/>
+            <a:off x="9055404" y="2929644"/>
             <a:ext cx="2232000" cy="720000"/>
           </a:xfrm>
           <a:custGeom>
@@ -24798,7 +24835,7 @@
         </p:nvSpPr>
         <p:spPr>
           <a:xfrm>
-            <a:off x="8949841" y="3785559"/>
+            <a:off x="9055404" y="3785559"/>
             <a:ext cx="2232000" cy="720000"/>
           </a:xfrm>
           <a:custGeom>
@@ -27068,7 +27105,7 @@
               <a:avLst/>
             </a:prstGeom>
             <a:solidFill>
-              <a:srgbClr val="EFEDE3"/>
+              <a:srgbClr val="FFFFFF"/>
             </a:solidFill>
             <a:ln>
               <a:noFill/>
@@ -27122,7 +27159,7 @@
               <a:avLst/>
             </a:prstGeom>
             <a:solidFill>
-              <a:srgbClr val="EFEDE3"/>
+              <a:srgbClr val="FFFFFF"/>
             </a:solidFill>
             <a:ln>
               <a:noFill/>
@@ -27176,7 +27213,7 @@
               <a:avLst/>
             </a:prstGeom>
             <a:solidFill>
-              <a:srgbClr val="EFEDE3"/>
+              <a:srgbClr val="FFFFFF"/>
             </a:solidFill>
             <a:ln>
               <a:noFill/>
@@ -28214,7 +28251,7 @@
         </p:blipFill>
         <p:spPr>
           <a:xfrm>
-            <a:off x="8507929" y="4423666"/>
+            <a:off x="8517554" y="4390835"/>
             <a:ext cx="720000" cy="720000"/>
           </a:xfrm>
           <a:prstGeom prst="rect">
@@ -28902,7 +28939,7 @@
         </p:nvSpPr>
         <p:spPr>
           <a:xfrm>
-            <a:off x="6262914" y="2382532"/>
+            <a:off x="5624286" y="2382532"/>
             <a:ext cx="4724400" cy="4210051"/>
           </a:xfrm>
           <a:prstGeom prst="rect">
